--- a/MAGIW_KarateKIID.pptx
+++ b/MAGIW_KarateKIID.pptx
@@ -2,7 +2,7 @@
 <file path=ppt/presentation.xml><?xml version="1.0" encoding="utf-8"?>
 <p:presentation xmlns:a="http://schemas.openxmlformats.org/drawingml/2006/main" xmlns:r="http://schemas.openxmlformats.org/officeDocument/2006/relationships" xmlns:p="http://schemas.openxmlformats.org/presentationml/2006/main" saveSubsetFonts="1">
   <p:sldMasterIdLst>
-    <p:sldMasterId id="2147483648" r:id="rId1"/>
+    <p:sldMasterId id="2147483660" r:id="rId1"/>
   </p:sldMasterIdLst>
   <p:sldIdLst>
     <p:sldId id="256" r:id="rId2"/>
@@ -16,9 +16,9 @@
   <p:notesSz cx="6858000" cy="9144000"/>
   <p:defaultTextStyle>
     <a:defPPr>
-      <a:defRPr lang="pl-PL"/>
+      <a:defRPr lang="en-US"/>
     </a:defPPr>
-    <a:lvl1pPr marL="0" algn="l" defTabSz="914400" rtl="0" eaLnBrk="1" latinLnBrk="0" hangingPunct="1">
+    <a:lvl1pPr marL="0" algn="l" defTabSz="457200" rtl="0" eaLnBrk="1" latinLnBrk="0" hangingPunct="1">
       <a:defRPr sz="1800" kern="1200">
         <a:solidFill>
           <a:schemeClr val="tx1"/>
@@ -28,7 +28,7 @@
         <a:cs typeface="+mn-cs"/>
       </a:defRPr>
     </a:lvl1pPr>
-    <a:lvl2pPr marL="457200" algn="l" defTabSz="914400" rtl="0" eaLnBrk="1" latinLnBrk="0" hangingPunct="1">
+    <a:lvl2pPr marL="457200" algn="l" defTabSz="457200" rtl="0" eaLnBrk="1" latinLnBrk="0" hangingPunct="1">
       <a:defRPr sz="1800" kern="1200">
         <a:solidFill>
           <a:schemeClr val="tx1"/>
@@ -38,7 +38,7 @@
         <a:cs typeface="+mn-cs"/>
       </a:defRPr>
     </a:lvl2pPr>
-    <a:lvl3pPr marL="914400" algn="l" defTabSz="914400" rtl="0" eaLnBrk="1" latinLnBrk="0" hangingPunct="1">
+    <a:lvl3pPr marL="914400" algn="l" defTabSz="457200" rtl="0" eaLnBrk="1" latinLnBrk="0" hangingPunct="1">
       <a:defRPr sz="1800" kern="1200">
         <a:solidFill>
           <a:schemeClr val="tx1"/>
@@ -48,7 +48,7 @@
         <a:cs typeface="+mn-cs"/>
       </a:defRPr>
     </a:lvl3pPr>
-    <a:lvl4pPr marL="1371600" algn="l" defTabSz="914400" rtl="0" eaLnBrk="1" latinLnBrk="0" hangingPunct="1">
+    <a:lvl4pPr marL="1371600" algn="l" defTabSz="457200" rtl="0" eaLnBrk="1" latinLnBrk="0" hangingPunct="1">
       <a:defRPr sz="1800" kern="1200">
         <a:solidFill>
           <a:schemeClr val="tx1"/>
@@ -58,7 +58,7 @@
         <a:cs typeface="+mn-cs"/>
       </a:defRPr>
     </a:lvl4pPr>
-    <a:lvl5pPr marL="1828800" algn="l" defTabSz="914400" rtl="0" eaLnBrk="1" latinLnBrk="0" hangingPunct="1">
+    <a:lvl5pPr marL="1828800" algn="l" defTabSz="457200" rtl="0" eaLnBrk="1" latinLnBrk="0" hangingPunct="1">
       <a:defRPr sz="1800" kern="1200">
         <a:solidFill>
           <a:schemeClr val="tx1"/>
@@ -68,7 +68,7 @@
         <a:cs typeface="+mn-cs"/>
       </a:defRPr>
     </a:lvl5pPr>
-    <a:lvl6pPr marL="2286000" algn="l" defTabSz="914400" rtl="0" eaLnBrk="1" latinLnBrk="0" hangingPunct="1">
+    <a:lvl6pPr marL="2286000" algn="l" defTabSz="457200" rtl="0" eaLnBrk="1" latinLnBrk="0" hangingPunct="1">
       <a:defRPr sz="1800" kern="1200">
         <a:solidFill>
           <a:schemeClr val="tx1"/>
@@ -78,7 +78,7 @@
         <a:cs typeface="+mn-cs"/>
       </a:defRPr>
     </a:lvl6pPr>
-    <a:lvl7pPr marL="2743200" algn="l" defTabSz="914400" rtl="0" eaLnBrk="1" latinLnBrk="0" hangingPunct="1">
+    <a:lvl7pPr marL="2743200" algn="l" defTabSz="457200" rtl="0" eaLnBrk="1" latinLnBrk="0" hangingPunct="1">
       <a:defRPr sz="1800" kern="1200">
         <a:solidFill>
           <a:schemeClr val="tx1"/>
@@ -88,7 +88,7 @@
         <a:cs typeface="+mn-cs"/>
       </a:defRPr>
     </a:lvl7pPr>
-    <a:lvl8pPr marL="3200400" algn="l" defTabSz="914400" rtl="0" eaLnBrk="1" latinLnBrk="0" hangingPunct="1">
+    <a:lvl8pPr marL="3200400" algn="l" defTabSz="457200" rtl="0" eaLnBrk="1" latinLnBrk="0" hangingPunct="1">
       <a:defRPr sz="1800" kern="1200">
         <a:solidFill>
           <a:schemeClr val="tx1"/>
@@ -98,7 +98,7 @@
         <a:cs typeface="+mn-cs"/>
       </a:defRPr>
     </a:lvl8pPr>
-    <a:lvl9pPr marL="3657600" algn="l" defTabSz="914400" rtl="0" eaLnBrk="1" latinLnBrk="0" hangingPunct="1">
+    <a:lvl9pPr marL="3657600" algn="l" defTabSz="457200" rtl="0" eaLnBrk="1" latinLnBrk="0" hangingPunct="1">
       <a:defRPr sz="1800" kern="1200">
         <a:solidFill>
           <a:schemeClr val="tx1"/>
@@ -109,7 +109,2860 @@
       </a:defRPr>
     </a:lvl9pPr>
   </p:defaultTextStyle>
+  <p:extLst>
+    <p:ext uri="{EFAFB233-063F-42B5-8137-9DF3F51BA10A}">
+      <p15:sldGuideLst xmlns:p15="http://schemas.microsoft.com/office/powerpoint/2012/main"/>
+    </p:ext>
+  </p:extLst>
 </p:presentation>
+</file>
+
+<file path=ppt/diagrams/colors1.xml><?xml version="1.0" encoding="utf-8"?>
+<dgm:colorsDef xmlns:dgm="http://schemas.openxmlformats.org/drawingml/2006/diagram" xmlns:a="http://schemas.openxmlformats.org/drawingml/2006/main" uniqueId="urn:microsoft.com/office/officeart/2005/8/colors/accent1_2">
+  <dgm:title val=""/>
+  <dgm:desc val=""/>
+  <dgm:catLst>
+    <dgm:cat type="accent1" pri="11200"/>
+  </dgm:catLst>
+  <dgm:styleLbl name="node0">
+    <dgm:fillClrLst meth="repeat">
+      <a:schemeClr val="accent1"/>
+    </dgm:fillClrLst>
+    <dgm:linClrLst meth="repeat">
+      <a:schemeClr val="lt1"/>
+    </dgm:linClrLst>
+    <dgm:effectClrLst/>
+    <dgm:txLinClrLst/>
+    <dgm:txFillClrLst/>
+    <dgm:txEffectClrLst/>
+  </dgm:styleLbl>
+  <dgm:styleLbl name="alignNode1">
+    <dgm:fillClrLst meth="repeat">
+      <a:schemeClr val="accent1"/>
+    </dgm:fillClrLst>
+    <dgm:linClrLst meth="repeat">
+      <a:schemeClr val="accent1"/>
+    </dgm:linClrLst>
+    <dgm:effectClrLst/>
+    <dgm:txLinClrLst/>
+    <dgm:txFillClrLst/>
+    <dgm:txEffectClrLst/>
+  </dgm:styleLbl>
+  <dgm:styleLbl name="node1">
+    <dgm:fillClrLst meth="repeat">
+      <a:schemeClr val="accent1"/>
+    </dgm:fillClrLst>
+    <dgm:linClrLst meth="repeat">
+      <a:schemeClr val="lt1"/>
+    </dgm:linClrLst>
+    <dgm:effectClrLst/>
+    <dgm:txLinClrLst/>
+    <dgm:txFillClrLst/>
+    <dgm:txEffectClrLst/>
+  </dgm:styleLbl>
+  <dgm:styleLbl name="lnNode1">
+    <dgm:fillClrLst meth="repeat">
+      <a:schemeClr val="accent1"/>
+    </dgm:fillClrLst>
+    <dgm:linClrLst meth="repeat">
+      <a:schemeClr val="lt1"/>
+    </dgm:linClrLst>
+    <dgm:effectClrLst/>
+    <dgm:txLinClrLst/>
+    <dgm:txFillClrLst/>
+    <dgm:txEffectClrLst/>
+  </dgm:styleLbl>
+  <dgm:styleLbl name="vennNode1">
+    <dgm:fillClrLst meth="repeat">
+      <a:schemeClr val="accent1">
+        <a:alpha val="50000"/>
+      </a:schemeClr>
+    </dgm:fillClrLst>
+    <dgm:linClrLst meth="repeat">
+      <a:schemeClr val="lt1"/>
+    </dgm:linClrLst>
+    <dgm:effectClrLst/>
+    <dgm:txLinClrLst/>
+    <dgm:txFillClrLst/>
+    <dgm:txEffectClrLst/>
+  </dgm:styleLbl>
+  <dgm:styleLbl name="node2">
+    <dgm:fillClrLst meth="repeat">
+      <a:schemeClr val="accent1"/>
+    </dgm:fillClrLst>
+    <dgm:linClrLst meth="repeat">
+      <a:schemeClr val="lt1"/>
+    </dgm:linClrLst>
+    <dgm:effectClrLst/>
+    <dgm:txLinClrLst/>
+    <dgm:txFillClrLst/>
+    <dgm:txEffectClrLst/>
+  </dgm:styleLbl>
+  <dgm:styleLbl name="node3">
+    <dgm:fillClrLst meth="repeat">
+      <a:schemeClr val="accent1"/>
+    </dgm:fillClrLst>
+    <dgm:linClrLst meth="repeat">
+      <a:schemeClr val="lt1"/>
+    </dgm:linClrLst>
+    <dgm:effectClrLst/>
+    <dgm:txLinClrLst/>
+    <dgm:txFillClrLst/>
+    <dgm:txEffectClrLst/>
+  </dgm:styleLbl>
+  <dgm:styleLbl name="node4">
+    <dgm:fillClrLst meth="repeat">
+      <a:schemeClr val="accent1"/>
+    </dgm:fillClrLst>
+    <dgm:linClrLst meth="repeat">
+      <a:schemeClr val="lt1"/>
+    </dgm:linClrLst>
+    <dgm:effectClrLst/>
+    <dgm:txLinClrLst/>
+    <dgm:txFillClrLst/>
+    <dgm:txEffectClrLst/>
+  </dgm:styleLbl>
+  <dgm:styleLbl name="fgImgPlace1">
+    <dgm:fillClrLst meth="repeat">
+      <a:schemeClr val="accent1">
+        <a:tint val="50000"/>
+      </a:schemeClr>
+    </dgm:fillClrLst>
+    <dgm:linClrLst meth="repeat">
+      <a:schemeClr val="lt1"/>
+    </dgm:linClrLst>
+    <dgm:effectClrLst/>
+    <dgm:txLinClrLst/>
+    <dgm:txFillClrLst meth="repeat">
+      <a:schemeClr val="lt1"/>
+    </dgm:txFillClrLst>
+    <dgm:txEffectClrLst/>
+  </dgm:styleLbl>
+  <dgm:styleLbl name="alignImgPlace1">
+    <dgm:fillClrLst meth="repeat">
+      <a:schemeClr val="accent1">
+        <a:tint val="50000"/>
+      </a:schemeClr>
+    </dgm:fillClrLst>
+    <dgm:linClrLst meth="repeat">
+      <a:schemeClr val="lt1"/>
+    </dgm:linClrLst>
+    <dgm:effectClrLst/>
+    <dgm:txLinClrLst/>
+    <dgm:txFillClrLst meth="repeat">
+      <a:schemeClr val="lt1"/>
+    </dgm:txFillClrLst>
+    <dgm:txEffectClrLst/>
+  </dgm:styleLbl>
+  <dgm:styleLbl name="bgImgPlace1">
+    <dgm:fillClrLst meth="repeat">
+      <a:schemeClr val="accent1">
+        <a:tint val="50000"/>
+      </a:schemeClr>
+    </dgm:fillClrLst>
+    <dgm:linClrLst meth="repeat">
+      <a:schemeClr val="lt1"/>
+    </dgm:linClrLst>
+    <dgm:effectClrLst/>
+    <dgm:txLinClrLst/>
+    <dgm:txFillClrLst meth="repeat">
+      <a:schemeClr val="lt1"/>
+    </dgm:txFillClrLst>
+    <dgm:txEffectClrLst/>
+  </dgm:styleLbl>
+  <dgm:styleLbl name="sibTrans2D1">
+    <dgm:fillClrLst meth="repeat">
+      <a:schemeClr val="accent1">
+        <a:tint val="60000"/>
+      </a:schemeClr>
+    </dgm:fillClrLst>
+    <dgm:linClrLst meth="repeat">
+      <a:schemeClr val="accent1">
+        <a:tint val="60000"/>
+      </a:schemeClr>
+    </dgm:linClrLst>
+    <dgm:effectClrLst/>
+    <dgm:txLinClrLst/>
+    <dgm:txFillClrLst/>
+    <dgm:txEffectClrLst/>
+  </dgm:styleLbl>
+  <dgm:styleLbl name="fgSibTrans2D1">
+    <dgm:fillClrLst meth="repeat">
+      <a:schemeClr val="accent1">
+        <a:tint val="60000"/>
+      </a:schemeClr>
+    </dgm:fillClrLst>
+    <dgm:linClrLst meth="repeat">
+      <a:schemeClr val="accent1">
+        <a:tint val="60000"/>
+      </a:schemeClr>
+    </dgm:linClrLst>
+    <dgm:effectClrLst/>
+    <dgm:txLinClrLst/>
+    <dgm:txFillClrLst/>
+    <dgm:txEffectClrLst/>
+  </dgm:styleLbl>
+  <dgm:styleLbl name="bgSibTrans2D1">
+    <dgm:fillClrLst meth="repeat">
+      <a:schemeClr val="accent1">
+        <a:tint val="60000"/>
+      </a:schemeClr>
+    </dgm:fillClrLst>
+    <dgm:linClrLst meth="repeat">
+      <a:schemeClr val="accent1">
+        <a:tint val="60000"/>
+      </a:schemeClr>
+    </dgm:linClrLst>
+    <dgm:effectClrLst/>
+    <dgm:txLinClrLst/>
+    <dgm:txFillClrLst/>
+    <dgm:txEffectClrLst/>
+  </dgm:styleLbl>
+  <dgm:styleLbl name="sibTrans1D1">
+    <dgm:fillClrLst meth="repeat">
+      <a:schemeClr val="accent1"/>
+    </dgm:fillClrLst>
+    <dgm:linClrLst meth="repeat">
+      <a:schemeClr val="accent1"/>
+    </dgm:linClrLst>
+    <dgm:effectClrLst/>
+    <dgm:txLinClrLst/>
+    <dgm:txFillClrLst meth="repeat">
+      <a:schemeClr val="tx1"/>
+    </dgm:txFillClrLst>
+    <dgm:txEffectClrLst/>
+  </dgm:styleLbl>
+  <dgm:styleLbl name="callout">
+    <dgm:fillClrLst meth="repeat">
+      <a:schemeClr val="accent1"/>
+    </dgm:fillClrLst>
+    <dgm:linClrLst meth="repeat">
+      <a:schemeClr val="accent1">
+        <a:tint val="50000"/>
+      </a:schemeClr>
+    </dgm:linClrLst>
+    <dgm:effectClrLst/>
+    <dgm:txLinClrLst/>
+    <dgm:txFillClrLst meth="repeat">
+      <a:schemeClr val="tx1"/>
+    </dgm:txFillClrLst>
+    <dgm:txEffectClrLst/>
+  </dgm:styleLbl>
+  <dgm:styleLbl name="asst0">
+    <dgm:fillClrLst meth="repeat">
+      <a:schemeClr val="accent1"/>
+    </dgm:fillClrLst>
+    <dgm:linClrLst meth="repeat">
+      <a:schemeClr val="lt1"/>
+    </dgm:linClrLst>
+    <dgm:effectClrLst/>
+    <dgm:txLinClrLst/>
+    <dgm:txFillClrLst/>
+    <dgm:txEffectClrLst/>
+  </dgm:styleLbl>
+  <dgm:styleLbl name="asst1">
+    <dgm:fillClrLst meth="repeat">
+      <a:schemeClr val="accent1"/>
+    </dgm:fillClrLst>
+    <dgm:linClrLst meth="repeat">
+      <a:schemeClr val="lt1"/>
+    </dgm:linClrLst>
+    <dgm:effectClrLst/>
+    <dgm:txLinClrLst/>
+    <dgm:txFillClrLst/>
+    <dgm:txEffectClrLst/>
+  </dgm:styleLbl>
+  <dgm:styleLbl name="asst2">
+    <dgm:fillClrLst meth="repeat">
+      <a:schemeClr val="accent1"/>
+    </dgm:fillClrLst>
+    <dgm:linClrLst meth="repeat">
+      <a:schemeClr val="lt1"/>
+    </dgm:linClrLst>
+    <dgm:effectClrLst/>
+    <dgm:txLinClrLst/>
+    <dgm:txFillClrLst/>
+    <dgm:txEffectClrLst/>
+  </dgm:styleLbl>
+  <dgm:styleLbl name="asst3">
+    <dgm:fillClrLst meth="repeat">
+      <a:schemeClr val="accent1"/>
+    </dgm:fillClrLst>
+    <dgm:linClrLst meth="repeat">
+      <a:schemeClr val="lt1"/>
+    </dgm:linClrLst>
+    <dgm:effectClrLst/>
+    <dgm:txLinClrLst/>
+    <dgm:txFillClrLst/>
+    <dgm:txEffectClrLst/>
+  </dgm:styleLbl>
+  <dgm:styleLbl name="asst4">
+    <dgm:fillClrLst meth="repeat">
+      <a:schemeClr val="accent1"/>
+    </dgm:fillClrLst>
+    <dgm:linClrLst meth="repeat">
+      <a:schemeClr val="lt1"/>
+    </dgm:linClrLst>
+    <dgm:effectClrLst/>
+    <dgm:txLinClrLst/>
+    <dgm:txFillClrLst/>
+    <dgm:txEffectClrLst/>
+  </dgm:styleLbl>
+  <dgm:styleLbl name="parChTrans2D1">
+    <dgm:fillClrLst meth="repeat">
+      <a:schemeClr val="accent1">
+        <a:tint val="60000"/>
+      </a:schemeClr>
+    </dgm:fillClrLst>
+    <dgm:linClrLst meth="repeat">
+      <a:schemeClr val="accent1">
+        <a:tint val="60000"/>
+      </a:schemeClr>
+    </dgm:linClrLst>
+    <dgm:effectClrLst/>
+    <dgm:txLinClrLst/>
+    <dgm:txFillClrLst meth="repeat">
+      <a:schemeClr val="lt1"/>
+    </dgm:txFillClrLst>
+    <dgm:txEffectClrLst/>
+  </dgm:styleLbl>
+  <dgm:styleLbl name="parChTrans2D2">
+    <dgm:fillClrLst meth="repeat">
+      <a:schemeClr val="accent1"/>
+    </dgm:fillClrLst>
+    <dgm:linClrLst meth="repeat">
+      <a:schemeClr val="accent1"/>
+    </dgm:linClrLst>
+    <dgm:effectClrLst/>
+    <dgm:txLinClrLst/>
+    <dgm:txFillClrLst meth="repeat">
+      <a:schemeClr val="lt1"/>
+    </dgm:txFillClrLst>
+    <dgm:txEffectClrLst/>
+  </dgm:styleLbl>
+  <dgm:styleLbl name="parChTrans2D3">
+    <dgm:fillClrLst meth="repeat">
+      <a:schemeClr val="accent1"/>
+    </dgm:fillClrLst>
+    <dgm:linClrLst meth="repeat">
+      <a:schemeClr val="accent1"/>
+    </dgm:linClrLst>
+    <dgm:effectClrLst/>
+    <dgm:txLinClrLst/>
+    <dgm:txFillClrLst meth="repeat">
+      <a:schemeClr val="lt1"/>
+    </dgm:txFillClrLst>
+    <dgm:txEffectClrLst/>
+  </dgm:styleLbl>
+  <dgm:styleLbl name="parChTrans2D4">
+    <dgm:fillClrLst meth="repeat">
+      <a:schemeClr val="accent1"/>
+    </dgm:fillClrLst>
+    <dgm:linClrLst meth="repeat">
+      <a:schemeClr val="accent1"/>
+    </dgm:linClrLst>
+    <dgm:effectClrLst/>
+    <dgm:txLinClrLst/>
+    <dgm:txFillClrLst meth="repeat">
+      <a:schemeClr val="lt1"/>
+    </dgm:txFillClrLst>
+    <dgm:txEffectClrLst/>
+  </dgm:styleLbl>
+  <dgm:styleLbl name="parChTrans1D1">
+    <dgm:fillClrLst meth="repeat">
+      <a:schemeClr val="accent1"/>
+    </dgm:fillClrLst>
+    <dgm:linClrLst meth="repeat">
+      <a:schemeClr val="accent1">
+        <a:shade val="60000"/>
+      </a:schemeClr>
+    </dgm:linClrLst>
+    <dgm:effectClrLst/>
+    <dgm:txLinClrLst/>
+    <dgm:txFillClrLst meth="repeat">
+      <a:schemeClr val="tx1"/>
+    </dgm:txFillClrLst>
+    <dgm:txEffectClrLst/>
+  </dgm:styleLbl>
+  <dgm:styleLbl name="parChTrans1D2">
+    <dgm:fillClrLst meth="repeat">
+      <a:schemeClr val="accent1"/>
+    </dgm:fillClrLst>
+    <dgm:linClrLst meth="repeat">
+      <a:schemeClr val="accent1">
+        <a:shade val="60000"/>
+      </a:schemeClr>
+    </dgm:linClrLst>
+    <dgm:effectClrLst/>
+    <dgm:txLinClrLst/>
+    <dgm:txFillClrLst meth="repeat">
+      <a:schemeClr val="tx1"/>
+    </dgm:txFillClrLst>
+    <dgm:txEffectClrLst/>
+  </dgm:styleLbl>
+  <dgm:styleLbl name="parChTrans1D3">
+    <dgm:fillClrLst meth="repeat">
+      <a:schemeClr val="accent1"/>
+    </dgm:fillClrLst>
+    <dgm:linClrLst meth="repeat">
+      <a:schemeClr val="accent1">
+        <a:shade val="80000"/>
+      </a:schemeClr>
+    </dgm:linClrLst>
+    <dgm:effectClrLst/>
+    <dgm:txLinClrLst/>
+    <dgm:txFillClrLst meth="repeat">
+      <a:schemeClr val="tx1"/>
+    </dgm:txFillClrLst>
+    <dgm:txEffectClrLst/>
+  </dgm:styleLbl>
+  <dgm:styleLbl name="parChTrans1D4">
+    <dgm:fillClrLst meth="repeat">
+      <a:schemeClr val="accent1"/>
+    </dgm:fillClrLst>
+    <dgm:linClrLst meth="repeat">
+      <a:schemeClr val="accent1">
+        <a:shade val="80000"/>
+      </a:schemeClr>
+    </dgm:linClrLst>
+    <dgm:effectClrLst/>
+    <dgm:txLinClrLst/>
+    <dgm:txFillClrLst meth="repeat">
+      <a:schemeClr val="tx1"/>
+    </dgm:txFillClrLst>
+    <dgm:txEffectClrLst/>
+  </dgm:styleLbl>
+  <dgm:styleLbl name="fgAcc1">
+    <dgm:fillClrLst meth="repeat">
+      <a:schemeClr val="lt1">
+        <a:alpha val="90000"/>
+      </a:schemeClr>
+    </dgm:fillClrLst>
+    <dgm:linClrLst meth="repeat">
+      <a:schemeClr val="accent1"/>
+    </dgm:linClrLst>
+    <dgm:effectClrLst/>
+    <dgm:txLinClrLst/>
+    <dgm:txFillClrLst meth="repeat">
+      <a:schemeClr val="dk1"/>
+    </dgm:txFillClrLst>
+    <dgm:txEffectClrLst/>
+  </dgm:styleLbl>
+  <dgm:styleLbl name="conFgAcc1">
+    <dgm:fillClrLst meth="repeat">
+      <a:schemeClr val="lt1">
+        <a:alpha val="90000"/>
+      </a:schemeClr>
+    </dgm:fillClrLst>
+    <dgm:linClrLst meth="repeat">
+      <a:schemeClr val="accent1"/>
+    </dgm:linClrLst>
+    <dgm:effectClrLst/>
+    <dgm:txLinClrLst/>
+    <dgm:txFillClrLst meth="repeat">
+      <a:schemeClr val="dk1"/>
+    </dgm:txFillClrLst>
+    <dgm:txEffectClrLst/>
+  </dgm:styleLbl>
+  <dgm:styleLbl name="alignAcc1">
+    <dgm:fillClrLst meth="repeat">
+      <a:schemeClr val="lt1">
+        <a:alpha val="90000"/>
+      </a:schemeClr>
+    </dgm:fillClrLst>
+    <dgm:linClrLst meth="repeat">
+      <a:schemeClr val="accent1"/>
+    </dgm:linClrLst>
+    <dgm:effectClrLst/>
+    <dgm:txLinClrLst/>
+    <dgm:txFillClrLst meth="repeat">
+      <a:schemeClr val="dk1"/>
+    </dgm:txFillClrLst>
+    <dgm:txEffectClrLst/>
+  </dgm:styleLbl>
+  <dgm:styleLbl name="trAlignAcc1">
+    <dgm:fillClrLst meth="repeat">
+      <a:schemeClr val="lt1">
+        <a:alpha val="40000"/>
+      </a:schemeClr>
+    </dgm:fillClrLst>
+    <dgm:linClrLst meth="repeat">
+      <a:schemeClr val="accent1"/>
+    </dgm:linClrLst>
+    <dgm:effectClrLst/>
+    <dgm:txLinClrLst/>
+    <dgm:txFillClrLst meth="repeat">
+      <a:schemeClr val="dk1"/>
+    </dgm:txFillClrLst>
+    <dgm:txEffectClrLst/>
+  </dgm:styleLbl>
+  <dgm:styleLbl name="bgAcc1">
+    <dgm:fillClrLst meth="repeat">
+      <a:schemeClr val="lt1">
+        <a:alpha val="90000"/>
+      </a:schemeClr>
+    </dgm:fillClrLst>
+    <dgm:linClrLst meth="repeat">
+      <a:schemeClr val="accent1"/>
+    </dgm:linClrLst>
+    <dgm:effectClrLst/>
+    <dgm:txLinClrLst/>
+    <dgm:txFillClrLst meth="repeat">
+      <a:schemeClr val="dk1"/>
+    </dgm:txFillClrLst>
+    <dgm:txEffectClrLst/>
+  </dgm:styleLbl>
+  <dgm:styleLbl name="solidFgAcc1">
+    <dgm:fillClrLst meth="repeat">
+      <a:schemeClr val="lt1"/>
+    </dgm:fillClrLst>
+    <dgm:linClrLst meth="repeat">
+      <a:schemeClr val="accent1"/>
+    </dgm:linClrLst>
+    <dgm:effectClrLst/>
+    <dgm:txLinClrLst/>
+    <dgm:txFillClrLst meth="repeat">
+      <a:schemeClr val="dk1"/>
+    </dgm:txFillClrLst>
+    <dgm:txEffectClrLst/>
+  </dgm:styleLbl>
+  <dgm:styleLbl name="solidAlignAcc1">
+    <dgm:fillClrLst meth="repeat">
+      <a:schemeClr val="lt1"/>
+    </dgm:fillClrLst>
+    <dgm:linClrLst meth="repeat">
+      <a:schemeClr val="accent1"/>
+    </dgm:linClrLst>
+    <dgm:effectClrLst/>
+    <dgm:txLinClrLst/>
+    <dgm:txFillClrLst meth="repeat">
+      <a:schemeClr val="dk1"/>
+    </dgm:txFillClrLst>
+    <dgm:txEffectClrLst/>
+  </dgm:styleLbl>
+  <dgm:styleLbl name="solidBgAcc1">
+    <dgm:fillClrLst meth="repeat">
+      <a:schemeClr val="lt1"/>
+    </dgm:fillClrLst>
+    <dgm:linClrLst meth="repeat">
+      <a:schemeClr val="accent1"/>
+    </dgm:linClrLst>
+    <dgm:effectClrLst/>
+    <dgm:txLinClrLst/>
+    <dgm:txFillClrLst meth="repeat">
+      <a:schemeClr val="dk1"/>
+    </dgm:txFillClrLst>
+    <dgm:txEffectClrLst/>
+  </dgm:styleLbl>
+  <dgm:styleLbl name="fgAccFollowNode1">
+    <dgm:fillClrLst meth="repeat">
+      <a:schemeClr val="accent1">
+        <a:alpha val="90000"/>
+        <a:tint val="40000"/>
+      </a:schemeClr>
+    </dgm:fillClrLst>
+    <dgm:linClrLst meth="repeat">
+      <a:schemeClr val="accent1">
+        <a:alpha val="90000"/>
+        <a:tint val="40000"/>
+      </a:schemeClr>
+    </dgm:linClrLst>
+    <dgm:effectClrLst/>
+    <dgm:txLinClrLst/>
+    <dgm:txFillClrLst meth="repeat">
+      <a:schemeClr val="dk1"/>
+    </dgm:txFillClrLst>
+    <dgm:txEffectClrLst/>
+  </dgm:styleLbl>
+  <dgm:styleLbl name="alignAccFollowNode1">
+    <dgm:fillClrLst meth="repeat">
+      <a:schemeClr val="accent1">
+        <a:alpha val="90000"/>
+        <a:tint val="40000"/>
+      </a:schemeClr>
+    </dgm:fillClrLst>
+    <dgm:linClrLst meth="repeat">
+      <a:schemeClr val="accent1">
+        <a:alpha val="90000"/>
+        <a:tint val="40000"/>
+      </a:schemeClr>
+    </dgm:linClrLst>
+    <dgm:effectClrLst/>
+    <dgm:txLinClrLst/>
+    <dgm:txFillClrLst meth="repeat">
+      <a:schemeClr val="dk1"/>
+    </dgm:txFillClrLst>
+    <dgm:txEffectClrLst/>
+  </dgm:styleLbl>
+  <dgm:styleLbl name="bgAccFollowNode1">
+    <dgm:fillClrLst meth="repeat">
+      <a:schemeClr val="accent1">
+        <a:alpha val="90000"/>
+        <a:tint val="40000"/>
+      </a:schemeClr>
+    </dgm:fillClrLst>
+    <dgm:linClrLst meth="repeat">
+      <a:schemeClr val="accent1">
+        <a:alpha val="90000"/>
+        <a:tint val="40000"/>
+      </a:schemeClr>
+    </dgm:linClrLst>
+    <dgm:effectClrLst/>
+    <dgm:txLinClrLst/>
+    <dgm:txFillClrLst meth="repeat">
+      <a:schemeClr val="dk1"/>
+    </dgm:txFillClrLst>
+    <dgm:txEffectClrLst/>
+  </dgm:styleLbl>
+  <dgm:styleLbl name="fgAcc0">
+    <dgm:fillClrLst meth="repeat">
+      <a:schemeClr val="lt1">
+        <a:alpha val="90000"/>
+      </a:schemeClr>
+    </dgm:fillClrLst>
+    <dgm:linClrLst meth="repeat">
+      <a:schemeClr val="accent1"/>
+    </dgm:linClrLst>
+    <dgm:effectClrLst/>
+    <dgm:txLinClrLst/>
+    <dgm:txFillClrLst meth="repeat">
+      <a:schemeClr val="dk1"/>
+    </dgm:txFillClrLst>
+    <dgm:txEffectClrLst/>
+  </dgm:styleLbl>
+  <dgm:styleLbl name="fgAcc2">
+    <dgm:fillClrLst meth="repeat">
+      <a:schemeClr val="lt1">
+        <a:alpha val="90000"/>
+      </a:schemeClr>
+    </dgm:fillClrLst>
+    <dgm:linClrLst meth="repeat">
+      <a:schemeClr val="accent1"/>
+    </dgm:linClrLst>
+    <dgm:effectClrLst/>
+    <dgm:txLinClrLst/>
+    <dgm:txFillClrLst meth="repeat">
+      <a:schemeClr val="dk1"/>
+    </dgm:txFillClrLst>
+    <dgm:txEffectClrLst/>
+  </dgm:styleLbl>
+  <dgm:styleLbl name="fgAcc3">
+    <dgm:fillClrLst meth="repeat">
+      <a:schemeClr val="lt1">
+        <a:alpha val="90000"/>
+      </a:schemeClr>
+    </dgm:fillClrLst>
+    <dgm:linClrLst meth="repeat">
+      <a:schemeClr val="accent1"/>
+    </dgm:linClrLst>
+    <dgm:effectClrLst/>
+    <dgm:txLinClrLst/>
+    <dgm:txFillClrLst meth="repeat">
+      <a:schemeClr val="dk1"/>
+    </dgm:txFillClrLst>
+    <dgm:txEffectClrLst/>
+  </dgm:styleLbl>
+  <dgm:styleLbl name="fgAcc4">
+    <dgm:fillClrLst meth="repeat">
+      <a:schemeClr val="lt1">
+        <a:alpha val="90000"/>
+      </a:schemeClr>
+    </dgm:fillClrLst>
+    <dgm:linClrLst meth="repeat">
+      <a:schemeClr val="accent1"/>
+    </dgm:linClrLst>
+    <dgm:effectClrLst/>
+    <dgm:txLinClrLst/>
+    <dgm:txFillClrLst meth="repeat">
+      <a:schemeClr val="dk1"/>
+    </dgm:txFillClrLst>
+    <dgm:txEffectClrLst/>
+  </dgm:styleLbl>
+  <dgm:styleLbl name="bgShp">
+    <dgm:fillClrLst meth="repeat">
+      <a:schemeClr val="accent1">
+        <a:tint val="40000"/>
+      </a:schemeClr>
+    </dgm:fillClrLst>
+    <dgm:linClrLst meth="repeat">
+      <a:schemeClr val="accent1"/>
+    </dgm:linClrLst>
+    <dgm:effectClrLst/>
+    <dgm:txLinClrLst/>
+    <dgm:txFillClrLst meth="repeat">
+      <a:schemeClr val="dk1"/>
+    </dgm:txFillClrLst>
+    <dgm:txEffectClrLst/>
+  </dgm:styleLbl>
+  <dgm:styleLbl name="dkBgShp">
+    <dgm:fillClrLst meth="repeat">
+      <a:schemeClr val="accent1">
+        <a:shade val="80000"/>
+      </a:schemeClr>
+    </dgm:fillClrLst>
+    <dgm:linClrLst meth="repeat">
+      <a:schemeClr val="accent1"/>
+    </dgm:linClrLst>
+    <dgm:effectClrLst/>
+    <dgm:txLinClrLst/>
+    <dgm:txFillClrLst meth="repeat">
+      <a:schemeClr val="lt1"/>
+    </dgm:txFillClrLst>
+    <dgm:txEffectClrLst/>
+  </dgm:styleLbl>
+  <dgm:styleLbl name="trBgShp">
+    <dgm:fillClrLst meth="repeat">
+      <a:schemeClr val="accent1">
+        <a:tint val="50000"/>
+        <a:alpha val="40000"/>
+      </a:schemeClr>
+    </dgm:fillClrLst>
+    <dgm:linClrLst meth="repeat">
+      <a:schemeClr val="accent1"/>
+    </dgm:linClrLst>
+    <dgm:effectClrLst/>
+    <dgm:txLinClrLst/>
+    <dgm:txFillClrLst meth="repeat">
+      <a:schemeClr val="lt1"/>
+    </dgm:txFillClrLst>
+    <dgm:txEffectClrLst/>
+  </dgm:styleLbl>
+  <dgm:styleLbl name="fgShp">
+    <dgm:fillClrLst meth="repeat">
+      <a:schemeClr val="accent1">
+        <a:tint val="60000"/>
+      </a:schemeClr>
+    </dgm:fillClrLst>
+    <dgm:linClrLst meth="repeat">
+      <a:schemeClr val="lt1"/>
+    </dgm:linClrLst>
+    <dgm:effectClrLst/>
+    <dgm:txLinClrLst/>
+    <dgm:txFillClrLst meth="repeat">
+      <a:schemeClr val="dk1"/>
+    </dgm:txFillClrLst>
+    <dgm:txEffectClrLst/>
+  </dgm:styleLbl>
+  <dgm:styleLbl name="revTx">
+    <dgm:fillClrLst meth="repeat">
+      <a:schemeClr val="lt1">
+        <a:alpha val="0"/>
+      </a:schemeClr>
+    </dgm:fillClrLst>
+    <dgm:linClrLst meth="repeat">
+      <a:schemeClr val="dk1">
+        <a:alpha val="0"/>
+      </a:schemeClr>
+    </dgm:linClrLst>
+    <dgm:effectClrLst/>
+    <dgm:txLinClrLst/>
+    <dgm:txFillClrLst meth="repeat">
+      <a:schemeClr val="tx1"/>
+    </dgm:txFillClrLst>
+    <dgm:txEffectClrLst/>
+  </dgm:styleLbl>
+</dgm:colorsDef>
+</file>
+
+<file path=ppt/diagrams/data1.xml><?xml version="1.0" encoding="utf-8"?>
+<dgm:dataModel xmlns:dgm="http://schemas.openxmlformats.org/drawingml/2006/diagram" xmlns:a="http://schemas.openxmlformats.org/drawingml/2006/main">
+  <dgm:ptLst>
+    <dgm:pt modelId="{D4666CE8-A2AB-475A-9003-77A5C2C16ADA}" type="doc">
+      <dgm:prSet loTypeId="urn:microsoft.com/office/officeart/2005/8/layout/hierarchy1" loCatId="hierarchy" qsTypeId="urn:microsoft.com/office/officeart/2005/8/quickstyle/simple4" qsCatId="simple" csTypeId="urn:microsoft.com/office/officeart/2005/8/colors/accent1_2" csCatId="accent1"/>
+      <dgm:spPr/>
+      <dgm:t>
+        <a:bodyPr/>
+        <a:lstStyle/>
+        <a:p>
+          <a:endParaRPr lang="en-US"/>
+        </a:p>
+      </dgm:t>
+    </dgm:pt>
+    <dgm:pt modelId="{CC5BC291-0AB4-48BA-9DA2-CA8BE9CB1AB7}">
+      <dgm:prSet/>
+      <dgm:spPr/>
+      <dgm:t>
+        <a:bodyPr/>
+        <a:lstStyle/>
+        <a:p>
+          <a:r>
+            <a:rPr lang="pl-PL"/>
+            <a:t>Fuzzy Matching </a:t>
+          </a:r>
+          <a:endParaRPr lang="en-US"/>
+        </a:p>
+      </dgm:t>
+    </dgm:pt>
+    <dgm:pt modelId="{A926A6E9-929E-4CB9-B8AD-F16EE1068F58}" type="parTrans" cxnId="{39C6728C-51B8-4C3B-992E-439A56A87B0F}">
+      <dgm:prSet/>
+      <dgm:spPr/>
+      <dgm:t>
+        <a:bodyPr/>
+        <a:lstStyle/>
+        <a:p>
+          <a:endParaRPr lang="en-US"/>
+        </a:p>
+      </dgm:t>
+    </dgm:pt>
+    <dgm:pt modelId="{36E66181-91E7-4B9A-8488-9791E730C774}" type="sibTrans" cxnId="{39C6728C-51B8-4C3B-992E-439A56A87B0F}">
+      <dgm:prSet/>
+      <dgm:spPr/>
+      <dgm:t>
+        <a:bodyPr/>
+        <a:lstStyle/>
+        <a:p>
+          <a:endParaRPr lang="en-US"/>
+        </a:p>
+      </dgm:t>
+    </dgm:pt>
+    <dgm:pt modelId="{075F10F7-40DE-4ADC-B857-E5F8F8C6A47F}">
+      <dgm:prSet/>
+      <dgm:spPr/>
+      <dgm:t>
+        <a:bodyPr/>
+        <a:lstStyle/>
+        <a:p>
+          <a:r>
+            <a:rPr lang="pl-PL"/>
+            <a:t>Dokładność 95%</a:t>
+          </a:r>
+          <a:endParaRPr lang="en-US"/>
+        </a:p>
+      </dgm:t>
+    </dgm:pt>
+    <dgm:pt modelId="{A9978AB6-3216-4C4B-A92A-A7D8DCDE5739}" type="parTrans" cxnId="{8EFFF5DE-3CFB-48AF-9509-B0AE718AE395}">
+      <dgm:prSet/>
+      <dgm:spPr/>
+      <dgm:t>
+        <a:bodyPr/>
+        <a:lstStyle/>
+        <a:p>
+          <a:endParaRPr lang="en-US"/>
+        </a:p>
+      </dgm:t>
+    </dgm:pt>
+    <dgm:pt modelId="{F3DA2FDF-46F8-42C2-8A11-E97140D7F69C}" type="sibTrans" cxnId="{8EFFF5DE-3CFB-48AF-9509-B0AE718AE395}">
+      <dgm:prSet/>
+      <dgm:spPr/>
+      <dgm:t>
+        <a:bodyPr/>
+        <a:lstStyle/>
+        <a:p>
+          <a:endParaRPr lang="en-US"/>
+        </a:p>
+      </dgm:t>
+    </dgm:pt>
+    <dgm:pt modelId="{192D6973-8876-44BB-B364-5709F5F410EB}" type="pres">
+      <dgm:prSet presAssocID="{D4666CE8-A2AB-475A-9003-77A5C2C16ADA}" presName="hierChild1" presStyleCnt="0">
+        <dgm:presLayoutVars>
+          <dgm:chPref val="1"/>
+          <dgm:dir/>
+          <dgm:animOne val="branch"/>
+          <dgm:animLvl val="lvl"/>
+          <dgm:resizeHandles/>
+        </dgm:presLayoutVars>
+      </dgm:prSet>
+      <dgm:spPr/>
+    </dgm:pt>
+    <dgm:pt modelId="{59582A58-4CCD-475B-A973-BDA5379F64C4}" type="pres">
+      <dgm:prSet presAssocID="{CC5BC291-0AB4-48BA-9DA2-CA8BE9CB1AB7}" presName="hierRoot1" presStyleCnt="0"/>
+      <dgm:spPr/>
+    </dgm:pt>
+    <dgm:pt modelId="{00914DFB-DE24-43B1-8076-956A858B5A9E}" type="pres">
+      <dgm:prSet presAssocID="{CC5BC291-0AB4-48BA-9DA2-CA8BE9CB1AB7}" presName="composite" presStyleCnt="0"/>
+      <dgm:spPr/>
+    </dgm:pt>
+    <dgm:pt modelId="{4DD5D990-19CA-4805-B5B0-8292A52F52BF}" type="pres">
+      <dgm:prSet presAssocID="{CC5BC291-0AB4-48BA-9DA2-CA8BE9CB1AB7}" presName="background" presStyleLbl="node0" presStyleIdx="0" presStyleCnt="2"/>
+      <dgm:spPr/>
+    </dgm:pt>
+    <dgm:pt modelId="{877FC3FA-8BE2-40C2-9683-E50D2735949B}" type="pres">
+      <dgm:prSet presAssocID="{CC5BC291-0AB4-48BA-9DA2-CA8BE9CB1AB7}" presName="text" presStyleLbl="fgAcc0" presStyleIdx="0" presStyleCnt="2">
+        <dgm:presLayoutVars>
+          <dgm:chPref val="3"/>
+        </dgm:presLayoutVars>
+      </dgm:prSet>
+      <dgm:spPr/>
+    </dgm:pt>
+    <dgm:pt modelId="{41FD96C1-2447-4D04-9E13-E21918ED1B10}" type="pres">
+      <dgm:prSet presAssocID="{CC5BC291-0AB4-48BA-9DA2-CA8BE9CB1AB7}" presName="hierChild2" presStyleCnt="0"/>
+      <dgm:spPr/>
+    </dgm:pt>
+    <dgm:pt modelId="{F31D038A-350B-486E-9EE0-AD50FF12332B}" type="pres">
+      <dgm:prSet presAssocID="{075F10F7-40DE-4ADC-B857-E5F8F8C6A47F}" presName="hierRoot1" presStyleCnt="0"/>
+      <dgm:spPr/>
+    </dgm:pt>
+    <dgm:pt modelId="{FF1B0D06-F4C9-4018-99A4-8895F1D54CE3}" type="pres">
+      <dgm:prSet presAssocID="{075F10F7-40DE-4ADC-B857-E5F8F8C6A47F}" presName="composite" presStyleCnt="0"/>
+      <dgm:spPr/>
+    </dgm:pt>
+    <dgm:pt modelId="{60767DB8-A81C-4AE3-A268-D4C0C82A4E75}" type="pres">
+      <dgm:prSet presAssocID="{075F10F7-40DE-4ADC-B857-E5F8F8C6A47F}" presName="background" presStyleLbl="node0" presStyleIdx="1" presStyleCnt="2"/>
+      <dgm:spPr/>
+    </dgm:pt>
+    <dgm:pt modelId="{C5A1E2C7-B867-443C-B38E-E1C274604BFE}" type="pres">
+      <dgm:prSet presAssocID="{075F10F7-40DE-4ADC-B857-E5F8F8C6A47F}" presName="text" presStyleLbl="fgAcc0" presStyleIdx="1" presStyleCnt="2">
+        <dgm:presLayoutVars>
+          <dgm:chPref val="3"/>
+        </dgm:presLayoutVars>
+      </dgm:prSet>
+      <dgm:spPr/>
+    </dgm:pt>
+    <dgm:pt modelId="{25ADE118-9F37-4C0A-95F7-A73DCF7C59EF}" type="pres">
+      <dgm:prSet presAssocID="{075F10F7-40DE-4ADC-B857-E5F8F8C6A47F}" presName="hierChild2" presStyleCnt="0"/>
+      <dgm:spPr/>
+    </dgm:pt>
+  </dgm:ptLst>
+  <dgm:cxnLst>
+    <dgm:cxn modelId="{304C1522-E082-424E-A834-1EA78A2469E6}" type="presOf" srcId="{D4666CE8-A2AB-475A-9003-77A5C2C16ADA}" destId="{192D6973-8876-44BB-B364-5709F5F410EB}" srcOrd="0" destOrd="0" presId="urn:microsoft.com/office/officeart/2005/8/layout/hierarchy1"/>
+    <dgm:cxn modelId="{33E43346-435C-47D4-87FD-E67DA4141E39}" type="presOf" srcId="{075F10F7-40DE-4ADC-B857-E5F8F8C6A47F}" destId="{C5A1E2C7-B867-443C-B38E-E1C274604BFE}" srcOrd="0" destOrd="0" presId="urn:microsoft.com/office/officeart/2005/8/layout/hierarchy1"/>
+    <dgm:cxn modelId="{39C6728C-51B8-4C3B-992E-439A56A87B0F}" srcId="{D4666CE8-A2AB-475A-9003-77A5C2C16ADA}" destId="{CC5BC291-0AB4-48BA-9DA2-CA8BE9CB1AB7}" srcOrd="0" destOrd="0" parTransId="{A926A6E9-929E-4CB9-B8AD-F16EE1068F58}" sibTransId="{36E66181-91E7-4B9A-8488-9791E730C774}"/>
+    <dgm:cxn modelId="{8EFFF5DE-3CFB-48AF-9509-B0AE718AE395}" srcId="{D4666CE8-A2AB-475A-9003-77A5C2C16ADA}" destId="{075F10F7-40DE-4ADC-B857-E5F8F8C6A47F}" srcOrd="1" destOrd="0" parTransId="{A9978AB6-3216-4C4B-A92A-A7D8DCDE5739}" sibTransId="{F3DA2FDF-46F8-42C2-8A11-E97140D7F69C}"/>
+    <dgm:cxn modelId="{4A002AEC-61D4-4768-ABFF-C4F8A1933BC3}" type="presOf" srcId="{CC5BC291-0AB4-48BA-9DA2-CA8BE9CB1AB7}" destId="{877FC3FA-8BE2-40C2-9683-E50D2735949B}" srcOrd="0" destOrd="0" presId="urn:microsoft.com/office/officeart/2005/8/layout/hierarchy1"/>
+    <dgm:cxn modelId="{AE949758-6B84-478D-9E74-EA3B32BB82A3}" type="presParOf" srcId="{192D6973-8876-44BB-B364-5709F5F410EB}" destId="{59582A58-4CCD-475B-A973-BDA5379F64C4}" srcOrd="0" destOrd="0" presId="urn:microsoft.com/office/officeart/2005/8/layout/hierarchy1"/>
+    <dgm:cxn modelId="{C76CD0B2-EB2C-408F-801D-B2D81814F096}" type="presParOf" srcId="{59582A58-4CCD-475B-A973-BDA5379F64C4}" destId="{00914DFB-DE24-43B1-8076-956A858B5A9E}" srcOrd="0" destOrd="0" presId="urn:microsoft.com/office/officeart/2005/8/layout/hierarchy1"/>
+    <dgm:cxn modelId="{D5484193-6ECF-4A2D-9A27-1CEAE88F5A2A}" type="presParOf" srcId="{00914DFB-DE24-43B1-8076-956A858B5A9E}" destId="{4DD5D990-19CA-4805-B5B0-8292A52F52BF}" srcOrd="0" destOrd="0" presId="urn:microsoft.com/office/officeart/2005/8/layout/hierarchy1"/>
+    <dgm:cxn modelId="{C9320C30-F417-4BCC-B209-AACB585F439D}" type="presParOf" srcId="{00914DFB-DE24-43B1-8076-956A858B5A9E}" destId="{877FC3FA-8BE2-40C2-9683-E50D2735949B}" srcOrd="1" destOrd="0" presId="urn:microsoft.com/office/officeart/2005/8/layout/hierarchy1"/>
+    <dgm:cxn modelId="{4A4686AD-1A8F-450A-BE9F-703566B8B005}" type="presParOf" srcId="{59582A58-4CCD-475B-A973-BDA5379F64C4}" destId="{41FD96C1-2447-4D04-9E13-E21918ED1B10}" srcOrd="1" destOrd="0" presId="urn:microsoft.com/office/officeart/2005/8/layout/hierarchy1"/>
+    <dgm:cxn modelId="{6BDD305B-0E0B-4446-8DC8-99C57317581D}" type="presParOf" srcId="{192D6973-8876-44BB-B364-5709F5F410EB}" destId="{F31D038A-350B-486E-9EE0-AD50FF12332B}" srcOrd="1" destOrd="0" presId="urn:microsoft.com/office/officeart/2005/8/layout/hierarchy1"/>
+    <dgm:cxn modelId="{7CB0F257-77F1-47DD-B1A0-42F21CDD6A18}" type="presParOf" srcId="{F31D038A-350B-486E-9EE0-AD50FF12332B}" destId="{FF1B0D06-F4C9-4018-99A4-8895F1D54CE3}" srcOrd="0" destOrd="0" presId="urn:microsoft.com/office/officeart/2005/8/layout/hierarchy1"/>
+    <dgm:cxn modelId="{73434AD8-B9D5-4489-A28B-41AD754AEA8D}" type="presParOf" srcId="{FF1B0D06-F4C9-4018-99A4-8895F1D54CE3}" destId="{60767DB8-A81C-4AE3-A268-D4C0C82A4E75}" srcOrd="0" destOrd="0" presId="urn:microsoft.com/office/officeart/2005/8/layout/hierarchy1"/>
+    <dgm:cxn modelId="{0E02B45D-A75B-41D9-85C9-D3A99EF77BBC}" type="presParOf" srcId="{FF1B0D06-F4C9-4018-99A4-8895F1D54CE3}" destId="{C5A1E2C7-B867-443C-B38E-E1C274604BFE}" srcOrd="1" destOrd="0" presId="urn:microsoft.com/office/officeart/2005/8/layout/hierarchy1"/>
+    <dgm:cxn modelId="{9F752A92-48CD-4D89-898F-0FF3C30855FA}" type="presParOf" srcId="{F31D038A-350B-486E-9EE0-AD50FF12332B}" destId="{25ADE118-9F37-4C0A-95F7-A73DCF7C59EF}" srcOrd="1" destOrd="0" presId="urn:microsoft.com/office/officeart/2005/8/layout/hierarchy1"/>
+  </dgm:cxnLst>
+  <dgm:bg/>
+  <dgm:whole/>
+  <dgm:extLst>
+    <a:ext uri="http://schemas.microsoft.com/office/drawing/2008/diagram">
+      <dsp:dataModelExt xmlns:dsp="http://schemas.microsoft.com/office/drawing/2008/diagram" relId="rId7" minVer="http://schemas.openxmlformats.org/drawingml/2006/diagram"/>
+    </a:ext>
+  </dgm:extLst>
+</dgm:dataModel>
+</file>
+
+<file path=ppt/diagrams/drawing1.xml><?xml version="1.0" encoding="utf-8"?>
+<dsp:drawing xmlns:dgm="http://schemas.openxmlformats.org/drawingml/2006/diagram" xmlns:dsp="http://schemas.microsoft.com/office/drawing/2008/diagram" xmlns:a="http://schemas.openxmlformats.org/drawingml/2006/main">
+  <dsp:spTree>
+    <dsp:nvGrpSpPr>
+      <dsp:cNvPr id="0" name=""/>
+      <dsp:cNvGrpSpPr/>
+    </dsp:nvGrpSpPr>
+    <dsp:grpSpPr/>
+    <dsp:sp modelId="{4DD5D990-19CA-4805-B5B0-8292A52F52BF}">
+      <dsp:nvSpPr>
+        <dsp:cNvPr id="0" name=""/>
+        <dsp:cNvSpPr/>
+      </dsp:nvSpPr>
+      <dsp:spPr>
+        <a:xfrm>
+          <a:off x="1263" y="9315"/>
+          <a:ext cx="4436205" cy="2816990"/>
+        </a:xfrm>
+        <a:prstGeom prst="roundRect">
+          <a:avLst>
+            <a:gd name="adj" fmla="val 10000"/>
+          </a:avLst>
+        </a:prstGeom>
+        <a:gradFill rotWithShape="0">
+          <a:gsLst>
+            <a:gs pos="0">
+              <a:schemeClr val="accent1">
+                <a:hueOff val="0"/>
+                <a:satOff val="0"/>
+                <a:lumOff val="0"/>
+                <a:alphaOff val="0"/>
+                <a:tint val="94000"/>
+                <a:satMod val="100000"/>
+                <a:lumMod val="104000"/>
+              </a:schemeClr>
+            </a:gs>
+            <a:gs pos="69000">
+              <a:schemeClr val="accent1">
+                <a:hueOff val="0"/>
+                <a:satOff val="0"/>
+                <a:lumOff val="0"/>
+                <a:alphaOff val="0"/>
+                <a:shade val="86000"/>
+                <a:satMod val="130000"/>
+                <a:lumMod val="102000"/>
+              </a:schemeClr>
+            </a:gs>
+            <a:gs pos="100000">
+              <a:schemeClr val="accent1">
+                <a:hueOff val="0"/>
+                <a:satOff val="0"/>
+                <a:lumOff val="0"/>
+                <a:alphaOff val="0"/>
+                <a:shade val="72000"/>
+                <a:satMod val="130000"/>
+                <a:lumMod val="100000"/>
+              </a:schemeClr>
+            </a:gs>
+          </a:gsLst>
+          <a:lin ang="5400000" scaled="0"/>
+        </a:gradFill>
+        <a:ln>
+          <a:noFill/>
+        </a:ln>
+        <a:effectLst>
+          <a:outerShdw blurRad="50800" dist="38100" dir="5400000" sy="96000" rotWithShape="0">
+            <a:srgbClr val="000000">
+              <a:alpha val="54000"/>
+            </a:srgbClr>
+          </a:outerShdw>
+        </a:effectLst>
+      </dsp:spPr>
+      <dsp:style>
+        <a:lnRef idx="0">
+          <a:scrgbClr r="0" g="0" b="0"/>
+        </a:lnRef>
+        <a:fillRef idx="3">
+          <a:scrgbClr r="0" g="0" b="0"/>
+        </a:fillRef>
+        <a:effectRef idx="2">
+          <a:scrgbClr r="0" g="0" b="0"/>
+        </a:effectRef>
+        <a:fontRef idx="minor">
+          <a:schemeClr val="lt1"/>
+        </a:fontRef>
+      </dsp:style>
+    </dsp:sp>
+    <dsp:sp modelId="{877FC3FA-8BE2-40C2-9683-E50D2735949B}">
+      <dsp:nvSpPr>
+        <dsp:cNvPr id="0" name=""/>
+        <dsp:cNvSpPr/>
+      </dsp:nvSpPr>
+      <dsp:spPr>
+        <a:xfrm>
+          <a:off x="494175" y="477581"/>
+          <a:ext cx="4436205" cy="2816990"/>
+        </a:xfrm>
+        <a:prstGeom prst="roundRect">
+          <a:avLst>
+            <a:gd name="adj" fmla="val 10000"/>
+          </a:avLst>
+        </a:prstGeom>
+        <a:solidFill>
+          <a:schemeClr val="lt1">
+            <a:alpha val="90000"/>
+            <a:hueOff val="0"/>
+            <a:satOff val="0"/>
+            <a:lumOff val="0"/>
+            <a:alphaOff val="0"/>
+          </a:schemeClr>
+        </a:solidFill>
+        <a:ln w="12700" cap="flat" cmpd="sng" algn="ctr">
+          <a:solidFill>
+            <a:schemeClr val="accent1">
+              <a:hueOff val="0"/>
+              <a:satOff val="0"/>
+              <a:lumOff val="0"/>
+              <a:alphaOff val="0"/>
+            </a:schemeClr>
+          </a:solidFill>
+          <a:prstDash val="solid"/>
+        </a:ln>
+        <a:effectLst/>
+      </dsp:spPr>
+      <dsp:style>
+        <a:lnRef idx="1">
+          <a:scrgbClr r="0" g="0" b="0"/>
+        </a:lnRef>
+        <a:fillRef idx="1">
+          <a:scrgbClr r="0" g="0" b="0"/>
+        </a:fillRef>
+        <a:effectRef idx="0">
+          <a:scrgbClr r="0" g="0" b="0"/>
+        </a:effectRef>
+        <a:fontRef idx="minor"/>
+      </dsp:style>
+      <dsp:txBody>
+        <a:bodyPr spcFirstLastPara="0" vert="horz" wrap="square" lIns="213360" tIns="213360" rIns="213360" bIns="213360" numCol="1" spcCol="1270" anchor="ctr" anchorCtr="0">
+          <a:noAutofit/>
+        </a:bodyPr>
+        <a:lstStyle/>
+        <a:p>
+          <a:pPr marL="0" lvl="0" indent="0" algn="ctr" defTabSz="2489200">
+            <a:lnSpc>
+              <a:spcPct val="90000"/>
+            </a:lnSpc>
+            <a:spcBef>
+              <a:spcPct val="0"/>
+            </a:spcBef>
+            <a:spcAft>
+              <a:spcPct val="35000"/>
+            </a:spcAft>
+            <a:buNone/>
+          </a:pPr>
+          <a:r>
+            <a:rPr lang="pl-PL" sz="5600" kern="1200"/>
+            <a:t>Fuzzy Matching </a:t>
+          </a:r>
+          <a:endParaRPr lang="en-US" sz="5600" kern="1200"/>
+        </a:p>
+      </dsp:txBody>
+      <dsp:txXfrm>
+        <a:off x="576682" y="560088"/>
+        <a:ext cx="4271191" cy="2651976"/>
+      </dsp:txXfrm>
+    </dsp:sp>
+    <dsp:sp modelId="{60767DB8-A81C-4AE3-A268-D4C0C82A4E75}">
+      <dsp:nvSpPr>
+        <dsp:cNvPr id="0" name=""/>
+        <dsp:cNvSpPr/>
+      </dsp:nvSpPr>
+      <dsp:spPr>
+        <a:xfrm>
+          <a:off x="5423293" y="9315"/>
+          <a:ext cx="4436205" cy="2816990"/>
+        </a:xfrm>
+        <a:prstGeom prst="roundRect">
+          <a:avLst>
+            <a:gd name="adj" fmla="val 10000"/>
+          </a:avLst>
+        </a:prstGeom>
+        <a:gradFill rotWithShape="0">
+          <a:gsLst>
+            <a:gs pos="0">
+              <a:schemeClr val="accent1">
+                <a:hueOff val="0"/>
+                <a:satOff val="0"/>
+                <a:lumOff val="0"/>
+                <a:alphaOff val="0"/>
+                <a:tint val="94000"/>
+                <a:satMod val="100000"/>
+                <a:lumMod val="104000"/>
+              </a:schemeClr>
+            </a:gs>
+            <a:gs pos="69000">
+              <a:schemeClr val="accent1">
+                <a:hueOff val="0"/>
+                <a:satOff val="0"/>
+                <a:lumOff val="0"/>
+                <a:alphaOff val="0"/>
+                <a:shade val="86000"/>
+                <a:satMod val="130000"/>
+                <a:lumMod val="102000"/>
+              </a:schemeClr>
+            </a:gs>
+            <a:gs pos="100000">
+              <a:schemeClr val="accent1">
+                <a:hueOff val="0"/>
+                <a:satOff val="0"/>
+                <a:lumOff val="0"/>
+                <a:alphaOff val="0"/>
+                <a:shade val="72000"/>
+                <a:satMod val="130000"/>
+                <a:lumMod val="100000"/>
+              </a:schemeClr>
+            </a:gs>
+          </a:gsLst>
+          <a:lin ang="5400000" scaled="0"/>
+        </a:gradFill>
+        <a:ln>
+          <a:noFill/>
+        </a:ln>
+        <a:effectLst>
+          <a:outerShdw blurRad="50800" dist="38100" dir="5400000" sy="96000" rotWithShape="0">
+            <a:srgbClr val="000000">
+              <a:alpha val="54000"/>
+            </a:srgbClr>
+          </a:outerShdw>
+        </a:effectLst>
+      </dsp:spPr>
+      <dsp:style>
+        <a:lnRef idx="0">
+          <a:scrgbClr r="0" g="0" b="0"/>
+        </a:lnRef>
+        <a:fillRef idx="3">
+          <a:scrgbClr r="0" g="0" b="0"/>
+        </a:fillRef>
+        <a:effectRef idx="2">
+          <a:scrgbClr r="0" g="0" b="0"/>
+        </a:effectRef>
+        <a:fontRef idx="minor">
+          <a:schemeClr val="lt1"/>
+        </a:fontRef>
+      </dsp:style>
+    </dsp:sp>
+    <dsp:sp modelId="{C5A1E2C7-B867-443C-B38E-E1C274604BFE}">
+      <dsp:nvSpPr>
+        <dsp:cNvPr id="0" name=""/>
+        <dsp:cNvSpPr/>
+      </dsp:nvSpPr>
+      <dsp:spPr>
+        <a:xfrm>
+          <a:off x="5916205" y="477581"/>
+          <a:ext cx="4436205" cy="2816990"/>
+        </a:xfrm>
+        <a:prstGeom prst="roundRect">
+          <a:avLst>
+            <a:gd name="adj" fmla="val 10000"/>
+          </a:avLst>
+        </a:prstGeom>
+        <a:solidFill>
+          <a:schemeClr val="lt1">
+            <a:alpha val="90000"/>
+            <a:hueOff val="0"/>
+            <a:satOff val="0"/>
+            <a:lumOff val="0"/>
+            <a:alphaOff val="0"/>
+          </a:schemeClr>
+        </a:solidFill>
+        <a:ln w="12700" cap="flat" cmpd="sng" algn="ctr">
+          <a:solidFill>
+            <a:schemeClr val="accent1">
+              <a:hueOff val="0"/>
+              <a:satOff val="0"/>
+              <a:lumOff val="0"/>
+              <a:alphaOff val="0"/>
+            </a:schemeClr>
+          </a:solidFill>
+          <a:prstDash val="solid"/>
+        </a:ln>
+        <a:effectLst/>
+      </dsp:spPr>
+      <dsp:style>
+        <a:lnRef idx="1">
+          <a:scrgbClr r="0" g="0" b="0"/>
+        </a:lnRef>
+        <a:fillRef idx="1">
+          <a:scrgbClr r="0" g="0" b="0"/>
+        </a:fillRef>
+        <a:effectRef idx="0">
+          <a:scrgbClr r="0" g="0" b="0"/>
+        </a:effectRef>
+        <a:fontRef idx="minor"/>
+      </dsp:style>
+      <dsp:txBody>
+        <a:bodyPr spcFirstLastPara="0" vert="horz" wrap="square" lIns="213360" tIns="213360" rIns="213360" bIns="213360" numCol="1" spcCol="1270" anchor="ctr" anchorCtr="0">
+          <a:noAutofit/>
+        </a:bodyPr>
+        <a:lstStyle/>
+        <a:p>
+          <a:pPr marL="0" lvl="0" indent="0" algn="ctr" defTabSz="2489200">
+            <a:lnSpc>
+              <a:spcPct val="90000"/>
+            </a:lnSpc>
+            <a:spcBef>
+              <a:spcPct val="0"/>
+            </a:spcBef>
+            <a:spcAft>
+              <a:spcPct val="35000"/>
+            </a:spcAft>
+            <a:buNone/>
+          </a:pPr>
+          <a:r>
+            <a:rPr lang="pl-PL" sz="5600" kern="1200"/>
+            <a:t>Dokładność 95%</a:t>
+          </a:r>
+          <a:endParaRPr lang="en-US" sz="5600" kern="1200"/>
+        </a:p>
+      </dsp:txBody>
+      <dsp:txXfrm>
+        <a:off x="5998712" y="560088"/>
+        <a:ext cx="4271191" cy="2651976"/>
+      </dsp:txXfrm>
+    </dsp:sp>
+  </dsp:spTree>
+</dsp:drawing>
+</file>
+
+<file path=ppt/diagrams/layout1.xml><?xml version="1.0" encoding="utf-8"?>
+<dgm:layoutDef xmlns:dgm="http://schemas.openxmlformats.org/drawingml/2006/diagram" xmlns:a="http://schemas.openxmlformats.org/drawingml/2006/main" uniqueId="urn:microsoft.com/office/officeart/2005/8/layout/hierarchy1">
+  <dgm:title val=""/>
+  <dgm:desc val=""/>
+  <dgm:catLst>
+    <dgm:cat type="hierarchy" pri="2000"/>
+  </dgm:catLst>
+  <dgm:sampData>
+    <dgm:dataModel>
+      <dgm:ptLst>
+        <dgm:pt modelId="0" type="doc"/>
+        <dgm:pt modelId="1">
+          <dgm:prSet phldr="1"/>
+        </dgm:pt>
+        <dgm:pt modelId="2">
+          <dgm:prSet phldr="1"/>
+        </dgm:pt>
+        <dgm:pt modelId="21">
+          <dgm:prSet phldr="1"/>
+        </dgm:pt>
+        <dgm:pt modelId="22">
+          <dgm:prSet phldr="1"/>
+        </dgm:pt>
+        <dgm:pt modelId="3">
+          <dgm:prSet phldr="1"/>
+        </dgm:pt>
+        <dgm:pt modelId="31">
+          <dgm:prSet phldr="1"/>
+        </dgm:pt>
+      </dgm:ptLst>
+      <dgm:cxnLst>
+        <dgm:cxn modelId="4" srcId="0" destId="1" srcOrd="0" destOrd="0"/>
+        <dgm:cxn modelId="5" srcId="1" destId="2" srcOrd="0" destOrd="0"/>
+        <dgm:cxn modelId="6" srcId="1" destId="3" srcOrd="1" destOrd="0"/>
+        <dgm:cxn modelId="23" srcId="2" destId="21" srcOrd="0" destOrd="0"/>
+        <dgm:cxn modelId="24" srcId="2" destId="22" srcOrd="1" destOrd="0"/>
+        <dgm:cxn modelId="33" srcId="3" destId="31" srcOrd="0" destOrd="0"/>
+      </dgm:cxnLst>
+      <dgm:bg/>
+      <dgm:whole/>
+    </dgm:dataModel>
+  </dgm:sampData>
+  <dgm:styleData>
+    <dgm:dataModel>
+      <dgm:ptLst>
+        <dgm:pt modelId="0" type="doc"/>
+        <dgm:pt modelId="1"/>
+        <dgm:pt modelId="11"/>
+        <dgm:pt modelId="12"/>
+      </dgm:ptLst>
+      <dgm:cxnLst>
+        <dgm:cxn modelId="2" srcId="0" destId="1" srcOrd="0" destOrd="0"/>
+        <dgm:cxn modelId="13" srcId="1" destId="11" srcOrd="0" destOrd="0"/>
+        <dgm:cxn modelId="14" srcId="1" destId="12" srcOrd="1" destOrd="0"/>
+      </dgm:cxnLst>
+      <dgm:bg/>
+      <dgm:whole/>
+    </dgm:dataModel>
+  </dgm:styleData>
+  <dgm:clrData>
+    <dgm:dataModel>
+      <dgm:ptLst>
+        <dgm:pt modelId="0" type="doc"/>
+        <dgm:pt modelId="1"/>
+        <dgm:pt modelId="2"/>
+        <dgm:pt modelId="21"/>
+        <dgm:pt modelId="211"/>
+        <dgm:pt modelId="3"/>
+        <dgm:pt modelId="31"/>
+        <dgm:pt modelId="311"/>
+      </dgm:ptLst>
+      <dgm:cxnLst>
+        <dgm:cxn modelId="4" srcId="0" destId="1" srcOrd="0" destOrd="0"/>
+        <dgm:cxn modelId="5" srcId="1" destId="2" srcOrd="0" destOrd="0"/>
+        <dgm:cxn modelId="6" srcId="1" destId="3" srcOrd="1" destOrd="0"/>
+        <dgm:cxn modelId="23" srcId="2" destId="21" srcOrd="0" destOrd="0"/>
+        <dgm:cxn modelId="24" srcId="21" destId="211" srcOrd="0" destOrd="0"/>
+        <dgm:cxn modelId="33" srcId="3" destId="31" srcOrd="0" destOrd="0"/>
+        <dgm:cxn modelId="34" srcId="31" destId="311" srcOrd="0" destOrd="0"/>
+      </dgm:cxnLst>
+      <dgm:bg/>
+      <dgm:whole/>
+    </dgm:dataModel>
+  </dgm:clrData>
+  <dgm:layoutNode name="hierChild1">
+    <dgm:varLst>
+      <dgm:chPref val="1"/>
+      <dgm:dir/>
+      <dgm:animOne val="branch"/>
+      <dgm:animLvl val="lvl"/>
+      <dgm:resizeHandles/>
+    </dgm:varLst>
+    <dgm:choose name="Name0">
+      <dgm:if name="Name1" func="var" arg="dir" op="equ" val="norm">
+        <dgm:alg type="hierChild">
+          <dgm:param type="linDir" val="fromL"/>
+        </dgm:alg>
+      </dgm:if>
+      <dgm:else name="Name2">
+        <dgm:alg type="hierChild">
+          <dgm:param type="linDir" val="fromR"/>
+        </dgm:alg>
+      </dgm:else>
+    </dgm:choose>
+    <dgm:shape xmlns:r="http://schemas.openxmlformats.org/officeDocument/2006/relationships" r:blip="">
+      <dgm:adjLst/>
+    </dgm:shape>
+    <dgm:presOf/>
+    <dgm:constrLst>
+      <dgm:constr type="primFontSz" for="des" ptType="node" op="equ" val="65"/>
+      <dgm:constr type="w" for="des" forName="composite" refType="w"/>
+      <dgm:constr type="h" for="des" forName="composite" refType="w" refFor="des" refForName="composite" fact="0.667"/>
+      <dgm:constr type="w" for="des" forName="composite2" refType="w" refFor="des" refForName="composite"/>
+      <dgm:constr type="h" for="des" forName="composite2" refType="h" refFor="des" refForName="composite"/>
+      <dgm:constr type="w" for="des" forName="composite3" refType="w" refFor="des" refForName="composite"/>
+      <dgm:constr type="h" for="des" forName="composite3" refType="h" refFor="des" refForName="composite"/>
+      <dgm:constr type="w" for="des" forName="composite4" refType="w" refFor="des" refForName="composite"/>
+      <dgm:constr type="h" for="des" forName="composite4" refType="h" refFor="des" refForName="composite"/>
+      <dgm:constr type="w" for="des" forName="composite5" refType="w" refFor="des" refForName="composite"/>
+      <dgm:constr type="h" for="des" forName="composite5" refType="h" refFor="des" refForName="composite"/>
+      <dgm:constr type="sibSp" refType="w" refFor="des" refForName="composite" fact="0.1"/>
+      <dgm:constr type="sibSp" for="des" forName="hierChild2" refType="sibSp"/>
+      <dgm:constr type="sibSp" for="des" forName="hierChild3" refType="sibSp"/>
+      <dgm:constr type="sibSp" for="des" forName="hierChild4" refType="sibSp"/>
+      <dgm:constr type="sibSp" for="des" forName="hierChild5" refType="sibSp"/>
+      <dgm:constr type="sibSp" for="des" forName="hierChild6" refType="sibSp"/>
+      <dgm:constr type="sp" for="des" forName="hierRoot1" refType="h" refFor="des" refForName="composite" fact="0.25"/>
+      <dgm:constr type="sp" for="des" forName="hierRoot2" refType="sp" refFor="des" refForName="hierRoot1"/>
+      <dgm:constr type="sp" for="des" forName="hierRoot3" refType="sp" refFor="des" refForName="hierRoot1"/>
+      <dgm:constr type="sp" for="des" forName="hierRoot4" refType="sp" refFor="des" refForName="hierRoot1"/>
+      <dgm:constr type="sp" for="des" forName="hierRoot5" refType="sp" refFor="des" refForName="hierRoot1"/>
+    </dgm:constrLst>
+    <dgm:ruleLst/>
+    <dgm:forEach name="Name3" axis="ch">
+      <dgm:forEach name="Name4" axis="self" ptType="node">
+        <dgm:layoutNode name="hierRoot1">
+          <dgm:alg type="hierRoot"/>
+          <dgm:shape xmlns:r="http://schemas.openxmlformats.org/officeDocument/2006/relationships" r:blip="">
+            <dgm:adjLst/>
+          </dgm:shape>
+          <dgm:presOf/>
+          <dgm:constrLst>
+            <dgm:constr type="bendDist" for="des" ptType="parTrans" refType="sp" fact="0.5"/>
+          </dgm:constrLst>
+          <dgm:ruleLst/>
+          <dgm:layoutNode name="composite">
+            <dgm:alg type="composite"/>
+            <dgm:shape xmlns:r="http://schemas.openxmlformats.org/officeDocument/2006/relationships" r:blip="">
+              <dgm:adjLst/>
+            </dgm:shape>
+            <dgm:presOf/>
+            <dgm:constrLst>
+              <dgm:constr type="w" for="ch" forName="background" refType="w" fact="0.9"/>
+              <dgm:constr type="h" for="ch" forName="background" refType="w" refFor="ch" refForName="background" fact="0.635"/>
+              <dgm:constr type="t" for="ch" forName="background"/>
+              <dgm:constr type="l" for="ch" forName="background"/>
+              <dgm:constr type="w" for="ch" forName="text" refType="w" fact="0.9"/>
+              <dgm:constr type="h" for="ch" forName="text" refType="w" refFor="ch" refForName="text" fact="0.635"/>
+              <dgm:constr type="t" for="ch" forName="text" refType="w" fact="0.095"/>
+              <dgm:constr type="l" for="ch" forName="text" refType="w" fact="0.1"/>
+            </dgm:constrLst>
+            <dgm:ruleLst/>
+            <dgm:layoutNode name="background" styleLbl="node0" moveWith="text">
+              <dgm:alg type="sp"/>
+              <dgm:shape xmlns:r="http://schemas.openxmlformats.org/officeDocument/2006/relationships" type="roundRect" r:blip="">
+                <dgm:adjLst>
+                  <dgm:adj idx="1" val="0.1"/>
+                </dgm:adjLst>
+              </dgm:shape>
+              <dgm:presOf/>
+              <dgm:constrLst/>
+              <dgm:ruleLst/>
+            </dgm:layoutNode>
+            <dgm:layoutNode name="text" styleLbl="fgAcc0">
+              <dgm:varLst>
+                <dgm:chPref val="3"/>
+              </dgm:varLst>
+              <dgm:alg type="tx"/>
+              <dgm:shape xmlns:r="http://schemas.openxmlformats.org/officeDocument/2006/relationships" type="roundRect" r:blip="">
+                <dgm:adjLst>
+                  <dgm:adj idx="1" val="0.1"/>
+                </dgm:adjLst>
+              </dgm:shape>
+              <dgm:presOf axis="self"/>
+              <dgm:constrLst>
+                <dgm:constr type="tMarg" refType="primFontSz" fact="0.3"/>
+                <dgm:constr type="bMarg" refType="primFontSz" fact="0.3"/>
+                <dgm:constr type="lMarg" refType="primFontSz" fact="0.3"/>
+                <dgm:constr type="rMarg" refType="primFontSz" fact="0.3"/>
+              </dgm:constrLst>
+              <dgm:ruleLst>
+                <dgm:rule type="primFontSz" val="5" fact="NaN" max="NaN"/>
+              </dgm:ruleLst>
+            </dgm:layoutNode>
+          </dgm:layoutNode>
+          <dgm:layoutNode name="hierChild2">
+            <dgm:choose name="Name5">
+              <dgm:if name="Name6" func="var" arg="dir" op="equ" val="norm">
+                <dgm:alg type="hierChild">
+                  <dgm:param type="linDir" val="fromL"/>
+                </dgm:alg>
+              </dgm:if>
+              <dgm:else name="Name7">
+                <dgm:alg type="hierChild">
+                  <dgm:param type="linDir" val="fromR"/>
+                </dgm:alg>
+              </dgm:else>
+            </dgm:choose>
+            <dgm:shape xmlns:r="http://schemas.openxmlformats.org/officeDocument/2006/relationships" r:blip="">
+              <dgm:adjLst/>
+            </dgm:shape>
+            <dgm:presOf/>
+            <dgm:constrLst/>
+            <dgm:ruleLst/>
+            <dgm:forEach name="Name8" axis="ch">
+              <dgm:forEach name="Name9" axis="self" ptType="parTrans" cnt="1">
+                <dgm:layoutNode name="Name10">
+                  <dgm:alg type="conn">
+                    <dgm:param type="dim" val="1D"/>
+                    <dgm:param type="endSty" val="noArr"/>
+                    <dgm:param type="connRout" val="bend"/>
+                    <dgm:param type="bendPt" val="end"/>
+                    <dgm:param type="begPts" val="bCtr"/>
+                    <dgm:param type="endPts" val="tCtr"/>
+                    <dgm:param type="srcNode" val="background"/>
+                    <dgm:param type="dstNode" val="background2"/>
+                  </dgm:alg>
+                  <dgm:shape xmlns:r="http://schemas.openxmlformats.org/officeDocument/2006/relationships" type="conn" r:blip="" zOrderOff="-999">
+                    <dgm:adjLst/>
+                  </dgm:shape>
+                  <dgm:presOf axis="self"/>
+                  <dgm:constrLst>
+                    <dgm:constr type="begPad"/>
+                    <dgm:constr type="endPad"/>
+                  </dgm:constrLst>
+                  <dgm:ruleLst/>
+                </dgm:layoutNode>
+              </dgm:forEach>
+              <dgm:forEach name="Name11" axis="self" ptType="node">
+                <dgm:layoutNode name="hierRoot2">
+                  <dgm:alg type="hierRoot"/>
+                  <dgm:shape xmlns:r="http://schemas.openxmlformats.org/officeDocument/2006/relationships" r:blip="">
+                    <dgm:adjLst/>
+                  </dgm:shape>
+                  <dgm:presOf/>
+                  <dgm:constrLst>
+                    <dgm:constr type="bendDist" for="des" ptType="parTrans" refType="sp" fact="0.5"/>
+                  </dgm:constrLst>
+                  <dgm:ruleLst/>
+                  <dgm:layoutNode name="composite2">
+                    <dgm:alg type="composite"/>
+                    <dgm:shape xmlns:r="http://schemas.openxmlformats.org/officeDocument/2006/relationships" r:blip="">
+                      <dgm:adjLst/>
+                    </dgm:shape>
+                    <dgm:presOf/>
+                    <dgm:constrLst>
+                      <dgm:constr type="w" for="ch" forName="background2" refType="w" fact="0.9"/>
+                      <dgm:constr type="h" for="ch" forName="background2" refType="w" refFor="ch" refForName="background2" fact="0.635"/>
+                      <dgm:constr type="t" for="ch" forName="background2"/>
+                      <dgm:constr type="l" for="ch" forName="background2"/>
+                      <dgm:constr type="w" for="ch" forName="text2" refType="w" fact="0.9"/>
+                      <dgm:constr type="h" for="ch" forName="text2" refType="w" refFor="ch" refForName="text2" fact="0.635"/>
+                      <dgm:constr type="t" for="ch" forName="text2" refType="w" fact="0.095"/>
+                      <dgm:constr type="l" for="ch" forName="text2" refType="w" fact="0.1"/>
+                    </dgm:constrLst>
+                    <dgm:ruleLst/>
+                    <dgm:layoutNode name="background2" moveWith="text2">
+                      <dgm:alg type="sp"/>
+                      <dgm:shape xmlns:r="http://schemas.openxmlformats.org/officeDocument/2006/relationships" type="roundRect" r:blip="">
+                        <dgm:adjLst>
+                          <dgm:adj idx="1" val="0.1"/>
+                        </dgm:adjLst>
+                      </dgm:shape>
+                      <dgm:presOf/>
+                      <dgm:constrLst/>
+                      <dgm:ruleLst/>
+                    </dgm:layoutNode>
+                    <dgm:layoutNode name="text2" styleLbl="fgAcc2">
+                      <dgm:varLst>
+                        <dgm:chPref val="3"/>
+                      </dgm:varLst>
+                      <dgm:alg type="tx"/>
+                      <dgm:shape xmlns:r="http://schemas.openxmlformats.org/officeDocument/2006/relationships" type="roundRect" r:blip="">
+                        <dgm:adjLst>
+                          <dgm:adj idx="1" val="0.1"/>
+                        </dgm:adjLst>
+                      </dgm:shape>
+                      <dgm:presOf axis="self"/>
+                      <dgm:constrLst>
+                        <dgm:constr type="tMarg" refType="primFontSz" fact="0.3"/>
+                        <dgm:constr type="bMarg" refType="primFontSz" fact="0.3"/>
+                        <dgm:constr type="lMarg" refType="primFontSz" fact="0.3"/>
+                        <dgm:constr type="rMarg" refType="primFontSz" fact="0.3"/>
+                      </dgm:constrLst>
+                      <dgm:ruleLst>
+                        <dgm:rule type="primFontSz" val="5" fact="NaN" max="NaN"/>
+                      </dgm:ruleLst>
+                    </dgm:layoutNode>
+                  </dgm:layoutNode>
+                  <dgm:layoutNode name="hierChild3">
+                    <dgm:choose name="Name12">
+                      <dgm:if name="Name13" func="var" arg="dir" op="equ" val="norm">
+                        <dgm:alg type="hierChild">
+                          <dgm:param type="linDir" val="fromL"/>
+                        </dgm:alg>
+                      </dgm:if>
+                      <dgm:else name="Name14">
+                        <dgm:alg type="hierChild">
+                          <dgm:param type="linDir" val="fromR"/>
+                        </dgm:alg>
+                      </dgm:else>
+                    </dgm:choose>
+                    <dgm:shape xmlns:r="http://schemas.openxmlformats.org/officeDocument/2006/relationships" r:blip="">
+                      <dgm:adjLst/>
+                    </dgm:shape>
+                    <dgm:presOf/>
+                    <dgm:constrLst/>
+                    <dgm:ruleLst/>
+                    <dgm:forEach name="Name15" axis="ch">
+                      <dgm:forEach name="Name16" axis="self" ptType="parTrans" cnt="1">
+                        <dgm:layoutNode name="Name17">
+                          <dgm:alg type="conn">
+                            <dgm:param type="dim" val="1D"/>
+                            <dgm:param type="endSty" val="noArr"/>
+                            <dgm:param type="connRout" val="bend"/>
+                            <dgm:param type="bendPt" val="end"/>
+                            <dgm:param type="begPts" val="bCtr"/>
+                            <dgm:param type="endPts" val="tCtr"/>
+                            <dgm:param type="srcNode" val="background2"/>
+                            <dgm:param type="dstNode" val="background3"/>
+                          </dgm:alg>
+                          <dgm:shape xmlns:r="http://schemas.openxmlformats.org/officeDocument/2006/relationships" type="conn" r:blip="" zOrderOff="-999">
+                            <dgm:adjLst/>
+                          </dgm:shape>
+                          <dgm:presOf axis="self"/>
+                          <dgm:constrLst>
+                            <dgm:constr type="begPad"/>
+                            <dgm:constr type="endPad"/>
+                          </dgm:constrLst>
+                          <dgm:ruleLst/>
+                        </dgm:layoutNode>
+                      </dgm:forEach>
+                      <dgm:forEach name="Name18" axis="self" ptType="node">
+                        <dgm:layoutNode name="hierRoot3">
+                          <dgm:alg type="hierRoot"/>
+                          <dgm:shape xmlns:r="http://schemas.openxmlformats.org/officeDocument/2006/relationships" r:blip="">
+                            <dgm:adjLst/>
+                          </dgm:shape>
+                          <dgm:presOf/>
+                          <dgm:constrLst>
+                            <dgm:constr type="bendDist" for="des" ptType="parTrans" refType="sp" fact="0.5"/>
+                          </dgm:constrLst>
+                          <dgm:ruleLst/>
+                          <dgm:layoutNode name="composite3">
+                            <dgm:alg type="composite"/>
+                            <dgm:shape xmlns:r="http://schemas.openxmlformats.org/officeDocument/2006/relationships" r:blip="">
+                              <dgm:adjLst/>
+                            </dgm:shape>
+                            <dgm:presOf/>
+                            <dgm:constrLst>
+                              <dgm:constr type="w" for="ch" forName="background3" refType="w" fact="0.9"/>
+                              <dgm:constr type="h" for="ch" forName="background3" refType="w" refFor="ch" refForName="background3" fact="0.635"/>
+                              <dgm:constr type="t" for="ch" forName="background3"/>
+                              <dgm:constr type="l" for="ch" forName="background3"/>
+                              <dgm:constr type="w" for="ch" forName="text3" refType="w" fact="0.9"/>
+                              <dgm:constr type="h" for="ch" forName="text3" refType="w" refFor="ch" refForName="text3" fact="0.635"/>
+                              <dgm:constr type="t" for="ch" forName="text3" refType="w" fact="0.095"/>
+                              <dgm:constr type="l" for="ch" forName="text3" refType="w" fact="0.1"/>
+                            </dgm:constrLst>
+                            <dgm:ruleLst/>
+                            <dgm:layoutNode name="background3" moveWith="text3">
+                              <dgm:alg type="sp"/>
+                              <dgm:shape xmlns:r="http://schemas.openxmlformats.org/officeDocument/2006/relationships" type="roundRect" r:blip="">
+                                <dgm:adjLst>
+                                  <dgm:adj idx="1" val="0.1"/>
+                                </dgm:adjLst>
+                              </dgm:shape>
+                              <dgm:presOf/>
+                              <dgm:constrLst/>
+                              <dgm:ruleLst/>
+                            </dgm:layoutNode>
+                            <dgm:layoutNode name="text3" styleLbl="fgAcc3">
+                              <dgm:varLst>
+                                <dgm:chPref val="3"/>
+                              </dgm:varLst>
+                              <dgm:alg type="tx"/>
+                              <dgm:shape xmlns:r="http://schemas.openxmlformats.org/officeDocument/2006/relationships" type="roundRect" r:blip="">
+                                <dgm:adjLst>
+                                  <dgm:adj idx="1" val="0.1"/>
+                                </dgm:adjLst>
+                              </dgm:shape>
+                              <dgm:presOf axis="self"/>
+                              <dgm:constrLst>
+                                <dgm:constr type="tMarg" refType="primFontSz" fact="0.3"/>
+                                <dgm:constr type="bMarg" refType="primFontSz" fact="0.3"/>
+                                <dgm:constr type="lMarg" refType="primFontSz" fact="0.3"/>
+                                <dgm:constr type="rMarg" refType="primFontSz" fact="0.3"/>
+                              </dgm:constrLst>
+                              <dgm:ruleLst>
+                                <dgm:rule type="primFontSz" val="5" fact="NaN" max="NaN"/>
+                              </dgm:ruleLst>
+                            </dgm:layoutNode>
+                          </dgm:layoutNode>
+                          <dgm:layoutNode name="hierChild4">
+                            <dgm:choose name="Name19">
+                              <dgm:if name="Name20" func="var" arg="dir" op="equ" val="norm">
+                                <dgm:alg type="hierChild">
+                                  <dgm:param type="linDir" val="fromL"/>
+                                </dgm:alg>
+                              </dgm:if>
+                              <dgm:else name="Name21">
+                                <dgm:alg type="hierChild">
+                                  <dgm:param type="linDir" val="fromR"/>
+                                </dgm:alg>
+                              </dgm:else>
+                            </dgm:choose>
+                            <dgm:shape xmlns:r="http://schemas.openxmlformats.org/officeDocument/2006/relationships" r:blip="">
+                              <dgm:adjLst/>
+                            </dgm:shape>
+                            <dgm:presOf/>
+                            <dgm:constrLst/>
+                            <dgm:ruleLst/>
+                            <dgm:forEach name="repeat" axis="ch">
+                              <dgm:forEach name="Name22" axis="self" ptType="parTrans" cnt="1">
+                                <dgm:layoutNode name="Name23">
+                                  <dgm:choose name="Name24">
+                                    <dgm:if name="Name25" axis="self" func="depth" op="lte" val="4">
+                                      <dgm:alg type="conn">
+                                        <dgm:param type="dim" val="1D"/>
+                                        <dgm:param type="endSty" val="noArr"/>
+                                        <dgm:param type="connRout" val="bend"/>
+                                        <dgm:param type="bendPt" val="end"/>
+                                        <dgm:param type="begPts" val="bCtr"/>
+                                        <dgm:param type="endPts" val="tCtr"/>
+                                        <dgm:param type="srcNode" val="background3"/>
+                                        <dgm:param type="dstNode" val="background4"/>
+                                      </dgm:alg>
+                                    </dgm:if>
+                                    <dgm:else name="Name26">
+                                      <dgm:alg type="conn">
+                                        <dgm:param type="dim" val="1D"/>
+                                        <dgm:param type="endSty" val="noArr"/>
+                                        <dgm:param type="connRout" val="bend"/>
+                                        <dgm:param type="bendPt" val="end"/>
+                                        <dgm:param type="begPts" val="bCtr"/>
+                                        <dgm:param type="endPts" val="tCtr"/>
+                                        <dgm:param type="srcNode" val="background4"/>
+                                        <dgm:param type="dstNode" val="background4"/>
+                                      </dgm:alg>
+                                    </dgm:else>
+                                  </dgm:choose>
+                                  <dgm:shape xmlns:r="http://schemas.openxmlformats.org/officeDocument/2006/relationships" type="conn" r:blip="" zOrderOff="-999">
+                                    <dgm:adjLst/>
+                                  </dgm:shape>
+                                  <dgm:presOf axis="self"/>
+                                  <dgm:constrLst>
+                                    <dgm:constr type="begPad"/>
+                                    <dgm:constr type="endPad"/>
+                                  </dgm:constrLst>
+                                  <dgm:ruleLst/>
+                                </dgm:layoutNode>
+                              </dgm:forEach>
+                              <dgm:forEach name="Name27" axis="self" ptType="node">
+                                <dgm:layoutNode name="hierRoot4">
+                                  <dgm:alg type="hierRoot"/>
+                                  <dgm:shape xmlns:r="http://schemas.openxmlformats.org/officeDocument/2006/relationships" r:blip="">
+                                    <dgm:adjLst/>
+                                  </dgm:shape>
+                                  <dgm:presOf/>
+                                  <dgm:constrLst>
+                                    <dgm:constr type="bendDist" for="des" ptType="parTrans" refType="sp" fact="0.5"/>
+                                  </dgm:constrLst>
+                                  <dgm:ruleLst/>
+                                  <dgm:layoutNode name="composite4">
+                                    <dgm:alg type="composite"/>
+                                    <dgm:shape xmlns:r="http://schemas.openxmlformats.org/officeDocument/2006/relationships" r:blip="">
+                                      <dgm:adjLst/>
+                                    </dgm:shape>
+                                    <dgm:presOf/>
+                                    <dgm:constrLst>
+                                      <dgm:constr type="w" for="ch" forName="background4" refType="w" fact="0.9"/>
+                                      <dgm:constr type="h" for="ch" forName="background4" refType="w" refFor="ch" refForName="background4" fact="0.635"/>
+                                      <dgm:constr type="t" for="ch" forName="background4"/>
+                                      <dgm:constr type="l" for="ch" forName="background4"/>
+                                      <dgm:constr type="w" for="ch" forName="text4" refType="w" fact="0.9"/>
+                                      <dgm:constr type="h" for="ch" forName="text4" refType="w" refFor="ch" refForName="text4" fact="0.635"/>
+                                      <dgm:constr type="t" for="ch" forName="text4" refType="w" fact="0.095"/>
+                                      <dgm:constr type="l" for="ch" forName="text4" refType="w" fact="0.1"/>
+                                    </dgm:constrLst>
+                                    <dgm:ruleLst/>
+                                    <dgm:layoutNode name="background4" moveWith="text4">
+                                      <dgm:alg type="sp"/>
+                                      <dgm:shape xmlns:r="http://schemas.openxmlformats.org/officeDocument/2006/relationships" type="roundRect" r:blip="">
+                                        <dgm:adjLst>
+                                          <dgm:adj idx="1" val="0.1"/>
+                                        </dgm:adjLst>
+                                      </dgm:shape>
+                                      <dgm:presOf/>
+                                      <dgm:constrLst/>
+                                      <dgm:ruleLst/>
+                                    </dgm:layoutNode>
+                                    <dgm:layoutNode name="text4" styleLbl="fgAcc4">
+                                      <dgm:varLst>
+                                        <dgm:chPref val="3"/>
+                                      </dgm:varLst>
+                                      <dgm:alg type="tx"/>
+                                      <dgm:shape xmlns:r="http://schemas.openxmlformats.org/officeDocument/2006/relationships" type="roundRect" r:blip="">
+                                        <dgm:adjLst>
+                                          <dgm:adj idx="1" val="0.1"/>
+                                        </dgm:adjLst>
+                                      </dgm:shape>
+                                      <dgm:presOf axis="self"/>
+                                      <dgm:constrLst>
+                                        <dgm:constr type="tMarg" refType="primFontSz" fact="0.3"/>
+                                        <dgm:constr type="bMarg" refType="primFontSz" fact="0.3"/>
+                                        <dgm:constr type="lMarg" refType="primFontSz" fact="0.3"/>
+                                        <dgm:constr type="rMarg" refType="primFontSz" fact="0.3"/>
+                                      </dgm:constrLst>
+                                      <dgm:ruleLst>
+                                        <dgm:rule type="primFontSz" val="5" fact="NaN" max="NaN"/>
+                                      </dgm:ruleLst>
+                                    </dgm:layoutNode>
+                                  </dgm:layoutNode>
+                                  <dgm:layoutNode name="hierChild5">
+                                    <dgm:choose name="Name28">
+                                      <dgm:if name="Name29" func="var" arg="dir" op="equ" val="norm">
+                                        <dgm:alg type="hierChild">
+                                          <dgm:param type="linDir" val="fromL"/>
+                                        </dgm:alg>
+                                      </dgm:if>
+                                      <dgm:else name="Name30">
+                                        <dgm:alg type="hierChild">
+                                          <dgm:param type="linDir" val="fromR"/>
+                                        </dgm:alg>
+                                      </dgm:else>
+                                    </dgm:choose>
+                                    <dgm:shape xmlns:r="http://schemas.openxmlformats.org/officeDocument/2006/relationships" r:blip="">
+                                      <dgm:adjLst/>
+                                    </dgm:shape>
+                                    <dgm:presOf/>
+                                    <dgm:constrLst/>
+                                    <dgm:ruleLst/>
+                                    <dgm:forEach name="Name31" ref="repeat"/>
+                                  </dgm:layoutNode>
+                                </dgm:layoutNode>
+                              </dgm:forEach>
+                            </dgm:forEach>
+                          </dgm:layoutNode>
+                        </dgm:layoutNode>
+                      </dgm:forEach>
+                    </dgm:forEach>
+                  </dgm:layoutNode>
+                </dgm:layoutNode>
+              </dgm:forEach>
+            </dgm:forEach>
+          </dgm:layoutNode>
+        </dgm:layoutNode>
+      </dgm:forEach>
+    </dgm:forEach>
+  </dgm:layoutNode>
+</dgm:layoutDef>
+</file>
+
+<file path=ppt/diagrams/quickStyle1.xml><?xml version="1.0" encoding="utf-8"?>
+<dgm:styleDef xmlns:dgm="http://schemas.openxmlformats.org/drawingml/2006/diagram" xmlns:a="http://schemas.openxmlformats.org/drawingml/2006/main" uniqueId="urn:microsoft.com/office/officeart/2005/8/quickstyle/simple4">
+  <dgm:title val=""/>
+  <dgm:desc val=""/>
+  <dgm:catLst>
+    <dgm:cat type="simple" pri="10400"/>
+  </dgm:catLst>
+  <dgm:scene3d>
+    <a:camera prst="orthographicFront"/>
+    <a:lightRig rig="threePt" dir="t"/>
+  </dgm:scene3d>
+  <dgm:styleLbl name="node0">
+    <dgm:scene3d>
+      <a:camera prst="orthographicFront"/>
+      <a:lightRig rig="threePt" dir="t"/>
+    </dgm:scene3d>
+    <dgm:sp3d/>
+    <dgm:txPr/>
+    <dgm:style>
+      <a:lnRef idx="0">
+        <a:scrgbClr r="0" g="0" b="0"/>
+      </a:lnRef>
+      <a:fillRef idx="3">
+        <a:scrgbClr r="0" g="0" b="0"/>
+      </a:fillRef>
+      <a:effectRef idx="2">
+        <a:scrgbClr r="0" g="0" b="0"/>
+      </a:effectRef>
+      <a:fontRef idx="minor">
+        <a:schemeClr val="lt1"/>
+      </a:fontRef>
+    </dgm:style>
+  </dgm:styleLbl>
+  <dgm:styleLbl name="lnNode1">
+    <dgm:scene3d>
+      <a:camera prst="orthographicFront"/>
+      <a:lightRig rig="threePt" dir="t"/>
+    </dgm:scene3d>
+    <dgm:sp3d/>
+    <dgm:txPr/>
+    <dgm:style>
+      <a:lnRef idx="1">
+        <a:scrgbClr r="0" g="0" b="0"/>
+      </a:lnRef>
+      <a:fillRef idx="3">
+        <a:scrgbClr r="0" g="0" b="0"/>
+      </a:fillRef>
+      <a:effectRef idx="2">
+        <a:scrgbClr r="0" g="0" b="0"/>
+      </a:effectRef>
+      <a:fontRef idx="minor">
+        <a:schemeClr val="lt1"/>
+      </a:fontRef>
+    </dgm:style>
+  </dgm:styleLbl>
+  <dgm:styleLbl name="vennNode1">
+    <dgm:scene3d>
+      <a:camera prst="orthographicFront"/>
+      <a:lightRig rig="threePt" dir="t"/>
+    </dgm:scene3d>
+    <dgm:sp3d/>
+    <dgm:txPr/>
+    <dgm:style>
+      <a:lnRef idx="0">
+        <a:scrgbClr r="0" g="0" b="0"/>
+      </a:lnRef>
+      <a:fillRef idx="3">
+        <a:scrgbClr r="0" g="0" b="0"/>
+      </a:fillRef>
+      <a:effectRef idx="0">
+        <a:scrgbClr r="0" g="0" b="0"/>
+      </a:effectRef>
+      <a:fontRef idx="minor">
+        <a:schemeClr val="tx1"/>
+      </a:fontRef>
+    </dgm:style>
+  </dgm:styleLbl>
+  <dgm:styleLbl name="alignNode1">
+    <dgm:scene3d>
+      <a:camera prst="orthographicFront"/>
+      <a:lightRig rig="threePt" dir="t"/>
+    </dgm:scene3d>
+    <dgm:sp3d/>
+    <dgm:txPr/>
+    <dgm:style>
+      <a:lnRef idx="1">
+        <a:scrgbClr r="0" g="0" b="0"/>
+      </a:lnRef>
+      <a:fillRef idx="3">
+        <a:scrgbClr r="0" g="0" b="0"/>
+      </a:fillRef>
+      <a:effectRef idx="2">
+        <a:scrgbClr r="0" g="0" b="0"/>
+      </a:effectRef>
+      <a:fontRef idx="minor">
+        <a:schemeClr val="lt1"/>
+      </a:fontRef>
+    </dgm:style>
+  </dgm:styleLbl>
+  <dgm:styleLbl name="node1">
+    <dgm:scene3d>
+      <a:camera prst="orthographicFront"/>
+      <a:lightRig rig="threePt" dir="t"/>
+    </dgm:scene3d>
+    <dgm:sp3d/>
+    <dgm:txPr/>
+    <dgm:style>
+      <a:lnRef idx="0">
+        <a:scrgbClr r="0" g="0" b="0"/>
+      </a:lnRef>
+      <a:fillRef idx="3">
+        <a:scrgbClr r="0" g="0" b="0"/>
+      </a:fillRef>
+      <a:effectRef idx="2">
+        <a:scrgbClr r="0" g="0" b="0"/>
+      </a:effectRef>
+      <a:fontRef idx="minor">
+        <a:schemeClr val="lt1"/>
+      </a:fontRef>
+    </dgm:style>
+  </dgm:styleLbl>
+  <dgm:styleLbl name="node2">
+    <dgm:scene3d>
+      <a:camera prst="orthographicFront"/>
+      <a:lightRig rig="threePt" dir="t"/>
+    </dgm:scene3d>
+    <dgm:sp3d/>
+    <dgm:txPr/>
+    <dgm:style>
+      <a:lnRef idx="0">
+        <a:scrgbClr r="0" g="0" b="0"/>
+      </a:lnRef>
+      <a:fillRef idx="3">
+        <a:scrgbClr r="0" g="0" b="0"/>
+      </a:fillRef>
+      <a:effectRef idx="2">
+        <a:scrgbClr r="0" g="0" b="0"/>
+      </a:effectRef>
+      <a:fontRef idx="minor">
+        <a:schemeClr val="lt1"/>
+      </a:fontRef>
+    </dgm:style>
+  </dgm:styleLbl>
+  <dgm:styleLbl name="node3">
+    <dgm:scene3d>
+      <a:camera prst="orthographicFront"/>
+      <a:lightRig rig="threePt" dir="t"/>
+    </dgm:scene3d>
+    <dgm:sp3d/>
+    <dgm:txPr/>
+    <dgm:style>
+      <a:lnRef idx="0">
+        <a:scrgbClr r="0" g="0" b="0"/>
+      </a:lnRef>
+      <a:fillRef idx="3">
+        <a:scrgbClr r="0" g="0" b="0"/>
+      </a:fillRef>
+      <a:effectRef idx="2">
+        <a:scrgbClr r="0" g="0" b="0"/>
+      </a:effectRef>
+      <a:fontRef idx="minor">
+        <a:schemeClr val="lt1"/>
+      </a:fontRef>
+    </dgm:style>
+  </dgm:styleLbl>
+  <dgm:styleLbl name="node4">
+    <dgm:scene3d>
+      <a:camera prst="orthographicFront"/>
+      <a:lightRig rig="threePt" dir="t"/>
+    </dgm:scene3d>
+    <dgm:sp3d/>
+    <dgm:txPr/>
+    <dgm:style>
+      <a:lnRef idx="0">
+        <a:scrgbClr r="0" g="0" b="0"/>
+      </a:lnRef>
+      <a:fillRef idx="3">
+        <a:scrgbClr r="0" g="0" b="0"/>
+      </a:fillRef>
+      <a:effectRef idx="2">
+        <a:scrgbClr r="0" g="0" b="0"/>
+      </a:effectRef>
+      <a:fontRef idx="minor">
+        <a:schemeClr val="lt1"/>
+      </a:fontRef>
+    </dgm:style>
+  </dgm:styleLbl>
+  <dgm:styleLbl name="fgImgPlace1">
+    <dgm:scene3d>
+      <a:camera prst="orthographicFront"/>
+      <a:lightRig rig="threePt" dir="t"/>
+    </dgm:scene3d>
+    <dgm:sp3d/>
+    <dgm:txPr/>
+    <dgm:style>
+      <a:lnRef idx="0">
+        <a:scrgbClr r="0" g="0" b="0"/>
+      </a:lnRef>
+      <a:fillRef idx="1">
+        <a:scrgbClr r="0" g="0" b="0"/>
+      </a:fillRef>
+      <a:effectRef idx="2">
+        <a:scrgbClr r="0" g="0" b="0"/>
+      </a:effectRef>
+      <a:fontRef idx="minor"/>
+    </dgm:style>
+  </dgm:styleLbl>
+  <dgm:styleLbl name="alignImgPlace1">
+    <dgm:scene3d>
+      <a:camera prst="orthographicFront"/>
+      <a:lightRig rig="threePt" dir="t"/>
+    </dgm:scene3d>
+    <dgm:sp3d/>
+    <dgm:txPr/>
+    <dgm:style>
+      <a:lnRef idx="0">
+        <a:scrgbClr r="0" g="0" b="0"/>
+      </a:lnRef>
+      <a:fillRef idx="1">
+        <a:scrgbClr r="0" g="0" b="0"/>
+      </a:fillRef>
+      <a:effectRef idx="2">
+        <a:scrgbClr r="0" g="0" b="0"/>
+      </a:effectRef>
+      <a:fontRef idx="minor"/>
+    </dgm:style>
+  </dgm:styleLbl>
+  <dgm:styleLbl name="bgImgPlace1">
+    <dgm:scene3d>
+      <a:camera prst="orthographicFront"/>
+      <a:lightRig rig="threePt" dir="t"/>
+    </dgm:scene3d>
+    <dgm:sp3d/>
+    <dgm:txPr/>
+    <dgm:style>
+      <a:lnRef idx="0">
+        <a:scrgbClr r="0" g="0" b="0"/>
+      </a:lnRef>
+      <a:fillRef idx="1">
+        <a:scrgbClr r="0" g="0" b="0"/>
+      </a:fillRef>
+      <a:effectRef idx="2">
+        <a:scrgbClr r="0" g="0" b="0"/>
+      </a:effectRef>
+      <a:fontRef idx="minor"/>
+    </dgm:style>
+  </dgm:styleLbl>
+  <dgm:styleLbl name="sibTrans2D1">
+    <dgm:scene3d>
+      <a:camera prst="orthographicFront"/>
+      <a:lightRig rig="threePt" dir="t"/>
+    </dgm:scene3d>
+    <dgm:sp3d/>
+    <dgm:txPr/>
+    <dgm:style>
+      <a:lnRef idx="0">
+        <a:scrgbClr r="0" g="0" b="0"/>
+      </a:lnRef>
+      <a:fillRef idx="3">
+        <a:scrgbClr r="0" g="0" b="0"/>
+      </a:fillRef>
+      <a:effectRef idx="2">
+        <a:scrgbClr r="0" g="0" b="0"/>
+      </a:effectRef>
+      <a:fontRef idx="minor">
+        <a:schemeClr val="lt1"/>
+      </a:fontRef>
+    </dgm:style>
+  </dgm:styleLbl>
+  <dgm:styleLbl name="fgSibTrans2D1">
+    <dgm:scene3d>
+      <a:camera prst="orthographicFront"/>
+      <a:lightRig rig="threePt" dir="t"/>
+    </dgm:scene3d>
+    <dgm:sp3d/>
+    <dgm:txPr/>
+    <dgm:style>
+      <a:lnRef idx="0">
+        <a:scrgbClr r="0" g="0" b="0"/>
+      </a:lnRef>
+      <a:fillRef idx="3">
+        <a:scrgbClr r="0" g="0" b="0"/>
+      </a:fillRef>
+      <a:effectRef idx="2">
+        <a:scrgbClr r="0" g="0" b="0"/>
+      </a:effectRef>
+      <a:fontRef idx="minor">
+        <a:schemeClr val="lt1"/>
+      </a:fontRef>
+    </dgm:style>
+  </dgm:styleLbl>
+  <dgm:styleLbl name="bgSibTrans2D1">
+    <dgm:scene3d>
+      <a:camera prst="orthographicFront"/>
+      <a:lightRig rig="threePt" dir="t"/>
+    </dgm:scene3d>
+    <dgm:sp3d/>
+    <dgm:txPr/>
+    <dgm:style>
+      <a:lnRef idx="0">
+        <a:scrgbClr r="0" g="0" b="0"/>
+      </a:lnRef>
+      <a:fillRef idx="3">
+        <a:scrgbClr r="0" g="0" b="0"/>
+      </a:fillRef>
+      <a:effectRef idx="2">
+        <a:scrgbClr r="0" g="0" b="0"/>
+      </a:effectRef>
+      <a:fontRef idx="minor">
+        <a:schemeClr val="lt1"/>
+      </a:fontRef>
+    </dgm:style>
+  </dgm:styleLbl>
+  <dgm:styleLbl name="sibTrans1D1">
+    <dgm:scene3d>
+      <a:camera prst="orthographicFront"/>
+      <a:lightRig rig="threePt" dir="t"/>
+    </dgm:scene3d>
+    <dgm:sp3d/>
+    <dgm:txPr/>
+    <dgm:style>
+      <a:lnRef idx="1">
+        <a:scrgbClr r="0" g="0" b="0"/>
+      </a:lnRef>
+      <a:fillRef idx="0">
+        <a:scrgbClr r="0" g="0" b="0"/>
+      </a:fillRef>
+      <a:effectRef idx="0">
+        <a:scrgbClr r="0" g="0" b="0"/>
+      </a:effectRef>
+      <a:fontRef idx="minor"/>
+    </dgm:style>
+  </dgm:styleLbl>
+  <dgm:styleLbl name="callout">
+    <dgm:scene3d>
+      <a:camera prst="orthographicFront"/>
+      <a:lightRig rig="threePt" dir="t"/>
+    </dgm:scene3d>
+    <dgm:sp3d/>
+    <dgm:txPr/>
+    <dgm:style>
+      <a:lnRef idx="2">
+        <a:scrgbClr r="0" g="0" b="0"/>
+      </a:lnRef>
+      <a:fillRef idx="1">
+        <a:scrgbClr r="0" g="0" b="0"/>
+      </a:fillRef>
+      <a:effectRef idx="1">
+        <a:scrgbClr r="0" g="0" b="0"/>
+      </a:effectRef>
+      <a:fontRef idx="minor"/>
+    </dgm:style>
+  </dgm:styleLbl>
+  <dgm:styleLbl name="asst0">
+    <dgm:scene3d>
+      <a:camera prst="orthographicFront"/>
+      <a:lightRig rig="threePt" dir="t"/>
+    </dgm:scene3d>
+    <dgm:sp3d/>
+    <dgm:txPr/>
+    <dgm:style>
+      <a:lnRef idx="0">
+        <a:scrgbClr r="0" g="0" b="0"/>
+      </a:lnRef>
+      <a:fillRef idx="3">
+        <a:scrgbClr r="0" g="0" b="0"/>
+      </a:fillRef>
+      <a:effectRef idx="2">
+        <a:scrgbClr r="0" g="0" b="0"/>
+      </a:effectRef>
+      <a:fontRef idx="minor">
+        <a:schemeClr val="lt1"/>
+      </a:fontRef>
+    </dgm:style>
+  </dgm:styleLbl>
+  <dgm:styleLbl name="asst1">
+    <dgm:scene3d>
+      <a:camera prst="orthographicFront"/>
+      <a:lightRig rig="threePt" dir="t"/>
+    </dgm:scene3d>
+    <dgm:sp3d/>
+    <dgm:txPr/>
+    <dgm:style>
+      <a:lnRef idx="0">
+        <a:scrgbClr r="0" g="0" b="0"/>
+      </a:lnRef>
+      <a:fillRef idx="3">
+        <a:scrgbClr r="0" g="0" b="0"/>
+      </a:fillRef>
+      <a:effectRef idx="2">
+        <a:scrgbClr r="0" g="0" b="0"/>
+      </a:effectRef>
+      <a:fontRef idx="minor">
+        <a:schemeClr val="lt1"/>
+      </a:fontRef>
+    </dgm:style>
+  </dgm:styleLbl>
+  <dgm:styleLbl name="asst2">
+    <dgm:scene3d>
+      <a:camera prst="orthographicFront"/>
+      <a:lightRig rig="threePt" dir="t"/>
+    </dgm:scene3d>
+    <dgm:sp3d/>
+    <dgm:txPr/>
+    <dgm:style>
+      <a:lnRef idx="0">
+        <a:scrgbClr r="0" g="0" b="0"/>
+      </a:lnRef>
+      <a:fillRef idx="3">
+        <a:scrgbClr r="0" g="0" b="0"/>
+      </a:fillRef>
+      <a:effectRef idx="2">
+        <a:scrgbClr r="0" g="0" b="0"/>
+      </a:effectRef>
+      <a:fontRef idx="minor">
+        <a:schemeClr val="lt1"/>
+      </a:fontRef>
+    </dgm:style>
+  </dgm:styleLbl>
+  <dgm:styleLbl name="asst3">
+    <dgm:scene3d>
+      <a:camera prst="orthographicFront"/>
+      <a:lightRig rig="threePt" dir="t"/>
+    </dgm:scene3d>
+    <dgm:sp3d/>
+    <dgm:txPr/>
+    <dgm:style>
+      <a:lnRef idx="0">
+        <a:scrgbClr r="0" g="0" b="0"/>
+      </a:lnRef>
+      <a:fillRef idx="3">
+        <a:scrgbClr r="0" g="0" b="0"/>
+      </a:fillRef>
+      <a:effectRef idx="2">
+        <a:scrgbClr r="0" g="0" b="0"/>
+      </a:effectRef>
+      <a:fontRef idx="minor">
+        <a:schemeClr val="lt1"/>
+      </a:fontRef>
+    </dgm:style>
+  </dgm:styleLbl>
+  <dgm:styleLbl name="asst4">
+    <dgm:scene3d>
+      <a:camera prst="orthographicFront"/>
+      <a:lightRig rig="threePt" dir="t"/>
+    </dgm:scene3d>
+    <dgm:sp3d/>
+    <dgm:txPr/>
+    <dgm:style>
+      <a:lnRef idx="0">
+        <a:scrgbClr r="0" g="0" b="0"/>
+      </a:lnRef>
+      <a:fillRef idx="3">
+        <a:scrgbClr r="0" g="0" b="0"/>
+      </a:fillRef>
+      <a:effectRef idx="2">
+        <a:scrgbClr r="0" g="0" b="0"/>
+      </a:effectRef>
+      <a:fontRef idx="minor">
+        <a:schemeClr val="lt1"/>
+      </a:fontRef>
+    </dgm:style>
+  </dgm:styleLbl>
+  <dgm:styleLbl name="parChTrans2D1">
+    <dgm:scene3d>
+      <a:camera prst="orthographicFront"/>
+      <a:lightRig rig="threePt" dir="t"/>
+    </dgm:scene3d>
+    <dgm:sp3d/>
+    <dgm:txPr/>
+    <dgm:style>
+      <a:lnRef idx="0">
+        <a:scrgbClr r="0" g="0" b="0"/>
+      </a:lnRef>
+      <a:fillRef idx="3">
+        <a:scrgbClr r="0" g="0" b="0"/>
+      </a:fillRef>
+      <a:effectRef idx="2">
+        <a:scrgbClr r="0" g="0" b="0"/>
+      </a:effectRef>
+      <a:fontRef idx="minor">
+        <a:schemeClr val="lt1"/>
+      </a:fontRef>
+    </dgm:style>
+  </dgm:styleLbl>
+  <dgm:styleLbl name="parChTrans2D2">
+    <dgm:scene3d>
+      <a:camera prst="orthographicFront"/>
+      <a:lightRig rig="threePt" dir="t"/>
+    </dgm:scene3d>
+    <dgm:sp3d/>
+    <dgm:txPr/>
+    <dgm:style>
+      <a:lnRef idx="0">
+        <a:scrgbClr r="0" g="0" b="0"/>
+      </a:lnRef>
+      <a:fillRef idx="3">
+        <a:scrgbClr r="0" g="0" b="0"/>
+      </a:fillRef>
+      <a:effectRef idx="2">
+        <a:scrgbClr r="0" g="0" b="0"/>
+      </a:effectRef>
+      <a:fontRef idx="minor">
+        <a:schemeClr val="lt1"/>
+      </a:fontRef>
+    </dgm:style>
+  </dgm:styleLbl>
+  <dgm:styleLbl name="parChTrans2D3">
+    <dgm:scene3d>
+      <a:camera prst="orthographicFront"/>
+      <a:lightRig rig="threePt" dir="t"/>
+    </dgm:scene3d>
+    <dgm:sp3d/>
+    <dgm:txPr/>
+    <dgm:style>
+      <a:lnRef idx="1">
+        <a:scrgbClr r="0" g="0" b="0"/>
+      </a:lnRef>
+      <a:fillRef idx="3">
+        <a:scrgbClr r="0" g="0" b="0"/>
+      </a:fillRef>
+      <a:effectRef idx="2">
+        <a:scrgbClr r="0" g="0" b="0"/>
+      </a:effectRef>
+      <a:fontRef idx="minor">
+        <a:schemeClr val="lt1"/>
+      </a:fontRef>
+    </dgm:style>
+  </dgm:styleLbl>
+  <dgm:styleLbl name="parChTrans2D4">
+    <dgm:scene3d>
+      <a:camera prst="orthographicFront"/>
+      <a:lightRig rig="threePt" dir="t"/>
+    </dgm:scene3d>
+    <dgm:sp3d/>
+    <dgm:txPr/>
+    <dgm:style>
+      <a:lnRef idx="1">
+        <a:scrgbClr r="0" g="0" b="0"/>
+      </a:lnRef>
+      <a:fillRef idx="3">
+        <a:scrgbClr r="0" g="0" b="0"/>
+      </a:fillRef>
+      <a:effectRef idx="2">
+        <a:scrgbClr r="0" g="0" b="0"/>
+      </a:effectRef>
+      <a:fontRef idx="minor">
+        <a:schemeClr val="lt1"/>
+      </a:fontRef>
+    </dgm:style>
+  </dgm:styleLbl>
+  <dgm:styleLbl name="parChTrans1D1">
+    <dgm:scene3d>
+      <a:camera prst="orthographicFront"/>
+      <a:lightRig rig="threePt" dir="t"/>
+    </dgm:scene3d>
+    <dgm:sp3d/>
+    <dgm:txPr/>
+    <dgm:style>
+      <a:lnRef idx="1">
+        <a:scrgbClr r="0" g="0" b="0"/>
+      </a:lnRef>
+      <a:fillRef idx="0">
+        <a:scrgbClr r="0" g="0" b="0"/>
+      </a:fillRef>
+      <a:effectRef idx="0">
+        <a:scrgbClr r="0" g="0" b="0"/>
+      </a:effectRef>
+      <a:fontRef idx="minor"/>
+    </dgm:style>
+  </dgm:styleLbl>
+  <dgm:styleLbl name="parChTrans1D2">
+    <dgm:scene3d>
+      <a:camera prst="orthographicFront"/>
+      <a:lightRig rig="threePt" dir="t"/>
+    </dgm:scene3d>
+    <dgm:sp3d/>
+    <dgm:txPr/>
+    <dgm:style>
+      <a:lnRef idx="1">
+        <a:scrgbClr r="0" g="0" b="0"/>
+      </a:lnRef>
+      <a:fillRef idx="0">
+        <a:scrgbClr r="0" g="0" b="0"/>
+      </a:fillRef>
+      <a:effectRef idx="0">
+        <a:scrgbClr r="0" g="0" b="0"/>
+      </a:effectRef>
+      <a:fontRef idx="minor"/>
+    </dgm:style>
+  </dgm:styleLbl>
+  <dgm:styleLbl name="parChTrans1D3">
+    <dgm:scene3d>
+      <a:camera prst="orthographicFront"/>
+      <a:lightRig rig="threePt" dir="t"/>
+    </dgm:scene3d>
+    <dgm:sp3d/>
+    <dgm:txPr/>
+    <dgm:style>
+      <a:lnRef idx="1">
+        <a:scrgbClr r="0" g="0" b="0"/>
+      </a:lnRef>
+      <a:fillRef idx="0">
+        <a:scrgbClr r="0" g="0" b="0"/>
+      </a:fillRef>
+      <a:effectRef idx="0">
+        <a:scrgbClr r="0" g="0" b="0"/>
+      </a:effectRef>
+      <a:fontRef idx="minor"/>
+    </dgm:style>
+  </dgm:styleLbl>
+  <dgm:styleLbl name="parChTrans1D4">
+    <dgm:scene3d>
+      <a:camera prst="orthographicFront"/>
+      <a:lightRig rig="threePt" dir="t"/>
+    </dgm:scene3d>
+    <dgm:sp3d/>
+    <dgm:txPr/>
+    <dgm:style>
+      <a:lnRef idx="1">
+        <a:scrgbClr r="0" g="0" b="0"/>
+      </a:lnRef>
+      <a:fillRef idx="0">
+        <a:scrgbClr r="0" g="0" b="0"/>
+      </a:fillRef>
+      <a:effectRef idx="0">
+        <a:scrgbClr r="0" g="0" b="0"/>
+      </a:effectRef>
+      <a:fontRef idx="minor"/>
+    </dgm:style>
+  </dgm:styleLbl>
+  <dgm:styleLbl name="fgAcc1">
+    <dgm:scene3d>
+      <a:camera prst="orthographicFront"/>
+      <a:lightRig rig="threePt" dir="t"/>
+    </dgm:scene3d>
+    <dgm:sp3d/>
+    <dgm:txPr/>
+    <dgm:style>
+      <a:lnRef idx="1">
+        <a:scrgbClr r="0" g="0" b="0"/>
+      </a:lnRef>
+      <a:fillRef idx="1">
+        <a:scrgbClr r="0" g="0" b="0"/>
+      </a:fillRef>
+      <a:effectRef idx="0">
+        <a:scrgbClr r="0" g="0" b="0"/>
+      </a:effectRef>
+      <a:fontRef idx="minor"/>
+    </dgm:style>
+  </dgm:styleLbl>
+  <dgm:styleLbl name="conFgAcc1">
+    <dgm:scene3d>
+      <a:camera prst="orthographicFront"/>
+      <a:lightRig rig="threePt" dir="t"/>
+    </dgm:scene3d>
+    <dgm:sp3d/>
+    <dgm:txPr/>
+    <dgm:style>
+      <a:lnRef idx="1">
+        <a:scrgbClr r="0" g="0" b="0"/>
+      </a:lnRef>
+      <a:fillRef idx="1">
+        <a:scrgbClr r="0" g="0" b="0"/>
+      </a:fillRef>
+      <a:effectRef idx="0">
+        <a:scrgbClr r="0" g="0" b="0"/>
+      </a:effectRef>
+      <a:fontRef idx="minor"/>
+    </dgm:style>
+  </dgm:styleLbl>
+  <dgm:styleLbl name="alignAcc1">
+    <dgm:scene3d>
+      <a:camera prst="orthographicFront"/>
+      <a:lightRig rig="threePt" dir="t"/>
+    </dgm:scene3d>
+    <dgm:sp3d/>
+    <dgm:txPr/>
+    <dgm:style>
+      <a:lnRef idx="1">
+        <a:scrgbClr r="0" g="0" b="0"/>
+      </a:lnRef>
+      <a:fillRef idx="1">
+        <a:scrgbClr r="0" g="0" b="0"/>
+      </a:fillRef>
+      <a:effectRef idx="0">
+        <a:scrgbClr r="0" g="0" b="0"/>
+      </a:effectRef>
+      <a:fontRef idx="minor"/>
+    </dgm:style>
+  </dgm:styleLbl>
+  <dgm:styleLbl name="trAlignAcc1">
+    <dgm:scene3d>
+      <a:camera prst="orthographicFront"/>
+      <a:lightRig rig="threePt" dir="t"/>
+    </dgm:scene3d>
+    <dgm:sp3d/>
+    <dgm:txPr/>
+    <dgm:style>
+      <a:lnRef idx="1">
+        <a:scrgbClr r="0" g="0" b="0"/>
+      </a:lnRef>
+      <a:fillRef idx="1">
+        <a:scrgbClr r="0" g="0" b="0"/>
+      </a:fillRef>
+      <a:effectRef idx="0">
+        <a:scrgbClr r="0" g="0" b="0"/>
+      </a:effectRef>
+      <a:fontRef idx="minor"/>
+    </dgm:style>
+  </dgm:styleLbl>
+  <dgm:styleLbl name="bgAcc1">
+    <dgm:scene3d>
+      <a:camera prst="orthographicFront"/>
+      <a:lightRig rig="threePt" dir="t"/>
+    </dgm:scene3d>
+    <dgm:sp3d/>
+    <dgm:txPr/>
+    <dgm:style>
+      <a:lnRef idx="1">
+        <a:scrgbClr r="0" g="0" b="0"/>
+      </a:lnRef>
+      <a:fillRef idx="1">
+        <a:scrgbClr r="0" g="0" b="0"/>
+      </a:fillRef>
+      <a:effectRef idx="0">
+        <a:scrgbClr r="0" g="0" b="0"/>
+      </a:effectRef>
+      <a:fontRef idx="minor"/>
+    </dgm:style>
+  </dgm:styleLbl>
+  <dgm:styleLbl name="solidFgAcc1">
+    <dgm:scene3d>
+      <a:camera prst="orthographicFront"/>
+      <a:lightRig rig="threePt" dir="t"/>
+    </dgm:scene3d>
+    <dgm:sp3d/>
+    <dgm:txPr/>
+    <dgm:style>
+      <a:lnRef idx="1">
+        <a:scrgbClr r="0" g="0" b="0"/>
+      </a:lnRef>
+      <a:fillRef idx="1">
+        <a:scrgbClr r="0" g="0" b="0"/>
+      </a:fillRef>
+      <a:effectRef idx="0">
+        <a:scrgbClr r="0" g="0" b="0"/>
+      </a:effectRef>
+      <a:fontRef idx="minor"/>
+    </dgm:style>
+  </dgm:styleLbl>
+  <dgm:styleLbl name="solidAlignAcc1">
+    <dgm:scene3d>
+      <a:camera prst="orthographicFront"/>
+      <a:lightRig rig="threePt" dir="t"/>
+    </dgm:scene3d>
+    <dgm:sp3d/>
+    <dgm:txPr/>
+    <dgm:style>
+      <a:lnRef idx="1">
+        <a:scrgbClr r="0" g="0" b="0"/>
+      </a:lnRef>
+      <a:fillRef idx="1">
+        <a:scrgbClr r="0" g="0" b="0"/>
+      </a:fillRef>
+      <a:effectRef idx="0">
+        <a:scrgbClr r="0" g="0" b="0"/>
+      </a:effectRef>
+      <a:fontRef idx="minor"/>
+    </dgm:style>
+  </dgm:styleLbl>
+  <dgm:styleLbl name="solidBgAcc1">
+    <dgm:scene3d>
+      <a:camera prst="orthographicFront"/>
+      <a:lightRig rig="threePt" dir="t"/>
+    </dgm:scene3d>
+    <dgm:sp3d/>
+    <dgm:txPr/>
+    <dgm:style>
+      <a:lnRef idx="1">
+        <a:scrgbClr r="0" g="0" b="0"/>
+      </a:lnRef>
+      <a:fillRef idx="1">
+        <a:scrgbClr r="0" g="0" b="0"/>
+      </a:fillRef>
+      <a:effectRef idx="0">
+        <a:scrgbClr r="0" g="0" b="0"/>
+      </a:effectRef>
+      <a:fontRef idx="minor"/>
+    </dgm:style>
+  </dgm:styleLbl>
+  <dgm:styleLbl name="fgAccFollowNode1">
+    <dgm:scene3d>
+      <a:camera prst="orthographicFront"/>
+      <a:lightRig rig="threePt" dir="t"/>
+    </dgm:scene3d>
+    <dgm:sp3d/>
+    <dgm:txPr/>
+    <dgm:style>
+      <a:lnRef idx="1">
+        <a:scrgbClr r="0" g="0" b="0"/>
+      </a:lnRef>
+      <a:fillRef idx="1">
+        <a:scrgbClr r="0" g="0" b="0"/>
+      </a:fillRef>
+      <a:effectRef idx="0">
+        <a:scrgbClr r="0" g="0" b="0"/>
+      </a:effectRef>
+      <a:fontRef idx="minor"/>
+    </dgm:style>
+  </dgm:styleLbl>
+  <dgm:styleLbl name="alignAccFollowNode1">
+    <dgm:scene3d>
+      <a:camera prst="orthographicFront"/>
+      <a:lightRig rig="threePt" dir="t"/>
+    </dgm:scene3d>
+    <dgm:sp3d/>
+    <dgm:txPr/>
+    <dgm:style>
+      <a:lnRef idx="1">
+        <a:scrgbClr r="0" g="0" b="0"/>
+      </a:lnRef>
+      <a:fillRef idx="1">
+        <a:scrgbClr r="0" g="0" b="0"/>
+      </a:fillRef>
+      <a:effectRef idx="0">
+        <a:scrgbClr r="0" g="0" b="0"/>
+      </a:effectRef>
+      <a:fontRef idx="minor"/>
+    </dgm:style>
+  </dgm:styleLbl>
+  <dgm:styleLbl name="bgAccFollowNode1">
+    <dgm:scene3d>
+      <a:camera prst="orthographicFront"/>
+      <a:lightRig rig="threePt" dir="t"/>
+    </dgm:scene3d>
+    <dgm:sp3d/>
+    <dgm:txPr/>
+    <dgm:style>
+      <a:lnRef idx="1">
+        <a:scrgbClr r="0" g="0" b="0"/>
+      </a:lnRef>
+      <a:fillRef idx="1">
+        <a:scrgbClr r="0" g="0" b="0"/>
+      </a:fillRef>
+      <a:effectRef idx="0">
+        <a:scrgbClr r="0" g="0" b="0"/>
+      </a:effectRef>
+      <a:fontRef idx="minor"/>
+    </dgm:style>
+  </dgm:styleLbl>
+  <dgm:styleLbl name="fgAcc0">
+    <dgm:scene3d>
+      <a:camera prst="orthographicFront"/>
+      <a:lightRig rig="threePt" dir="t"/>
+    </dgm:scene3d>
+    <dgm:sp3d/>
+    <dgm:txPr/>
+    <dgm:style>
+      <a:lnRef idx="1">
+        <a:scrgbClr r="0" g="0" b="0"/>
+      </a:lnRef>
+      <a:fillRef idx="1">
+        <a:scrgbClr r="0" g="0" b="0"/>
+      </a:fillRef>
+      <a:effectRef idx="0">
+        <a:scrgbClr r="0" g="0" b="0"/>
+      </a:effectRef>
+      <a:fontRef idx="minor"/>
+    </dgm:style>
+  </dgm:styleLbl>
+  <dgm:styleLbl name="fgAcc2">
+    <dgm:scene3d>
+      <a:camera prst="orthographicFront"/>
+      <a:lightRig rig="threePt" dir="t"/>
+    </dgm:scene3d>
+    <dgm:sp3d/>
+    <dgm:txPr/>
+    <dgm:style>
+      <a:lnRef idx="1">
+        <a:scrgbClr r="0" g="0" b="0"/>
+      </a:lnRef>
+      <a:fillRef idx="1">
+        <a:scrgbClr r="0" g="0" b="0"/>
+      </a:fillRef>
+      <a:effectRef idx="0">
+        <a:scrgbClr r="0" g="0" b="0"/>
+      </a:effectRef>
+      <a:fontRef idx="minor"/>
+    </dgm:style>
+  </dgm:styleLbl>
+  <dgm:styleLbl name="fgAcc3">
+    <dgm:scene3d>
+      <a:camera prst="orthographicFront"/>
+      <a:lightRig rig="threePt" dir="t"/>
+    </dgm:scene3d>
+    <dgm:sp3d/>
+    <dgm:txPr/>
+    <dgm:style>
+      <a:lnRef idx="1">
+        <a:scrgbClr r="0" g="0" b="0"/>
+      </a:lnRef>
+      <a:fillRef idx="1">
+        <a:scrgbClr r="0" g="0" b="0"/>
+      </a:fillRef>
+      <a:effectRef idx="0">
+        <a:scrgbClr r="0" g="0" b="0"/>
+      </a:effectRef>
+      <a:fontRef idx="minor"/>
+    </dgm:style>
+  </dgm:styleLbl>
+  <dgm:styleLbl name="fgAcc4">
+    <dgm:scene3d>
+      <a:camera prst="orthographicFront"/>
+      <a:lightRig rig="threePt" dir="t"/>
+    </dgm:scene3d>
+    <dgm:sp3d/>
+    <dgm:txPr/>
+    <dgm:style>
+      <a:lnRef idx="1">
+        <a:scrgbClr r="0" g="0" b="0"/>
+      </a:lnRef>
+      <a:fillRef idx="1">
+        <a:scrgbClr r="0" g="0" b="0"/>
+      </a:fillRef>
+      <a:effectRef idx="0">
+        <a:scrgbClr r="0" g="0" b="0"/>
+      </a:effectRef>
+      <a:fontRef idx="minor"/>
+    </dgm:style>
+  </dgm:styleLbl>
+  <dgm:styleLbl name="bgShp">
+    <dgm:scene3d>
+      <a:camera prst="orthographicFront"/>
+      <a:lightRig rig="threePt" dir="t"/>
+    </dgm:scene3d>
+    <dgm:sp3d/>
+    <dgm:txPr/>
+    <dgm:style>
+      <a:lnRef idx="0">
+        <a:scrgbClr r="0" g="0" b="0"/>
+      </a:lnRef>
+      <a:fillRef idx="1">
+        <a:scrgbClr r="0" g="0" b="0"/>
+      </a:fillRef>
+      <a:effectRef idx="2">
+        <a:scrgbClr r="0" g="0" b="0"/>
+      </a:effectRef>
+      <a:fontRef idx="minor"/>
+    </dgm:style>
+  </dgm:styleLbl>
+  <dgm:styleLbl name="dkBgShp">
+    <dgm:scene3d>
+      <a:camera prst="orthographicFront"/>
+      <a:lightRig rig="threePt" dir="t"/>
+    </dgm:scene3d>
+    <dgm:sp3d/>
+    <dgm:txPr/>
+    <dgm:style>
+      <a:lnRef idx="0">
+        <a:scrgbClr r="0" g="0" b="0"/>
+      </a:lnRef>
+      <a:fillRef idx="1">
+        <a:scrgbClr r="0" g="0" b="0"/>
+      </a:fillRef>
+      <a:effectRef idx="2">
+        <a:scrgbClr r="0" g="0" b="0"/>
+      </a:effectRef>
+      <a:fontRef idx="minor"/>
+    </dgm:style>
+  </dgm:styleLbl>
+  <dgm:styleLbl name="trBgShp">
+    <dgm:scene3d>
+      <a:camera prst="orthographicFront"/>
+      <a:lightRig rig="threePt" dir="t"/>
+    </dgm:scene3d>
+    <dgm:sp3d/>
+    <dgm:txPr/>
+    <dgm:style>
+      <a:lnRef idx="0">
+        <a:scrgbClr r="0" g="0" b="0"/>
+      </a:lnRef>
+      <a:fillRef idx="1">
+        <a:scrgbClr r="0" g="0" b="0"/>
+      </a:fillRef>
+      <a:effectRef idx="0">
+        <a:scrgbClr r="0" g="0" b="0"/>
+      </a:effectRef>
+      <a:fontRef idx="minor"/>
+    </dgm:style>
+  </dgm:styleLbl>
+  <dgm:styleLbl name="fgShp">
+    <dgm:scene3d>
+      <a:camera prst="orthographicFront"/>
+      <a:lightRig rig="threePt" dir="t"/>
+    </dgm:scene3d>
+    <dgm:sp3d/>
+    <dgm:txPr/>
+    <dgm:style>
+      <a:lnRef idx="0">
+        <a:scrgbClr r="0" g="0" b="0"/>
+      </a:lnRef>
+      <a:fillRef idx="3">
+        <a:scrgbClr r="0" g="0" b="0"/>
+      </a:fillRef>
+      <a:effectRef idx="2">
+        <a:scrgbClr r="0" g="0" b="0"/>
+      </a:effectRef>
+      <a:fontRef idx="minor"/>
+    </dgm:style>
+  </dgm:styleLbl>
+  <dgm:styleLbl name="revTx">
+    <dgm:scene3d>
+      <a:camera prst="orthographicFront"/>
+      <a:lightRig rig="threePt" dir="t"/>
+    </dgm:scene3d>
+    <dgm:sp3d/>
+    <dgm:txPr/>
+    <dgm:style>
+      <a:lnRef idx="0">
+        <a:scrgbClr r="0" g="0" b="0"/>
+      </a:lnRef>
+      <a:fillRef idx="0">
+        <a:scrgbClr r="0" g="0" b="0"/>
+      </a:fillRef>
+      <a:effectRef idx="0">
+        <a:scrgbClr r="0" g="0" b="0"/>
+      </a:effectRef>
+      <a:fontRef idx="minor"/>
+    </dgm:style>
+  </dgm:styleLbl>
+</dgm:styleDef>
 </file>
 
 <file path=ppt/slideLayouts/slideLayout1.xml><?xml version="1.0" encoding="utf-8"?>
@@ -131,13 +2984,7 @@
       </p:grpSpPr>
       <p:sp>
         <p:nvSpPr>
-          <p:cNvPr id="2" name="Tytuł 1">
-            <a:extLst>
-              <a:ext uri="{FF2B5EF4-FFF2-40B4-BE49-F238E27FC236}">
-                <a16:creationId xmlns:a16="http://schemas.microsoft.com/office/drawing/2014/main" id="{8B6081C6-0D53-EBE4-4067-3399FEB4ADDB}"/>
-              </a:ext>
-            </a:extLst>
-          </p:cNvPr>
+          <p:cNvPr id="2" name="Title 1"/>
           <p:cNvSpPr>
             <a:spLocks noGrp="1"/>
           </p:cNvSpPr>
@@ -147,15 +2994,17 @@
         </p:nvSpPr>
         <p:spPr>
           <a:xfrm>
-            <a:off x="1524000" y="1122363"/>
-            <a:ext cx="9144000" cy="2387600"/>
+            <a:off x="1595269" y="1122363"/>
+            <a:ext cx="9001462" cy="2387600"/>
           </a:xfrm>
         </p:spPr>
         <p:txBody>
-          <a:bodyPr anchor="b"/>
+          <a:bodyPr anchor="b">
+            <a:normAutofit/>
+          </a:bodyPr>
           <a:lstStyle>
             <a:lvl1pPr algn="ctr">
-              <a:defRPr sz="6000"/>
+              <a:defRPr sz="4800"/>
             </a:lvl1pPr>
           </a:lstStyle>
           <a:p>
@@ -163,18 +3012,13 @@
               <a:rPr lang="pl-PL"/>
               <a:t>Kliknij, aby edytować styl</a:t>
             </a:r>
-          </a:p>
-        </p:txBody>
-      </p:sp>
-      <p:sp>
-        <p:nvSpPr>
-          <p:cNvPr id="3" name="Podtytuł 2">
-            <a:extLst>
-              <a:ext uri="{FF2B5EF4-FFF2-40B4-BE49-F238E27FC236}">
-                <a16:creationId xmlns:a16="http://schemas.microsoft.com/office/drawing/2014/main" id="{CD436B2C-219B-F296-2584-2CA93713E906}"/>
-              </a:ext>
-            </a:extLst>
-          </p:cNvPr>
+            <a:endParaRPr lang="en-US" dirty="0"/>
+          </a:p>
+        </p:txBody>
+      </p:sp>
+      <p:sp>
+        <p:nvSpPr>
+          <p:cNvPr id="3" name="Subtitle 2"/>
           <p:cNvSpPr>
             <a:spLocks noGrp="1"/>
           </p:cNvSpPr>
@@ -184,8 +3028,8 @@
         </p:nvSpPr>
         <p:spPr>
           <a:xfrm>
-            <a:off x="1524000" y="3602038"/>
-            <a:ext cx="9144000" cy="1655762"/>
+            <a:off x="1595269" y="3602038"/>
+            <a:ext cx="9001462" cy="1655762"/>
           </a:xfrm>
         </p:spPr>
         <p:txBody>
@@ -233,18 +3077,13 @@
               <a:rPr lang="pl-PL"/>
               <a:t>Kliknij, aby edytować styl wzorca podtytułu</a:t>
             </a:r>
-          </a:p>
-        </p:txBody>
-      </p:sp>
-      <p:sp>
-        <p:nvSpPr>
-          <p:cNvPr id="4" name="Symbol zastępczy daty 3">
-            <a:extLst>
-              <a:ext uri="{FF2B5EF4-FFF2-40B4-BE49-F238E27FC236}">
-                <a16:creationId xmlns:a16="http://schemas.microsoft.com/office/drawing/2014/main" id="{52267FF5-EE6A-D6CC-BB1B-CDF6857E0330}"/>
-              </a:ext>
-            </a:extLst>
-          </p:cNvPr>
+            <a:endParaRPr lang="en-US" dirty="0"/>
+          </a:p>
+        </p:txBody>
+      </p:sp>
+      <p:sp>
+        <p:nvSpPr>
+          <p:cNvPr id="4" name="Date Placeholder 3"/>
           <p:cNvSpPr>
             <a:spLocks noGrp="1"/>
           </p:cNvSpPr>
@@ -267,13 +3106,7 @@
       </p:sp>
       <p:sp>
         <p:nvSpPr>
-          <p:cNvPr id="5" name="Symbol zastępczy stopki 4">
-            <a:extLst>
-              <a:ext uri="{FF2B5EF4-FFF2-40B4-BE49-F238E27FC236}">
-                <a16:creationId xmlns:a16="http://schemas.microsoft.com/office/drawing/2014/main" id="{1D7C10D3-DF04-EE88-8099-6AD7608DDA73}"/>
-              </a:ext>
-            </a:extLst>
-          </p:cNvPr>
+          <p:cNvPr id="5" name="Footer Placeholder 4"/>
           <p:cNvSpPr>
             <a:spLocks noGrp="1"/>
           </p:cNvSpPr>
@@ -292,13 +3125,7 @@
       </p:sp>
       <p:sp>
         <p:nvSpPr>
-          <p:cNvPr id="6" name="Symbol zastępczy numeru slajdu 5">
-            <a:extLst>
-              <a:ext uri="{FF2B5EF4-FFF2-40B4-BE49-F238E27FC236}">
-                <a16:creationId xmlns:a16="http://schemas.microsoft.com/office/drawing/2014/main" id="{CF6BA6F8-2621-9964-ECE8-D79612248095}"/>
-              </a:ext>
-            </a:extLst>
-          </p:cNvPr>
+          <p:cNvPr id="6" name="Slide Number Placeholder 5"/>
           <p:cNvSpPr>
             <a:spLocks noGrp="1"/>
           </p:cNvSpPr>
@@ -322,7 +3149,7 @@
     </p:spTree>
     <p:extLst>
       <p:ext uri="{BB962C8B-B14F-4D97-AF65-F5344CB8AC3E}">
-        <p14:creationId xmlns:p14="http://schemas.microsoft.com/office/powerpoint/2010/main" val="963071879"/>
+        <p14:creationId xmlns:p14="http://schemas.microsoft.com/office/powerpoint/2010/main" val="379763348"/>
       </p:ext>
     </p:extLst>
   </p:cSld>
@@ -333,6 +3160,2556 @@
 </file>
 
 <file path=ppt/slideLayouts/slideLayout10.xml><?xml version="1.0" encoding="utf-8"?>
+<p:sldLayout xmlns:a="http://schemas.openxmlformats.org/drawingml/2006/main" xmlns:r="http://schemas.openxmlformats.org/officeDocument/2006/relationships" xmlns:p="http://schemas.openxmlformats.org/presentationml/2006/main" preserve="1">
+  <p:cSld name="Obraz panoramiczny z podpisem">
+    <p:spTree>
+      <p:nvGrpSpPr>
+        <p:cNvPr id="1" name=""/>
+        <p:cNvGrpSpPr/>
+        <p:nvPr/>
+      </p:nvGrpSpPr>
+      <p:grpSpPr>
+        <a:xfrm>
+          <a:off x="0" y="0"/>
+          <a:ext cx="0" cy="0"/>
+          <a:chOff x="0" y="0"/>
+          <a:chExt cx="0" cy="0"/>
+        </a:xfrm>
+      </p:grpSpPr>
+      <p:sp>
+        <p:nvSpPr>
+          <p:cNvPr id="2" name="Title 1"/>
+          <p:cNvSpPr>
+            <a:spLocks noGrp="1"/>
+          </p:cNvSpPr>
+          <p:nvPr>
+            <p:ph type="title"/>
+          </p:nvPr>
+        </p:nvSpPr>
+        <p:spPr>
+          <a:xfrm>
+            <a:off x="913806" y="4289372"/>
+            <a:ext cx="10367564" cy="819355"/>
+          </a:xfrm>
+        </p:spPr>
+        <p:txBody>
+          <a:bodyPr anchor="b">
+            <a:normAutofit/>
+          </a:bodyPr>
+          <a:lstStyle>
+            <a:lvl1pPr>
+              <a:defRPr sz="2800"/>
+            </a:lvl1pPr>
+          </a:lstStyle>
+          <a:p>
+            <a:r>
+              <a:rPr lang="pl-PL"/>
+              <a:t>Kliknij, aby edytować styl</a:t>
+            </a:r>
+            <a:endParaRPr lang="en-US" dirty="0"/>
+          </a:p>
+        </p:txBody>
+      </p:sp>
+      <p:sp>
+        <p:nvSpPr>
+          <p:cNvPr id="3" name="Picture Placeholder 2"/>
+          <p:cNvSpPr>
+            <a:spLocks noGrp="1" noChangeAspect="1"/>
+          </p:cNvSpPr>
+          <p:nvPr>
+            <p:ph type="pic" idx="1"/>
+          </p:nvPr>
+        </p:nvSpPr>
+        <p:spPr>
+          <a:xfrm>
+            <a:off x="913806" y="621321"/>
+            <a:ext cx="10367564" cy="3379735"/>
+          </a:xfrm>
+          <a:noFill/>
+          <a:ln w="190500" cap="sq">
+            <a:solidFill>
+              <a:srgbClr val="FFFFFF"/>
+            </a:solidFill>
+            <a:miter lim="800000"/>
+          </a:ln>
+          <a:effectLst>
+            <a:outerShdw blurRad="55000" dist="18000" dir="5400000" algn="tl" rotWithShape="0">
+              <a:srgbClr val="000000">
+                <a:alpha val="40000"/>
+              </a:srgbClr>
+            </a:outerShdw>
+          </a:effectLst>
+          <a:scene3d>
+            <a:camera prst="orthographicFront"/>
+            <a:lightRig rig="twoPt" dir="t">
+              <a:rot lat="0" lon="0" rev="7200000"/>
+            </a:lightRig>
+          </a:scene3d>
+          <a:sp3d>
+            <a:bevelT w="25400" h="19050"/>
+            <a:contourClr>
+              <a:srgbClr val="FFFFFF"/>
+            </a:contourClr>
+          </a:sp3d>
+        </p:spPr>
+        <p:txBody>
+          <a:bodyPr anchor="t"/>
+          <a:lstStyle>
+            <a:lvl1pPr marL="0" indent="0" algn="ctr">
+              <a:buNone/>
+              <a:defRPr sz="3200"/>
+            </a:lvl1pPr>
+            <a:lvl2pPr marL="457200" indent="0">
+              <a:buNone/>
+              <a:defRPr sz="2800"/>
+            </a:lvl2pPr>
+            <a:lvl3pPr marL="914400" indent="0">
+              <a:buNone/>
+              <a:defRPr sz="2400"/>
+            </a:lvl3pPr>
+            <a:lvl4pPr marL="1371600" indent="0">
+              <a:buNone/>
+              <a:defRPr sz="2000"/>
+            </a:lvl4pPr>
+            <a:lvl5pPr marL="1828800" indent="0">
+              <a:buNone/>
+              <a:defRPr sz="2000"/>
+            </a:lvl5pPr>
+            <a:lvl6pPr marL="2286000" indent="0">
+              <a:buNone/>
+              <a:defRPr sz="2000"/>
+            </a:lvl6pPr>
+            <a:lvl7pPr marL="2743200" indent="0">
+              <a:buNone/>
+              <a:defRPr sz="2000"/>
+            </a:lvl7pPr>
+            <a:lvl8pPr marL="3200400" indent="0">
+              <a:buNone/>
+              <a:defRPr sz="2000"/>
+            </a:lvl8pPr>
+            <a:lvl9pPr marL="3657600" indent="0">
+              <a:buNone/>
+              <a:defRPr sz="2000"/>
+            </a:lvl9pPr>
+          </a:lstStyle>
+          <a:p>
+            <a:r>
+              <a:rPr lang="pl-PL"/>
+              <a:t>Kliknij ikonę, aby dodać obraz</a:t>
+            </a:r>
+            <a:endParaRPr lang="en-US" dirty="0"/>
+          </a:p>
+        </p:txBody>
+      </p:sp>
+      <p:sp>
+        <p:nvSpPr>
+          <p:cNvPr id="4" name="Text Placeholder 3"/>
+          <p:cNvSpPr>
+            <a:spLocks noGrp="1"/>
+          </p:cNvSpPr>
+          <p:nvPr>
+            <p:ph type="body" sz="half" idx="2"/>
+          </p:nvPr>
+        </p:nvSpPr>
+        <p:spPr>
+          <a:xfrm>
+            <a:off x="913795" y="5108728"/>
+            <a:ext cx="10365998" cy="682472"/>
+          </a:xfrm>
+        </p:spPr>
+        <p:txBody>
+          <a:bodyPr>
+            <a:normAutofit/>
+          </a:bodyPr>
+          <a:lstStyle>
+            <a:lvl1pPr marL="0" indent="0" algn="ctr">
+              <a:buNone/>
+              <a:defRPr sz="1800"/>
+            </a:lvl1pPr>
+            <a:lvl2pPr marL="457200" indent="0">
+              <a:buNone/>
+              <a:defRPr sz="1400"/>
+            </a:lvl2pPr>
+            <a:lvl3pPr marL="914400" indent="0">
+              <a:buNone/>
+              <a:defRPr sz="1200"/>
+            </a:lvl3pPr>
+            <a:lvl4pPr marL="1371600" indent="0">
+              <a:buNone/>
+              <a:defRPr sz="1000"/>
+            </a:lvl4pPr>
+            <a:lvl5pPr marL="1828800" indent="0">
+              <a:buNone/>
+              <a:defRPr sz="1000"/>
+            </a:lvl5pPr>
+            <a:lvl6pPr marL="2286000" indent="0">
+              <a:buNone/>
+              <a:defRPr sz="1000"/>
+            </a:lvl6pPr>
+            <a:lvl7pPr marL="2743200" indent="0">
+              <a:buNone/>
+              <a:defRPr sz="1000"/>
+            </a:lvl7pPr>
+            <a:lvl8pPr marL="3200400" indent="0">
+              <a:buNone/>
+              <a:defRPr sz="1000"/>
+            </a:lvl8pPr>
+            <a:lvl9pPr marL="3657600" indent="0">
+              <a:buNone/>
+              <a:defRPr sz="1000"/>
+            </a:lvl9pPr>
+          </a:lstStyle>
+          <a:p>
+            <a:pPr lvl="0"/>
+            <a:r>
+              <a:rPr lang="pl-PL"/>
+              <a:t>Kliknij, aby edytować style wzorca tekstu</a:t>
+            </a:r>
+          </a:p>
+        </p:txBody>
+      </p:sp>
+      <p:sp>
+        <p:nvSpPr>
+          <p:cNvPr id="5" name="Date Placeholder 4"/>
+          <p:cNvSpPr>
+            <a:spLocks noGrp="1"/>
+          </p:cNvSpPr>
+          <p:nvPr>
+            <p:ph type="dt" sz="half" idx="10"/>
+          </p:nvPr>
+        </p:nvSpPr>
+        <p:spPr/>
+        <p:txBody>
+          <a:bodyPr/>
+          <a:lstStyle/>
+          <a:p>
+            <a:fld id="{39F59EC8-C329-49B2-9FFF-D0CB5E153C03}" type="datetimeFigureOut">
+              <a:rPr lang="pl-PL" smtClean="0"/>
+              <a:t>23.10.2022</a:t>
+            </a:fld>
+            <a:endParaRPr lang="pl-PL"/>
+          </a:p>
+        </p:txBody>
+      </p:sp>
+      <p:sp>
+        <p:nvSpPr>
+          <p:cNvPr id="6" name="Footer Placeholder 5"/>
+          <p:cNvSpPr>
+            <a:spLocks noGrp="1"/>
+          </p:cNvSpPr>
+          <p:nvPr>
+            <p:ph type="ftr" sz="quarter" idx="11"/>
+          </p:nvPr>
+        </p:nvSpPr>
+        <p:spPr/>
+        <p:txBody>
+          <a:bodyPr/>
+          <a:lstStyle/>
+          <a:p>
+            <a:endParaRPr lang="pl-PL"/>
+          </a:p>
+        </p:txBody>
+      </p:sp>
+      <p:sp>
+        <p:nvSpPr>
+          <p:cNvPr id="7" name="Slide Number Placeholder 6"/>
+          <p:cNvSpPr>
+            <a:spLocks noGrp="1"/>
+          </p:cNvSpPr>
+          <p:nvPr>
+            <p:ph type="sldNum" sz="quarter" idx="12"/>
+          </p:nvPr>
+        </p:nvSpPr>
+        <p:spPr/>
+        <p:txBody>
+          <a:bodyPr/>
+          <a:lstStyle/>
+          <a:p>
+            <a:fld id="{A8552EC2-0920-4F61-A0E2-E84CF5306F3B}" type="slidenum">
+              <a:rPr lang="pl-PL" smtClean="0"/>
+              <a:t>‹#›</a:t>
+            </a:fld>
+            <a:endParaRPr lang="pl-PL"/>
+          </a:p>
+        </p:txBody>
+      </p:sp>
+    </p:spTree>
+    <p:extLst>
+      <p:ext uri="{BB962C8B-B14F-4D97-AF65-F5344CB8AC3E}">
+        <p14:creationId xmlns:p14="http://schemas.microsoft.com/office/powerpoint/2010/main" val="2722232555"/>
+      </p:ext>
+    </p:extLst>
+  </p:cSld>
+  <p:clrMapOvr>
+    <a:masterClrMapping/>
+  </p:clrMapOvr>
+</p:sldLayout>
+</file>
+
+<file path=ppt/slideLayouts/slideLayout11.xml><?xml version="1.0" encoding="utf-8"?>
+<p:sldLayout xmlns:a="http://schemas.openxmlformats.org/drawingml/2006/main" xmlns:r="http://schemas.openxmlformats.org/officeDocument/2006/relationships" xmlns:p="http://schemas.openxmlformats.org/presentationml/2006/main" preserve="1">
+  <p:cSld name="Tytuł i podpis">
+    <p:spTree>
+      <p:nvGrpSpPr>
+        <p:cNvPr id="1" name=""/>
+        <p:cNvGrpSpPr/>
+        <p:nvPr/>
+      </p:nvGrpSpPr>
+      <p:grpSpPr>
+        <a:xfrm>
+          <a:off x="0" y="0"/>
+          <a:ext cx="0" cy="0"/>
+          <a:chOff x="0" y="0"/>
+          <a:chExt cx="0" cy="0"/>
+        </a:xfrm>
+      </p:grpSpPr>
+      <p:sp>
+        <p:nvSpPr>
+          <p:cNvPr id="2" name="Title 1"/>
+          <p:cNvSpPr>
+            <a:spLocks noGrp="1"/>
+          </p:cNvSpPr>
+          <p:nvPr>
+            <p:ph type="title"/>
+          </p:nvPr>
+        </p:nvSpPr>
+        <p:spPr>
+          <a:xfrm>
+            <a:off x="913795" y="609600"/>
+            <a:ext cx="10353762" cy="3424859"/>
+          </a:xfrm>
+        </p:spPr>
+        <p:txBody>
+          <a:bodyPr anchor="ctr"/>
+          <a:lstStyle>
+            <a:lvl1pPr>
+              <a:defRPr sz="3200"/>
+            </a:lvl1pPr>
+          </a:lstStyle>
+          <a:p>
+            <a:r>
+              <a:rPr lang="pl-PL"/>
+              <a:t>Kliknij, aby edytować styl</a:t>
+            </a:r>
+            <a:endParaRPr lang="en-US" dirty="0"/>
+          </a:p>
+        </p:txBody>
+      </p:sp>
+      <p:sp>
+        <p:nvSpPr>
+          <p:cNvPr id="4" name="Text Placeholder 3"/>
+          <p:cNvSpPr>
+            <a:spLocks noGrp="1"/>
+          </p:cNvSpPr>
+          <p:nvPr>
+            <p:ph type="body" sz="half" idx="2"/>
+          </p:nvPr>
+        </p:nvSpPr>
+        <p:spPr>
+          <a:xfrm>
+            <a:off x="913795" y="4204820"/>
+            <a:ext cx="10353761" cy="1592186"/>
+          </a:xfrm>
+        </p:spPr>
+        <p:txBody>
+          <a:bodyPr anchor="ctr"/>
+          <a:lstStyle>
+            <a:lvl1pPr marL="0" indent="0" algn="ctr">
+              <a:buNone/>
+              <a:defRPr sz="1600"/>
+            </a:lvl1pPr>
+            <a:lvl2pPr marL="457200" indent="0">
+              <a:buNone/>
+              <a:defRPr sz="1400"/>
+            </a:lvl2pPr>
+            <a:lvl3pPr marL="914400" indent="0">
+              <a:buNone/>
+              <a:defRPr sz="1200"/>
+            </a:lvl3pPr>
+            <a:lvl4pPr marL="1371600" indent="0">
+              <a:buNone/>
+              <a:defRPr sz="1000"/>
+            </a:lvl4pPr>
+            <a:lvl5pPr marL="1828800" indent="0">
+              <a:buNone/>
+              <a:defRPr sz="1000"/>
+            </a:lvl5pPr>
+            <a:lvl6pPr marL="2286000" indent="0">
+              <a:buNone/>
+              <a:defRPr sz="1000"/>
+            </a:lvl6pPr>
+            <a:lvl7pPr marL="2743200" indent="0">
+              <a:buNone/>
+              <a:defRPr sz="1000"/>
+            </a:lvl7pPr>
+            <a:lvl8pPr marL="3200400" indent="0">
+              <a:buNone/>
+              <a:defRPr sz="1000"/>
+            </a:lvl8pPr>
+            <a:lvl9pPr marL="3657600" indent="0">
+              <a:buNone/>
+              <a:defRPr sz="1000"/>
+            </a:lvl9pPr>
+          </a:lstStyle>
+          <a:p>
+            <a:pPr lvl="0"/>
+            <a:r>
+              <a:rPr lang="pl-PL"/>
+              <a:t>Kliknij, aby edytować style wzorca tekstu</a:t>
+            </a:r>
+          </a:p>
+        </p:txBody>
+      </p:sp>
+      <p:sp>
+        <p:nvSpPr>
+          <p:cNvPr id="5" name="Date Placeholder 4"/>
+          <p:cNvSpPr>
+            <a:spLocks noGrp="1"/>
+          </p:cNvSpPr>
+          <p:nvPr>
+            <p:ph type="dt" sz="half" idx="10"/>
+          </p:nvPr>
+        </p:nvSpPr>
+        <p:spPr/>
+        <p:txBody>
+          <a:bodyPr/>
+          <a:lstStyle/>
+          <a:p>
+            <a:fld id="{39F59EC8-C329-49B2-9FFF-D0CB5E153C03}" type="datetimeFigureOut">
+              <a:rPr lang="pl-PL" smtClean="0"/>
+              <a:t>23.10.2022</a:t>
+            </a:fld>
+            <a:endParaRPr lang="pl-PL"/>
+          </a:p>
+        </p:txBody>
+      </p:sp>
+      <p:sp>
+        <p:nvSpPr>
+          <p:cNvPr id="6" name="Footer Placeholder 5"/>
+          <p:cNvSpPr>
+            <a:spLocks noGrp="1"/>
+          </p:cNvSpPr>
+          <p:nvPr>
+            <p:ph type="ftr" sz="quarter" idx="11"/>
+          </p:nvPr>
+        </p:nvSpPr>
+        <p:spPr/>
+        <p:txBody>
+          <a:bodyPr/>
+          <a:lstStyle/>
+          <a:p>
+            <a:endParaRPr lang="pl-PL"/>
+          </a:p>
+        </p:txBody>
+      </p:sp>
+      <p:sp>
+        <p:nvSpPr>
+          <p:cNvPr id="7" name="Slide Number Placeholder 6"/>
+          <p:cNvSpPr>
+            <a:spLocks noGrp="1"/>
+          </p:cNvSpPr>
+          <p:nvPr>
+            <p:ph type="sldNum" sz="quarter" idx="12"/>
+          </p:nvPr>
+        </p:nvSpPr>
+        <p:spPr/>
+        <p:txBody>
+          <a:bodyPr/>
+          <a:lstStyle/>
+          <a:p>
+            <a:fld id="{A8552EC2-0920-4F61-A0E2-E84CF5306F3B}" type="slidenum">
+              <a:rPr lang="pl-PL" smtClean="0"/>
+              <a:t>‹#›</a:t>
+            </a:fld>
+            <a:endParaRPr lang="pl-PL"/>
+          </a:p>
+        </p:txBody>
+      </p:sp>
+    </p:spTree>
+    <p:extLst>
+      <p:ext uri="{BB962C8B-B14F-4D97-AF65-F5344CB8AC3E}">
+        <p14:creationId xmlns:p14="http://schemas.microsoft.com/office/powerpoint/2010/main" val="2715930910"/>
+      </p:ext>
+    </p:extLst>
+  </p:cSld>
+  <p:clrMapOvr>
+    <a:masterClrMapping/>
+  </p:clrMapOvr>
+</p:sldLayout>
+</file>
+
+<file path=ppt/slideLayouts/slideLayout12.xml><?xml version="1.0" encoding="utf-8"?>
+<p:sldLayout xmlns:a="http://schemas.openxmlformats.org/drawingml/2006/main" xmlns:r="http://schemas.openxmlformats.org/officeDocument/2006/relationships" xmlns:p="http://schemas.openxmlformats.org/presentationml/2006/main" preserve="1">
+  <p:cSld name="Oferta z podpisem">
+    <p:spTree>
+      <p:nvGrpSpPr>
+        <p:cNvPr id="1" name=""/>
+        <p:cNvGrpSpPr/>
+        <p:nvPr/>
+      </p:nvGrpSpPr>
+      <p:grpSpPr>
+        <a:xfrm>
+          <a:off x="0" y="0"/>
+          <a:ext cx="0" cy="0"/>
+          <a:chOff x="0" y="0"/>
+          <a:chExt cx="0" cy="0"/>
+        </a:xfrm>
+      </p:grpSpPr>
+      <p:sp>
+        <p:nvSpPr>
+          <p:cNvPr id="2" name="Title 1"/>
+          <p:cNvSpPr>
+            <a:spLocks noGrp="1"/>
+          </p:cNvSpPr>
+          <p:nvPr>
+            <p:ph type="title"/>
+          </p:nvPr>
+        </p:nvSpPr>
+        <p:spPr>
+          <a:xfrm>
+            <a:off x="1446212" y="609600"/>
+            <a:ext cx="9302752" cy="2992904"/>
+          </a:xfrm>
+        </p:spPr>
+        <p:txBody>
+          <a:bodyPr anchor="ctr"/>
+          <a:lstStyle>
+            <a:lvl1pPr>
+              <a:defRPr sz="3200"/>
+            </a:lvl1pPr>
+          </a:lstStyle>
+          <a:p>
+            <a:r>
+              <a:rPr lang="pl-PL"/>
+              <a:t>Kliknij, aby edytować styl</a:t>
+            </a:r>
+            <a:endParaRPr lang="en-US" dirty="0"/>
+          </a:p>
+        </p:txBody>
+      </p:sp>
+      <p:sp>
+        <p:nvSpPr>
+          <p:cNvPr id="12" name="Text Placeholder 3"/>
+          <p:cNvSpPr>
+            <a:spLocks noGrp="1"/>
+          </p:cNvSpPr>
+          <p:nvPr>
+            <p:ph type="body" sz="half" idx="13"/>
+          </p:nvPr>
+        </p:nvSpPr>
+        <p:spPr>
+          <a:xfrm>
+            <a:off x="1720644" y="3610032"/>
+            <a:ext cx="8752299" cy="426812"/>
+          </a:xfrm>
+        </p:spPr>
+        <p:txBody>
+          <a:bodyPr anchor="t">
+            <a:normAutofit/>
+          </a:bodyPr>
+          <a:lstStyle>
+            <a:lvl1pPr marL="0" indent="0" algn="r">
+              <a:buNone/>
+              <a:defRPr sz="1400"/>
+            </a:lvl1pPr>
+            <a:lvl2pPr marL="457200" indent="0">
+              <a:buNone/>
+              <a:defRPr sz="1400"/>
+            </a:lvl2pPr>
+            <a:lvl3pPr marL="914400" indent="0">
+              <a:buNone/>
+              <a:defRPr sz="1200"/>
+            </a:lvl3pPr>
+            <a:lvl4pPr marL="1371600" indent="0">
+              <a:buNone/>
+              <a:defRPr sz="1000"/>
+            </a:lvl4pPr>
+            <a:lvl5pPr marL="1828800" indent="0">
+              <a:buNone/>
+              <a:defRPr sz="1000"/>
+            </a:lvl5pPr>
+            <a:lvl6pPr marL="2286000" indent="0">
+              <a:buNone/>
+              <a:defRPr sz="1000"/>
+            </a:lvl6pPr>
+            <a:lvl7pPr marL="2743200" indent="0">
+              <a:buNone/>
+              <a:defRPr sz="1000"/>
+            </a:lvl7pPr>
+            <a:lvl8pPr marL="3200400" indent="0">
+              <a:buNone/>
+              <a:defRPr sz="1000"/>
+            </a:lvl8pPr>
+            <a:lvl9pPr marL="3657600" indent="0">
+              <a:buNone/>
+              <a:defRPr sz="1000"/>
+            </a:lvl9pPr>
+          </a:lstStyle>
+          <a:p>
+            <a:pPr lvl="0"/>
+            <a:r>
+              <a:rPr lang="pl-PL"/>
+              <a:t>Kliknij, aby edytować style wzorca tekstu</a:t>
+            </a:r>
+          </a:p>
+        </p:txBody>
+      </p:sp>
+      <p:sp>
+        <p:nvSpPr>
+          <p:cNvPr id="4" name="Text Placeholder 3"/>
+          <p:cNvSpPr>
+            <a:spLocks noGrp="1"/>
+          </p:cNvSpPr>
+          <p:nvPr>
+            <p:ph type="body" sz="half" idx="2"/>
+          </p:nvPr>
+        </p:nvSpPr>
+        <p:spPr>
+          <a:xfrm>
+            <a:off x="913794" y="4204821"/>
+            <a:ext cx="10353762" cy="1586380"/>
+          </a:xfrm>
+        </p:spPr>
+        <p:txBody>
+          <a:bodyPr anchor="ctr">
+            <a:normAutofit/>
+          </a:bodyPr>
+          <a:lstStyle>
+            <a:lvl1pPr marL="0" indent="0" algn="ctr">
+              <a:buNone/>
+              <a:defRPr sz="1600"/>
+            </a:lvl1pPr>
+            <a:lvl2pPr marL="457200" indent="0">
+              <a:buNone/>
+              <a:defRPr sz="1400"/>
+            </a:lvl2pPr>
+            <a:lvl3pPr marL="914400" indent="0">
+              <a:buNone/>
+              <a:defRPr sz="1200"/>
+            </a:lvl3pPr>
+            <a:lvl4pPr marL="1371600" indent="0">
+              <a:buNone/>
+              <a:defRPr sz="1000"/>
+            </a:lvl4pPr>
+            <a:lvl5pPr marL="1828800" indent="0">
+              <a:buNone/>
+              <a:defRPr sz="1000"/>
+            </a:lvl5pPr>
+            <a:lvl6pPr marL="2286000" indent="0">
+              <a:buNone/>
+              <a:defRPr sz="1000"/>
+            </a:lvl6pPr>
+            <a:lvl7pPr marL="2743200" indent="0">
+              <a:buNone/>
+              <a:defRPr sz="1000"/>
+            </a:lvl7pPr>
+            <a:lvl8pPr marL="3200400" indent="0">
+              <a:buNone/>
+              <a:defRPr sz="1000"/>
+            </a:lvl8pPr>
+            <a:lvl9pPr marL="3657600" indent="0">
+              <a:buNone/>
+              <a:defRPr sz="1000"/>
+            </a:lvl9pPr>
+          </a:lstStyle>
+          <a:p>
+            <a:pPr lvl="0"/>
+            <a:r>
+              <a:rPr lang="pl-PL"/>
+              <a:t>Kliknij, aby edytować style wzorca tekstu</a:t>
+            </a:r>
+          </a:p>
+        </p:txBody>
+      </p:sp>
+      <p:sp>
+        <p:nvSpPr>
+          <p:cNvPr id="5" name="Date Placeholder 4"/>
+          <p:cNvSpPr>
+            <a:spLocks noGrp="1"/>
+          </p:cNvSpPr>
+          <p:nvPr>
+            <p:ph type="dt" sz="half" idx="10"/>
+          </p:nvPr>
+        </p:nvSpPr>
+        <p:spPr/>
+        <p:txBody>
+          <a:bodyPr/>
+          <a:lstStyle/>
+          <a:p>
+            <a:fld id="{39F59EC8-C329-49B2-9FFF-D0CB5E153C03}" type="datetimeFigureOut">
+              <a:rPr lang="pl-PL" smtClean="0"/>
+              <a:t>23.10.2022</a:t>
+            </a:fld>
+            <a:endParaRPr lang="pl-PL"/>
+          </a:p>
+        </p:txBody>
+      </p:sp>
+      <p:sp>
+        <p:nvSpPr>
+          <p:cNvPr id="6" name="Footer Placeholder 5"/>
+          <p:cNvSpPr>
+            <a:spLocks noGrp="1"/>
+          </p:cNvSpPr>
+          <p:nvPr>
+            <p:ph type="ftr" sz="quarter" idx="11"/>
+          </p:nvPr>
+        </p:nvSpPr>
+        <p:spPr/>
+        <p:txBody>
+          <a:bodyPr/>
+          <a:lstStyle/>
+          <a:p>
+            <a:endParaRPr lang="pl-PL"/>
+          </a:p>
+        </p:txBody>
+      </p:sp>
+      <p:sp>
+        <p:nvSpPr>
+          <p:cNvPr id="7" name="Slide Number Placeholder 6"/>
+          <p:cNvSpPr>
+            <a:spLocks noGrp="1"/>
+          </p:cNvSpPr>
+          <p:nvPr>
+            <p:ph type="sldNum" sz="quarter" idx="12"/>
+          </p:nvPr>
+        </p:nvSpPr>
+        <p:spPr/>
+        <p:txBody>
+          <a:bodyPr/>
+          <a:lstStyle/>
+          <a:p>
+            <a:fld id="{A8552EC2-0920-4F61-A0E2-E84CF5306F3B}" type="slidenum">
+              <a:rPr lang="pl-PL" smtClean="0"/>
+              <a:t>‹#›</a:t>
+            </a:fld>
+            <a:endParaRPr lang="pl-PL"/>
+          </a:p>
+        </p:txBody>
+      </p:sp>
+      <p:sp>
+        <p:nvSpPr>
+          <p:cNvPr id="11" name="TextBox 10"/>
+          <p:cNvSpPr txBox="1"/>
+          <p:nvPr/>
+        </p:nvSpPr>
+        <p:spPr>
+          <a:xfrm>
+            <a:off x="836612" y="735241"/>
+            <a:ext cx="609600" cy="584776"/>
+          </a:xfrm>
+          <a:prstGeom prst="rect">
+            <a:avLst/>
+          </a:prstGeom>
+        </p:spPr>
+        <p:txBody>
+          <a:bodyPr vert="horz" lIns="91440" tIns="45720" rIns="91440" bIns="45720" rtlCol="0" anchor="ctr">
+            <a:noAutofit/>
+          </a:bodyPr>
+          <a:lstStyle>
+            <a:lvl1pPr>
+              <a:spcBef>
+                <a:spcPct val="0"/>
+              </a:spcBef>
+              <a:buNone/>
+              <a:defRPr sz="3200" b="0" cap="all">
+                <a:ln w="3175" cmpd="sng">
+                  <a:noFill/>
+                </a:ln>
+                <a:effectLst>
+                  <a:glow rad="38100">
+                    <a:schemeClr val="bg1">
+                      <a:lumMod val="65000"/>
+                      <a:lumOff val="35000"/>
+                      <a:alpha val="40000"/>
+                    </a:schemeClr>
+                  </a:glow>
+                  <a:outerShdw blurRad="28575" dist="38100" dir="14040000" algn="tl" rotWithShape="0">
+                    <a:srgbClr val="000000">
+                      <a:alpha val="25000"/>
+                    </a:srgbClr>
+                  </a:outerShdw>
+                </a:effectLst>
+              </a:defRPr>
+            </a:lvl1pPr>
+            <a:lvl2pPr>
+              <a:defRPr>
+                <a:solidFill>
+                  <a:schemeClr val="tx2"/>
+                </a:solidFill>
+              </a:defRPr>
+            </a:lvl2pPr>
+            <a:lvl3pPr>
+              <a:defRPr>
+                <a:solidFill>
+                  <a:schemeClr val="tx2"/>
+                </a:solidFill>
+              </a:defRPr>
+            </a:lvl3pPr>
+            <a:lvl4pPr>
+              <a:defRPr>
+                <a:solidFill>
+                  <a:schemeClr val="tx2"/>
+                </a:solidFill>
+              </a:defRPr>
+            </a:lvl4pPr>
+            <a:lvl5pPr>
+              <a:defRPr>
+                <a:solidFill>
+                  <a:schemeClr val="tx2"/>
+                </a:solidFill>
+              </a:defRPr>
+            </a:lvl5pPr>
+            <a:lvl6pPr>
+              <a:defRPr>
+                <a:solidFill>
+                  <a:schemeClr val="tx2"/>
+                </a:solidFill>
+              </a:defRPr>
+            </a:lvl6pPr>
+            <a:lvl7pPr>
+              <a:defRPr>
+                <a:solidFill>
+                  <a:schemeClr val="tx2"/>
+                </a:solidFill>
+              </a:defRPr>
+            </a:lvl7pPr>
+            <a:lvl8pPr>
+              <a:defRPr>
+                <a:solidFill>
+                  <a:schemeClr val="tx2"/>
+                </a:solidFill>
+              </a:defRPr>
+            </a:lvl8pPr>
+            <a:lvl9pPr>
+              <a:defRPr>
+                <a:solidFill>
+                  <a:schemeClr val="tx2"/>
+                </a:solidFill>
+              </a:defRPr>
+            </a:lvl9pPr>
+          </a:lstStyle>
+          <a:p>
+            <a:pPr lvl="0"/>
+            <a:r>
+              <a:rPr lang="en-US" sz="8000" dirty="0">
+                <a:solidFill>
+                  <a:schemeClr val="tx1"/>
+                </a:solidFill>
+                <a:effectLst/>
+              </a:rPr>
+              <a:t>“</a:t>
+            </a:r>
+          </a:p>
+        </p:txBody>
+      </p:sp>
+      <p:sp>
+        <p:nvSpPr>
+          <p:cNvPr id="13" name="TextBox 12"/>
+          <p:cNvSpPr txBox="1"/>
+          <p:nvPr/>
+        </p:nvSpPr>
+        <p:spPr>
+          <a:xfrm>
+            <a:off x="10657956" y="2972093"/>
+            <a:ext cx="609600" cy="584776"/>
+          </a:xfrm>
+          <a:prstGeom prst="rect">
+            <a:avLst/>
+          </a:prstGeom>
+        </p:spPr>
+        <p:txBody>
+          <a:bodyPr vert="horz" lIns="91440" tIns="45720" rIns="91440" bIns="45720" rtlCol="0" anchor="ctr">
+            <a:noAutofit/>
+          </a:bodyPr>
+          <a:lstStyle>
+            <a:lvl1pPr>
+              <a:spcBef>
+                <a:spcPct val="0"/>
+              </a:spcBef>
+              <a:buNone/>
+              <a:defRPr sz="3200" b="0" cap="all">
+                <a:ln w="3175" cmpd="sng">
+                  <a:noFill/>
+                </a:ln>
+                <a:effectLst>
+                  <a:glow rad="38100">
+                    <a:schemeClr val="bg1">
+                      <a:lumMod val="65000"/>
+                      <a:lumOff val="35000"/>
+                      <a:alpha val="40000"/>
+                    </a:schemeClr>
+                  </a:glow>
+                  <a:outerShdw blurRad="28575" dist="38100" dir="14040000" algn="tl" rotWithShape="0">
+                    <a:srgbClr val="000000">
+                      <a:alpha val="25000"/>
+                    </a:srgbClr>
+                  </a:outerShdw>
+                </a:effectLst>
+              </a:defRPr>
+            </a:lvl1pPr>
+            <a:lvl2pPr>
+              <a:defRPr>
+                <a:solidFill>
+                  <a:schemeClr val="tx2"/>
+                </a:solidFill>
+              </a:defRPr>
+            </a:lvl2pPr>
+            <a:lvl3pPr>
+              <a:defRPr>
+                <a:solidFill>
+                  <a:schemeClr val="tx2"/>
+                </a:solidFill>
+              </a:defRPr>
+            </a:lvl3pPr>
+            <a:lvl4pPr>
+              <a:defRPr>
+                <a:solidFill>
+                  <a:schemeClr val="tx2"/>
+                </a:solidFill>
+              </a:defRPr>
+            </a:lvl4pPr>
+            <a:lvl5pPr>
+              <a:defRPr>
+                <a:solidFill>
+                  <a:schemeClr val="tx2"/>
+                </a:solidFill>
+              </a:defRPr>
+            </a:lvl5pPr>
+            <a:lvl6pPr>
+              <a:defRPr>
+                <a:solidFill>
+                  <a:schemeClr val="tx2"/>
+                </a:solidFill>
+              </a:defRPr>
+            </a:lvl6pPr>
+            <a:lvl7pPr>
+              <a:defRPr>
+                <a:solidFill>
+                  <a:schemeClr val="tx2"/>
+                </a:solidFill>
+              </a:defRPr>
+            </a:lvl7pPr>
+            <a:lvl8pPr>
+              <a:defRPr>
+                <a:solidFill>
+                  <a:schemeClr val="tx2"/>
+                </a:solidFill>
+              </a:defRPr>
+            </a:lvl8pPr>
+            <a:lvl9pPr>
+              <a:defRPr>
+                <a:solidFill>
+                  <a:schemeClr val="tx2"/>
+                </a:solidFill>
+              </a:defRPr>
+            </a:lvl9pPr>
+          </a:lstStyle>
+          <a:p>
+            <a:pPr lvl="0" algn="r"/>
+            <a:r>
+              <a:rPr lang="en-US" sz="8000" dirty="0">
+                <a:solidFill>
+                  <a:schemeClr val="tx1"/>
+                </a:solidFill>
+                <a:effectLst/>
+              </a:rPr>
+              <a:t>”</a:t>
+            </a:r>
+          </a:p>
+        </p:txBody>
+      </p:sp>
+    </p:spTree>
+    <p:extLst>
+      <p:ext uri="{BB962C8B-B14F-4D97-AF65-F5344CB8AC3E}">
+        <p14:creationId xmlns:p14="http://schemas.microsoft.com/office/powerpoint/2010/main" val="914785786"/>
+      </p:ext>
+    </p:extLst>
+  </p:cSld>
+  <p:clrMapOvr>
+    <a:masterClrMapping/>
+  </p:clrMapOvr>
+</p:sldLayout>
+</file>
+
+<file path=ppt/slideLayouts/slideLayout13.xml><?xml version="1.0" encoding="utf-8"?>
+<p:sldLayout xmlns:a="http://schemas.openxmlformats.org/drawingml/2006/main" xmlns:r="http://schemas.openxmlformats.org/officeDocument/2006/relationships" xmlns:p="http://schemas.openxmlformats.org/presentationml/2006/main" preserve="1">
+  <p:cSld name="Karta nazwy">
+    <p:spTree>
+      <p:nvGrpSpPr>
+        <p:cNvPr id="1" name=""/>
+        <p:cNvGrpSpPr/>
+        <p:nvPr/>
+      </p:nvGrpSpPr>
+      <p:grpSpPr>
+        <a:xfrm>
+          <a:off x="0" y="0"/>
+          <a:ext cx="0" cy="0"/>
+          <a:chOff x="0" y="0"/>
+          <a:chExt cx="0" cy="0"/>
+        </a:xfrm>
+      </p:grpSpPr>
+      <p:sp>
+        <p:nvSpPr>
+          <p:cNvPr id="2" name="Title 1"/>
+          <p:cNvSpPr>
+            <a:spLocks noGrp="1"/>
+          </p:cNvSpPr>
+          <p:nvPr>
+            <p:ph type="title"/>
+          </p:nvPr>
+        </p:nvSpPr>
+        <p:spPr>
+          <a:xfrm>
+            <a:off x="913806" y="2126942"/>
+            <a:ext cx="10355327" cy="2511835"/>
+          </a:xfrm>
+        </p:spPr>
+        <p:txBody>
+          <a:bodyPr anchor="b"/>
+          <a:lstStyle>
+            <a:lvl1pPr>
+              <a:defRPr sz="3200"/>
+            </a:lvl1pPr>
+          </a:lstStyle>
+          <a:p>
+            <a:r>
+              <a:rPr lang="pl-PL"/>
+              <a:t>Kliknij, aby edytować styl</a:t>
+            </a:r>
+            <a:endParaRPr lang="en-US" dirty="0"/>
+          </a:p>
+        </p:txBody>
+      </p:sp>
+      <p:sp>
+        <p:nvSpPr>
+          <p:cNvPr id="4" name="Text Placeholder 3"/>
+          <p:cNvSpPr>
+            <a:spLocks noGrp="1"/>
+          </p:cNvSpPr>
+          <p:nvPr>
+            <p:ph type="body" sz="half" idx="2"/>
+          </p:nvPr>
+        </p:nvSpPr>
+        <p:spPr>
+          <a:xfrm>
+            <a:off x="913794" y="4650556"/>
+            <a:ext cx="10353763" cy="1140644"/>
+          </a:xfrm>
+        </p:spPr>
+        <p:txBody>
+          <a:bodyPr anchor="t"/>
+          <a:lstStyle>
+            <a:lvl1pPr marL="0" indent="0" algn="ctr">
+              <a:buNone/>
+              <a:defRPr sz="1600"/>
+            </a:lvl1pPr>
+            <a:lvl2pPr marL="457200" indent="0">
+              <a:buNone/>
+              <a:defRPr sz="1400"/>
+            </a:lvl2pPr>
+            <a:lvl3pPr marL="914400" indent="0">
+              <a:buNone/>
+              <a:defRPr sz="1200"/>
+            </a:lvl3pPr>
+            <a:lvl4pPr marL="1371600" indent="0">
+              <a:buNone/>
+              <a:defRPr sz="1000"/>
+            </a:lvl4pPr>
+            <a:lvl5pPr marL="1828800" indent="0">
+              <a:buNone/>
+              <a:defRPr sz="1000"/>
+            </a:lvl5pPr>
+            <a:lvl6pPr marL="2286000" indent="0">
+              <a:buNone/>
+              <a:defRPr sz="1000"/>
+            </a:lvl6pPr>
+            <a:lvl7pPr marL="2743200" indent="0">
+              <a:buNone/>
+              <a:defRPr sz="1000"/>
+            </a:lvl7pPr>
+            <a:lvl8pPr marL="3200400" indent="0">
+              <a:buNone/>
+              <a:defRPr sz="1000"/>
+            </a:lvl8pPr>
+            <a:lvl9pPr marL="3657600" indent="0">
+              <a:buNone/>
+              <a:defRPr sz="1000"/>
+            </a:lvl9pPr>
+          </a:lstStyle>
+          <a:p>
+            <a:pPr lvl="0"/>
+            <a:r>
+              <a:rPr lang="pl-PL"/>
+              <a:t>Kliknij, aby edytować style wzorca tekstu</a:t>
+            </a:r>
+          </a:p>
+        </p:txBody>
+      </p:sp>
+      <p:sp>
+        <p:nvSpPr>
+          <p:cNvPr id="5" name="Date Placeholder 4"/>
+          <p:cNvSpPr>
+            <a:spLocks noGrp="1"/>
+          </p:cNvSpPr>
+          <p:nvPr>
+            <p:ph type="dt" sz="half" idx="10"/>
+          </p:nvPr>
+        </p:nvSpPr>
+        <p:spPr/>
+        <p:txBody>
+          <a:bodyPr/>
+          <a:lstStyle/>
+          <a:p>
+            <a:fld id="{39F59EC8-C329-49B2-9FFF-D0CB5E153C03}" type="datetimeFigureOut">
+              <a:rPr lang="pl-PL" smtClean="0"/>
+              <a:t>23.10.2022</a:t>
+            </a:fld>
+            <a:endParaRPr lang="pl-PL"/>
+          </a:p>
+        </p:txBody>
+      </p:sp>
+      <p:sp>
+        <p:nvSpPr>
+          <p:cNvPr id="6" name="Footer Placeholder 5"/>
+          <p:cNvSpPr>
+            <a:spLocks noGrp="1"/>
+          </p:cNvSpPr>
+          <p:nvPr>
+            <p:ph type="ftr" sz="quarter" idx="11"/>
+          </p:nvPr>
+        </p:nvSpPr>
+        <p:spPr/>
+        <p:txBody>
+          <a:bodyPr/>
+          <a:lstStyle/>
+          <a:p>
+            <a:endParaRPr lang="pl-PL"/>
+          </a:p>
+        </p:txBody>
+      </p:sp>
+      <p:sp>
+        <p:nvSpPr>
+          <p:cNvPr id="7" name="Slide Number Placeholder 6"/>
+          <p:cNvSpPr>
+            <a:spLocks noGrp="1"/>
+          </p:cNvSpPr>
+          <p:nvPr>
+            <p:ph type="sldNum" sz="quarter" idx="12"/>
+          </p:nvPr>
+        </p:nvSpPr>
+        <p:spPr/>
+        <p:txBody>
+          <a:bodyPr/>
+          <a:lstStyle/>
+          <a:p>
+            <a:fld id="{A8552EC2-0920-4F61-A0E2-E84CF5306F3B}" type="slidenum">
+              <a:rPr lang="pl-PL" smtClean="0"/>
+              <a:t>‹#›</a:t>
+            </a:fld>
+            <a:endParaRPr lang="pl-PL"/>
+          </a:p>
+        </p:txBody>
+      </p:sp>
+    </p:spTree>
+    <p:extLst>
+      <p:ext uri="{BB962C8B-B14F-4D97-AF65-F5344CB8AC3E}">
+        <p14:creationId xmlns:p14="http://schemas.microsoft.com/office/powerpoint/2010/main" val="3626291898"/>
+      </p:ext>
+    </p:extLst>
+  </p:cSld>
+  <p:clrMapOvr>
+    <a:masterClrMapping/>
+  </p:clrMapOvr>
+</p:sldLayout>
+</file>
+
+<file path=ppt/slideLayouts/slideLayout14.xml><?xml version="1.0" encoding="utf-8"?>
+<p:sldLayout xmlns:a="http://schemas.openxmlformats.org/drawingml/2006/main" xmlns:r="http://schemas.openxmlformats.org/officeDocument/2006/relationships" xmlns:p="http://schemas.openxmlformats.org/presentationml/2006/main" preserve="1">
+  <p:cSld name="3 kolumna">
+    <p:spTree>
+      <p:nvGrpSpPr>
+        <p:cNvPr id="1" name=""/>
+        <p:cNvGrpSpPr/>
+        <p:nvPr/>
+      </p:nvGrpSpPr>
+      <p:grpSpPr>
+        <a:xfrm>
+          <a:off x="0" y="0"/>
+          <a:ext cx="0" cy="0"/>
+          <a:chOff x="0" y="0"/>
+          <a:chExt cx="0" cy="0"/>
+        </a:xfrm>
+      </p:grpSpPr>
+      <p:sp>
+        <p:nvSpPr>
+          <p:cNvPr id="15" name="Title 1"/>
+          <p:cNvSpPr>
+            <a:spLocks noGrp="1"/>
+          </p:cNvSpPr>
+          <p:nvPr>
+            <p:ph type="title"/>
+          </p:nvPr>
+        </p:nvSpPr>
+        <p:spPr>
+          <a:xfrm>
+            <a:off x="913794" y="609600"/>
+            <a:ext cx="10353762" cy="1325563"/>
+          </a:xfrm>
+        </p:spPr>
+        <p:txBody>
+          <a:bodyPr/>
+          <a:lstStyle/>
+          <a:p>
+            <a:r>
+              <a:rPr lang="pl-PL"/>
+              <a:t>Kliknij, aby edytować styl</a:t>
+            </a:r>
+            <a:endParaRPr lang="en-US" dirty="0"/>
+          </a:p>
+        </p:txBody>
+      </p:sp>
+      <p:sp>
+        <p:nvSpPr>
+          <p:cNvPr id="7" name="Text Placeholder 2"/>
+          <p:cNvSpPr>
+            <a:spLocks noGrp="1"/>
+          </p:cNvSpPr>
+          <p:nvPr>
+            <p:ph type="body" idx="1"/>
+          </p:nvPr>
+        </p:nvSpPr>
+        <p:spPr>
+          <a:xfrm>
+            <a:off x="913794" y="2088319"/>
+            <a:ext cx="3298956" cy="823305"/>
+          </a:xfrm>
+        </p:spPr>
+        <p:txBody>
+          <a:bodyPr anchor="b">
+            <a:noAutofit/>
+          </a:bodyPr>
+          <a:lstStyle>
+            <a:lvl1pPr marL="0" indent="0" algn="ctr">
+              <a:lnSpc>
+                <a:spcPct val="100000"/>
+              </a:lnSpc>
+              <a:buNone/>
+              <a:defRPr sz="2400" b="0">
+                <a:solidFill>
+                  <a:schemeClr val="tx1"/>
+                </a:solidFill>
+              </a:defRPr>
+            </a:lvl1pPr>
+            <a:lvl2pPr marL="457200" indent="0">
+              <a:buNone/>
+              <a:defRPr sz="2000" b="1"/>
+            </a:lvl2pPr>
+            <a:lvl3pPr marL="914400" indent="0">
+              <a:buNone/>
+              <a:defRPr sz="1800" b="1"/>
+            </a:lvl3pPr>
+            <a:lvl4pPr marL="1371600" indent="0">
+              <a:buNone/>
+              <a:defRPr sz="1600" b="1"/>
+            </a:lvl4pPr>
+            <a:lvl5pPr marL="1828800" indent="0">
+              <a:buNone/>
+              <a:defRPr sz="1600" b="1"/>
+            </a:lvl5pPr>
+            <a:lvl6pPr marL="2286000" indent="0">
+              <a:buNone/>
+              <a:defRPr sz="1600" b="1"/>
+            </a:lvl6pPr>
+            <a:lvl7pPr marL="2743200" indent="0">
+              <a:buNone/>
+              <a:defRPr sz="1600" b="1"/>
+            </a:lvl7pPr>
+            <a:lvl8pPr marL="3200400" indent="0">
+              <a:buNone/>
+              <a:defRPr sz="1600" b="1"/>
+            </a:lvl8pPr>
+            <a:lvl9pPr marL="3657600" indent="0">
+              <a:buNone/>
+              <a:defRPr sz="1600" b="1"/>
+            </a:lvl9pPr>
+          </a:lstStyle>
+          <a:p>
+            <a:pPr lvl="0"/>
+            <a:r>
+              <a:rPr lang="pl-PL"/>
+              <a:t>Kliknij, aby edytować style wzorca tekstu</a:t>
+            </a:r>
+          </a:p>
+        </p:txBody>
+      </p:sp>
+      <p:sp>
+        <p:nvSpPr>
+          <p:cNvPr id="8" name="Text Placeholder 3"/>
+          <p:cNvSpPr>
+            <a:spLocks noGrp="1"/>
+          </p:cNvSpPr>
+          <p:nvPr>
+            <p:ph type="body" sz="half" idx="15"/>
+          </p:nvPr>
+        </p:nvSpPr>
+        <p:spPr>
+          <a:xfrm>
+            <a:off x="913794" y="2911624"/>
+            <a:ext cx="3298956" cy="2879576"/>
+          </a:xfrm>
+        </p:spPr>
+        <p:txBody>
+          <a:bodyPr anchor="t">
+            <a:normAutofit/>
+          </a:bodyPr>
+          <a:lstStyle>
+            <a:lvl1pPr marL="0" indent="0" algn="ctr">
+              <a:buNone/>
+              <a:defRPr sz="1400"/>
+            </a:lvl1pPr>
+            <a:lvl2pPr marL="457200" indent="0">
+              <a:buNone/>
+              <a:defRPr sz="1200"/>
+            </a:lvl2pPr>
+            <a:lvl3pPr marL="914400" indent="0">
+              <a:buNone/>
+              <a:defRPr sz="1000"/>
+            </a:lvl3pPr>
+            <a:lvl4pPr marL="1371600" indent="0">
+              <a:buNone/>
+              <a:defRPr sz="900"/>
+            </a:lvl4pPr>
+            <a:lvl5pPr marL="1828800" indent="0">
+              <a:buNone/>
+              <a:defRPr sz="900"/>
+            </a:lvl5pPr>
+            <a:lvl6pPr marL="2286000" indent="0">
+              <a:buNone/>
+              <a:defRPr sz="900"/>
+            </a:lvl6pPr>
+            <a:lvl7pPr marL="2743200" indent="0">
+              <a:buNone/>
+              <a:defRPr sz="900"/>
+            </a:lvl7pPr>
+            <a:lvl8pPr marL="3200400" indent="0">
+              <a:buNone/>
+              <a:defRPr sz="900"/>
+            </a:lvl8pPr>
+            <a:lvl9pPr marL="3657600" indent="0">
+              <a:buNone/>
+              <a:defRPr sz="900"/>
+            </a:lvl9pPr>
+          </a:lstStyle>
+          <a:p>
+            <a:pPr lvl="0"/>
+            <a:r>
+              <a:rPr lang="pl-PL"/>
+              <a:t>Kliknij, aby edytować style wzorca tekstu</a:t>
+            </a:r>
+          </a:p>
+        </p:txBody>
+      </p:sp>
+      <p:sp>
+        <p:nvSpPr>
+          <p:cNvPr id="9" name="Text Placeholder 4"/>
+          <p:cNvSpPr>
+            <a:spLocks noGrp="1"/>
+          </p:cNvSpPr>
+          <p:nvPr>
+            <p:ph type="body" sz="quarter" idx="3"/>
+          </p:nvPr>
+        </p:nvSpPr>
+        <p:spPr>
+          <a:xfrm>
+            <a:off x="4444878" y="2088320"/>
+            <a:ext cx="3298558" cy="823304"/>
+          </a:xfrm>
+        </p:spPr>
+        <p:txBody>
+          <a:bodyPr anchor="b">
+            <a:noAutofit/>
+          </a:bodyPr>
+          <a:lstStyle>
+            <a:lvl1pPr marL="0" indent="0" algn="ctr">
+              <a:lnSpc>
+                <a:spcPct val="100000"/>
+              </a:lnSpc>
+              <a:buNone/>
+              <a:defRPr sz="2400" b="0">
+                <a:solidFill>
+                  <a:schemeClr val="tx1"/>
+                </a:solidFill>
+              </a:defRPr>
+            </a:lvl1pPr>
+            <a:lvl2pPr marL="457200" indent="0">
+              <a:buNone/>
+              <a:defRPr sz="2000" b="1"/>
+            </a:lvl2pPr>
+            <a:lvl3pPr marL="914400" indent="0">
+              <a:buNone/>
+              <a:defRPr sz="1800" b="1"/>
+            </a:lvl3pPr>
+            <a:lvl4pPr marL="1371600" indent="0">
+              <a:buNone/>
+              <a:defRPr sz="1600" b="1"/>
+            </a:lvl4pPr>
+            <a:lvl5pPr marL="1828800" indent="0">
+              <a:buNone/>
+              <a:defRPr sz="1600" b="1"/>
+            </a:lvl5pPr>
+            <a:lvl6pPr marL="2286000" indent="0">
+              <a:buNone/>
+              <a:defRPr sz="1600" b="1"/>
+            </a:lvl6pPr>
+            <a:lvl7pPr marL="2743200" indent="0">
+              <a:buNone/>
+              <a:defRPr sz="1600" b="1"/>
+            </a:lvl7pPr>
+            <a:lvl8pPr marL="3200400" indent="0">
+              <a:buNone/>
+              <a:defRPr sz="1600" b="1"/>
+            </a:lvl8pPr>
+            <a:lvl9pPr marL="3657600" indent="0">
+              <a:buNone/>
+              <a:defRPr sz="1600" b="1"/>
+            </a:lvl9pPr>
+          </a:lstStyle>
+          <a:p>
+            <a:pPr lvl="0"/>
+            <a:r>
+              <a:rPr lang="pl-PL"/>
+              <a:t>Kliknij, aby edytować style wzorca tekstu</a:t>
+            </a:r>
+          </a:p>
+        </p:txBody>
+      </p:sp>
+      <p:sp>
+        <p:nvSpPr>
+          <p:cNvPr id="10" name="Text Placeholder 3"/>
+          <p:cNvSpPr>
+            <a:spLocks noGrp="1"/>
+          </p:cNvSpPr>
+          <p:nvPr>
+            <p:ph type="body" sz="half" idx="16"/>
+          </p:nvPr>
+        </p:nvSpPr>
+        <p:spPr>
+          <a:xfrm>
+            <a:off x="4444878" y="2911624"/>
+            <a:ext cx="3299821" cy="2879576"/>
+          </a:xfrm>
+        </p:spPr>
+        <p:txBody>
+          <a:bodyPr anchor="t">
+            <a:normAutofit/>
+          </a:bodyPr>
+          <a:lstStyle>
+            <a:lvl1pPr marL="0" indent="0" algn="ctr">
+              <a:buNone/>
+              <a:defRPr sz="1400"/>
+            </a:lvl1pPr>
+            <a:lvl2pPr marL="457200" indent="0">
+              <a:buNone/>
+              <a:defRPr sz="1200"/>
+            </a:lvl2pPr>
+            <a:lvl3pPr marL="914400" indent="0">
+              <a:buNone/>
+              <a:defRPr sz="1000"/>
+            </a:lvl3pPr>
+            <a:lvl4pPr marL="1371600" indent="0">
+              <a:buNone/>
+              <a:defRPr sz="900"/>
+            </a:lvl4pPr>
+            <a:lvl5pPr marL="1828800" indent="0">
+              <a:buNone/>
+              <a:defRPr sz="900"/>
+            </a:lvl5pPr>
+            <a:lvl6pPr marL="2286000" indent="0">
+              <a:buNone/>
+              <a:defRPr sz="900"/>
+            </a:lvl6pPr>
+            <a:lvl7pPr marL="2743200" indent="0">
+              <a:buNone/>
+              <a:defRPr sz="900"/>
+            </a:lvl7pPr>
+            <a:lvl8pPr marL="3200400" indent="0">
+              <a:buNone/>
+              <a:defRPr sz="900"/>
+            </a:lvl8pPr>
+            <a:lvl9pPr marL="3657600" indent="0">
+              <a:buNone/>
+              <a:defRPr sz="900"/>
+            </a:lvl9pPr>
+          </a:lstStyle>
+          <a:p>
+            <a:pPr lvl="0"/>
+            <a:r>
+              <a:rPr lang="pl-PL"/>
+              <a:t>Kliknij, aby edytować style wzorca tekstu</a:t>
+            </a:r>
+          </a:p>
+        </p:txBody>
+      </p:sp>
+      <p:sp>
+        <p:nvSpPr>
+          <p:cNvPr id="11" name="Text Placeholder 4"/>
+          <p:cNvSpPr>
+            <a:spLocks noGrp="1"/>
+          </p:cNvSpPr>
+          <p:nvPr>
+            <p:ph type="body" sz="quarter" idx="13"/>
+          </p:nvPr>
+        </p:nvSpPr>
+        <p:spPr>
+          <a:xfrm>
+            <a:off x="7973298" y="2088320"/>
+            <a:ext cx="3291211" cy="823304"/>
+          </a:xfrm>
+        </p:spPr>
+        <p:txBody>
+          <a:bodyPr anchor="b">
+            <a:noAutofit/>
+          </a:bodyPr>
+          <a:lstStyle>
+            <a:lvl1pPr marL="0" indent="0" algn="ctr">
+              <a:lnSpc>
+                <a:spcPct val="100000"/>
+              </a:lnSpc>
+              <a:buNone/>
+              <a:defRPr sz="2400" b="0">
+                <a:solidFill>
+                  <a:schemeClr val="tx1"/>
+                </a:solidFill>
+              </a:defRPr>
+            </a:lvl1pPr>
+            <a:lvl2pPr marL="457200" indent="0">
+              <a:buNone/>
+              <a:defRPr sz="2000" b="1"/>
+            </a:lvl2pPr>
+            <a:lvl3pPr marL="914400" indent="0">
+              <a:buNone/>
+              <a:defRPr sz="1800" b="1"/>
+            </a:lvl3pPr>
+            <a:lvl4pPr marL="1371600" indent="0">
+              <a:buNone/>
+              <a:defRPr sz="1600" b="1"/>
+            </a:lvl4pPr>
+            <a:lvl5pPr marL="1828800" indent="0">
+              <a:buNone/>
+              <a:defRPr sz="1600" b="1"/>
+            </a:lvl5pPr>
+            <a:lvl6pPr marL="2286000" indent="0">
+              <a:buNone/>
+              <a:defRPr sz="1600" b="1"/>
+            </a:lvl6pPr>
+            <a:lvl7pPr marL="2743200" indent="0">
+              <a:buNone/>
+              <a:defRPr sz="1600" b="1"/>
+            </a:lvl7pPr>
+            <a:lvl8pPr marL="3200400" indent="0">
+              <a:buNone/>
+              <a:defRPr sz="1600" b="1"/>
+            </a:lvl8pPr>
+            <a:lvl9pPr marL="3657600" indent="0">
+              <a:buNone/>
+              <a:defRPr sz="1600" b="1"/>
+            </a:lvl9pPr>
+          </a:lstStyle>
+          <a:p>
+            <a:pPr lvl="0"/>
+            <a:r>
+              <a:rPr lang="pl-PL"/>
+              <a:t>Kliknij, aby edytować style wzorca tekstu</a:t>
+            </a:r>
+          </a:p>
+        </p:txBody>
+      </p:sp>
+      <p:sp>
+        <p:nvSpPr>
+          <p:cNvPr id="12" name="Text Placeholder 3"/>
+          <p:cNvSpPr>
+            <a:spLocks noGrp="1"/>
+          </p:cNvSpPr>
+          <p:nvPr>
+            <p:ph type="body" sz="half" idx="17"/>
+          </p:nvPr>
+        </p:nvSpPr>
+        <p:spPr>
+          <a:xfrm>
+            <a:off x="7976346" y="2911624"/>
+            <a:ext cx="3291211" cy="2879576"/>
+          </a:xfrm>
+        </p:spPr>
+        <p:txBody>
+          <a:bodyPr anchor="t">
+            <a:normAutofit/>
+          </a:bodyPr>
+          <a:lstStyle>
+            <a:lvl1pPr marL="0" indent="0" algn="ctr">
+              <a:buNone/>
+              <a:defRPr sz="1400"/>
+            </a:lvl1pPr>
+            <a:lvl2pPr marL="457200" indent="0">
+              <a:buNone/>
+              <a:defRPr sz="1200"/>
+            </a:lvl2pPr>
+            <a:lvl3pPr marL="914400" indent="0">
+              <a:buNone/>
+              <a:defRPr sz="1000"/>
+            </a:lvl3pPr>
+            <a:lvl4pPr marL="1371600" indent="0">
+              <a:buNone/>
+              <a:defRPr sz="900"/>
+            </a:lvl4pPr>
+            <a:lvl5pPr marL="1828800" indent="0">
+              <a:buNone/>
+              <a:defRPr sz="900"/>
+            </a:lvl5pPr>
+            <a:lvl6pPr marL="2286000" indent="0">
+              <a:buNone/>
+              <a:defRPr sz="900"/>
+            </a:lvl6pPr>
+            <a:lvl7pPr marL="2743200" indent="0">
+              <a:buNone/>
+              <a:defRPr sz="900"/>
+            </a:lvl7pPr>
+            <a:lvl8pPr marL="3200400" indent="0">
+              <a:buNone/>
+              <a:defRPr sz="900"/>
+            </a:lvl8pPr>
+            <a:lvl9pPr marL="3657600" indent="0">
+              <a:buNone/>
+              <a:defRPr sz="900"/>
+            </a:lvl9pPr>
+          </a:lstStyle>
+          <a:p>
+            <a:pPr lvl="0"/>
+            <a:r>
+              <a:rPr lang="pl-PL"/>
+              <a:t>Kliknij, aby edytować style wzorca tekstu</a:t>
+            </a:r>
+          </a:p>
+        </p:txBody>
+      </p:sp>
+      <p:sp>
+        <p:nvSpPr>
+          <p:cNvPr id="3" name="Date Placeholder 2"/>
+          <p:cNvSpPr>
+            <a:spLocks noGrp="1"/>
+          </p:cNvSpPr>
+          <p:nvPr>
+            <p:ph type="dt" sz="half" idx="10"/>
+          </p:nvPr>
+        </p:nvSpPr>
+        <p:spPr/>
+        <p:txBody>
+          <a:bodyPr/>
+          <a:lstStyle/>
+          <a:p>
+            <a:fld id="{39F59EC8-C329-49B2-9FFF-D0CB5E153C03}" type="datetimeFigureOut">
+              <a:rPr lang="pl-PL" smtClean="0"/>
+              <a:t>23.10.2022</a:t>
+            </a:fld>
+            <a:endParaRPr lang="pl-PL"/>
+          </a:p>
+        </p:txBody>
+      </p:sp>
+      <p:sp>
+        <p:nvSpPr>
+          <p:cNvPr id="4" name="Footer Placeholder 3"/>
+          <p:cNvSpPr>
+            <a:spLocks noGrp="1"/>
+          </p:cNvSpPr>
+          <p:nvPr>
+            <p:ph type="ftr" sz="quarter" idx="11"/>
+          </p:nvPr>
+        </p:nvSpPr>
+        <p:spPr/>
+        <p:txBody>
+          <a:bodyPr/>
+          <a:lstStyle/>
+          <a:p>
+            <a:endParaRPr lang="pl-PL"/>
+          </a:p>
+        </p:txBody>
+      </p:sp>
+      <p:sp>
+        <p:nvSpPr>
+          <p:cNvPr id="5" name="Slide Number Placeholder 4"/>
+          <p:cNvSpPr>
+            <a:spLocks noGrp="1"/>
+          </p:cNvSpPr>
+          <p:nvPr>
+            <p:ph type="sldNum" sz="quarter" idx="12"/>
+          </p:nvPr>
+        </p:nvSpPr>
+        <p:spPr/>
+        <p:txBody>
+          <a:bodyPr/>
+          <a:lstStyle/>
+          <a:p>
+            <a:fld id="{A8552EC2-0920-4F61-A0E2-E84CF5306F3B}" type="slidenum">
+              <a:rPr lang="pl-PL" smtClean="0"/>
+              <a:t>‹#›</a:t>
+            </a:fld>
+            <a:endParaRPr lang="pl-PL"/>
+          </a:p>
+        </p:txBody>
+      </p:sp>
+    </p:spTree>
+    <p:extLst>
+      <p:ext uri="{BB962C8B-B14F-4D97-AF65-F5344CB8AC3E}">
+        <p14:creationId xmlns:p14="http://schemas.microsoft.com/office/powerpoint/2010/main" val="3360106427"/>
+      </p:ext>
+    </p:extLst>
+  </p:cSld>
+  <p:clrMapOvr>
+    <a:masterClrMapping/>
+  </p:clrMapOvr>
+</p:sldLayout>
+</file>
+
+<file path=ppt/slideLayouts/slideLayout15.xml><?xml version="1.0" encoding="utf-8"?>
+<p:sldLayout xmlns:a="http://schemas.openxmlformats.org/drawingml/2006/main" xmlns:r="http://schemas.openxmlformats.org/officeDocument/2006/relationships" xmlns:p="http://schemas.openxmlformats.org/presentationml/2006/main" preserve="1">
+  <p:cSld name="3 kolumna obrazu">
+    <p:spTree>
+      <p:nvGrpSpPr>
+        <p:cNvPr id="1" name=""/>
+        <p:cNvGrpSpPr/>
+        <p:nvPr/>
+      </p:nvGrpSpPr>
+      <p:grpSpPr>
+        <a:xfrm>
+          <a:off x="0" y="0"/>
+          <a:ext cx="0" cy="0"/>
+          <a:chOff x="0" y="0"/>
+          <a:chExt cx="0" cy="0"/>
+        </a:xfrm>
+      </p:grpSpPr>
+      <p:sp>
+        <p:nvSpPr>
+          <p:cNvPr id="30" name="Title 1"/>
+          <p:cNvSpPr>
+            <a:spLocks noGrp="1"/>
+          </p:cNvSpPr>
+          <p:nvPr>
+            <p:ph type="title"/>
+          </p:nvPr>
+        </p:nvSpPr>
+        <p:spPr>
+          <a:xfrm>
+            <a:off x="913795" y="609600"/>
+            <a:ext cx="10353762" cy="1325563"/>
+          </a:xfrm>
+        </p:spPr>
+        <p:txBody>
+          <a:bodyPr/>
+          <a:lstStyle/>
+          <a:p>
+            <a:r>
+              <a:rPr lang="pl-PL"/>
+              <a:t>Kliknij, aby edytować styl</a:t>
+            </a:r>
+            <a:endParaRPr lang="en-US" dirty="0"/>
+          </a:p>
+        </p:txBody>
+      </p:sp>
+      <p:sp>
+        <p:nvSpPr>
+          <p:cNvPr id="19" name="Text Placeholder 2"/>
+          <p:cNvSpPr>
+            <a:spLocks noGrp="1"/>
+          </p:cNvSpPr>
+          <p:nvPr>
+            <p:ph type="body" idx="1"/>
+          </p:nvPr>
+        </p:nvSpPr>
+        <p:spPr>
+          <a:xfrm>
+            <a:off x="913795" y="4195899"/>
+            <a:ext cx="3298955" cy="576262"/>
+          </a:xfrm>
+        </p:spPr>
+        <p:txBody>
+          <a:bodyPr anchor="b">
+            <a:noAutofit/>
+          </a:bodyPr>
+          <a:lstStyle>
+            <a:lvl1pPr marL="0" indent="0" algn="ctr">
+              <a:lnSpc>
+                <a:spcPct val="100000"/>
+              </a:lnSpc>
+              <a:buNone/>
+              <a:defRPr sz="2000" b="0">
+                <a:solidFill>
+                  <a:schemeClr val="tx1"/>
+                </a:solidFill>
+              </a:defRPr>
+            </a:lvl1pPr>
+            <a:lvl2pPr marL="457200" indent="0">
+              <a:buNone/>
+              <a:defRPr sz="2000" b="1"/>
+            </a:lvl2pPr>
+            <a:lvl3pPr marL="914400" indent="0">
+              <a:buNone/>
+              <a:defRPr sz="1800" b="1"/>
+            </a:lvl3pPr>
+            <a:lvl4pPr marL="1371600" indent="0">
+              <a:buNone/>
+              <a:defRPr sz="1600" b="1"/>
+            </a:lvl4pPr>
+            <a:lvl5pPr marL="1828800" indent="0">
+              <a:buNone/>
+              <a:defRPr sz="1600" b="1"/>
+            </a:lvl5pPr>
+            <a:lvl6pPr marL="2286000" indent="0">
+              <a:buNone/>
+              <a:defRPr sz="1600" b="1"/>
+            </a:lvl6pPr>
+            <a:lvl7pPr marL="2743200" indent="0">
+              <a:buNone/>
+              <a:defRPr sz="1600" b="1"/>
+            </a:lvl7pPr>
+            <a:lvl8pPr marL="3200400" indent="0">
+              <a:buNone/>
+              <a:defRPr sz="1600" b="1"/>
+            </a:lvl8pPr>
+            <a:lvl9pPr marL="3657600" indent="0">
+              <a:buNone/>
+              <a:defRPr sz="1600" b="1"/>
+            </a:lvl9pPr>
+          </a:lstStyle>
+          <a:p>
+            <a:pPr lvl="0"/>
+            <a:r>
+              <a:rPr lang="pl-PL"/>
+              <a:t>Kliknij, aby edytować style wzorca tekstu</a:t>
+            </a:r>
+          </a:p>
+        </p:txBody>
+      </p:sp>
+      <p:sp>
+        <p:nvSpPr>
+          <p:cNvPr id="20" name="Picture Placeholder 2"/>
+          <p:cNvSpPr>
+            <a:spLocks noGrp="1" noChangeAspect="1"/>
+          </p:cNvSpPr>
+          <p:nvPr>
+            <p:ph type="pic" idx="15"/>
+          </p:nvPr>
+        </p:nvSpPr>
+        <p:spPr>
+          <a:xfrm>
+            <a:off x="1092020" y="2298987"/>
+            <a:ext cx="2940050" cy="1524000"/>
+          </a:xfrm>
+          <a:prstGeom prst="roundRect">
+            <a:avLst>
+              <a:gd name="adj" fmla="val 0"/>
+            </a:avLst>
+          </a:prstGeom>
+          <a:noFill/>
+          <a:ln w="146050" cap="sq">
+            <a:solidFill>
+              <a:srgbClr val="FFFFFF"/>
+            </a:solidFill>
+            <a:miter lim="800000"/>
+          </a:ln>
+          <a:effectLst>
+            <a:outerShdw blurRad="55000" dist="18000" dir="5400000" algn="tl" rotWithShape="0">
+              <a:srgbClr val="000000">
+                <a:alpha val="40000"/>
+              </a:srgbClr>
+            </a:outerShdw>
+          </a:effectLst>
+          <a:scene3d>
+            <a:camera prst="orthographicFront"/>
+            <a:lightRig rig="twoPt" dir="t">
+              <a:rot lat="0" lon="0" rev="7200000"/>
+            </a:lightRig>
+          </a:scene3d>
+          <a:sp3d>
+            <a:bevelT w="25400" h="19050"/>
+            <a:contourClr>
+              <a:srgbClr val="FFFFFF"/>
+            </a:contourClr>
+          </a:sp3d>
+        </p:spPr>
+        <p:txBody>
+          <a:bodyPr anchor="t">
+            <a:normAutofit/>
+          </a:bodyPr>
+          <a:lstStyle>
+            <a:lvl1pPr marL="0" indent="0" algn="ctr">
+              <a:buNone/>
+              <a:defRPr sz="1600"/>
+            </a:lvl1pPr>
+            <a:lvl2pPr marL="457200" indent="0">
+              <a:buNone/>
+              <a:defRPr sz="1600"/>
+            </a:lvl2pPr>
+            <a:lvl3pPr marL="914400" indent="0">
+              <a:buNone/>
+              <a:defRPr sz="1600"/>
+            </a:lvl3pPr>
+            <a:lvl4pPr marL="1371600" indent="0">
+              <a:buNone/>
+              <a:defRPr sz="1600"/>
+            </a:lvl4pPr>
+            <a:lvl5pPr marL="1828800" indent="0">
+              <a:buNone/>
+              <a:defRPr sz="1600"/>
+            </a:lvl5pPr>
+            <a:lvl6pPr marL="2286000" indent="0">
+              <a:buNone/>
+              <a:defRPr sz="1600"/>
+            </a:lvl6pPr>
+            <a:lvl7pPr marL="2743200" indent="0">
+              <a:buNone/>
+              <a:defRPr sz="1600"/>
+            </a:lvl7pPr>
+            <a:lvl8pPr marL="3200400" indent="0">
+              <a:buNone/>
+              <a:defRPr sz="1600"/>
+            </a:lvl8pPr>
+            <a:lvl9pPr marL="3657600" indent="0">
+              <a:buNone/>
+              <a:defRPr sz="1600"/>
+            </a:lvl9pPr>
+          </a:lstStyle>
+          <a:p>
+            <a:r>
+              <a:rPr lang="pl-PL"/>
+              <a:t>Kliknij ikonę, aby dodać obraz</a:t>
+            </a:r>
+            <a:endParaRPr lang="en-US" dirty="0"/>
+          </a:p>
+        </p:txBody>
+      </p:sp>
+      <p:sp>
+        <p:nvSpPr>
+          <p:cNvPr id="21" name="Text Placeholder 3"/>
+          <p:cNvSpPr>
+            <a:spLocks noGrp="1"/>
+          </p:cNvSpPr>
+          <p:nvPr>
+            <p:ph type="body" sz="half" idx="18"/>
+          </p:nvPr>
+        </p:nvSpPr>
+        <p:spPr>
+          <a:xfrm>
+            <a:off x="913795" y="4772161"/>
+            <a:ext cx="3298955" cy="1019038"/>
+          </a:xfrm>
+        </p:spPr>
+        <p:txBody>
+          <a:bodyPr anchor="t">
+            <a:normAutofit/>
+          </a:bodyPr>
+          <a:lstStyle>
+            <a:lvl1pPr marL="0" indent="0" algn="ctr">
+              <a:buNone/>
+              <a:defRPr sz="1400"/>
+            </a:lvl1pPr>
+            <a:lvl2pPr marL="457200" indent="0">
+              <a:buNone/>
+              <a:defRPr sz="1200"/>
+            </a:lvl2pPr>
+            <a:lvl3pPr marL="914400" indent="0">
+              <a:buNone/>
+              <a:defRPr sz="1000"/>
+            </a:lvl3pPr>
+            <a:lvl4pPr marL="1371600" indent="0">
+              <a:buNone/>
+              <a:defRPr sz="900"/>
+            </a:lvl4pPr>
+            <a:lvl5pPr marL="1828800" indent="0">
+              <a:buNone/>
+              <a:defRPr sz="900"/>
+            </a:lvl5pPr>
+            <a:lvl6pPr marL="2286000" indent="0">
+              <a:buNone/>
+              <a:defRPr sz="900"/>
+            </a:lvl6pPr>
+            <a:lvl7pPr marL="2743200" indent="0">
+              <a:buNone/>
+              <a:defRPr sz="900"/>
+            </a:lvl7pPr>
+            <a:lvl8pPr marL="3200400" indent="0">
+              <a:buNone/>
+              <a:defRPr sz="900"/>
+            </a:lvl8pPr>
+            <a:lvl9pPr marL="3657600" indent="0">
+              <a:buNone/>
+              <a:defRPr sz="900"/>
+            </a:lvl9pPr>
+          </a:lstStyle>
+          <a:p>
+            <a:pPr lvl="0"/>
+            <a:r>
+              <a:rPr lang="pl-PL"/>
+              <a:t>Kliknij, aby edytować style wzorca tekstu</a:t>
+            </a:r>
+          </a:p>
+        </p:txBody>
+      </p:sp>
+      <p:sp>
+        <p:nvSpPr>
+          <p:cNvPr id="22" name="Text Placeholder 4"/>
+          <p:cNvSpPr>
+            <a:spLocks noGrp="1"/>
+          </p:cNvSpPr>
+          <p:nvPr>
+            <p:ph type="body" sz="quarter" idx="3"/>
+          </p:nvPr>
+        </p:nvSpPr>
+        <p:spPr>
+          <a:xfrm>
+            <a:off x="4442701" y="4195899"/>
+            <a:ext cx="3298983" cy="576262"/>
+          </a:xfrm>
+        </p:spPr>
+        <p:txBody>
+          <a:bodyPr anchor="b">
+            <a:noAutofit/>
+          </a:bodyPr>
+          <a:lstStyle>
+            <a:lvl1pPr marL="0" indent="0" algn="ctr">
+              <a:lnSpc>
+                <a:spcPct val="100000"/>
+              </a:lnSpc>
+              <a:buNone/>
+              <a:defRPr sz="2000" b="0">
+                <a:solidFill>
+                  <a:schemeClr val="tx1"/>
+                </a:solidFill>
+              </a:defRPr>
+            </a:lvl1pPr>
+            <a:lvl2pPr marL="457200" indent="0">
+              <a:buNone/>
+              <a:defRPr sz="2000" b="1"/>
+            </a:lvl2pPr>
+            <a:lvl3pPr marL="914400" indent="0">
+              <a:buNone/>
+              <a:defRPr sz="1800" b="1"/>
+            </a:lvl3pPr>
+            <a:lvl4pPr marL="1371600" indent="0">
+              <a:buNone/>
+              <a:defRPr sz="1600" b="1"/>
+            </a:lvl4pPr>
+            <a:lvl5pPr marL="1828800" indent="0">
+              <a:buNone/>
+              <a:defRPr sz="1600" b="1"/>
+            </a:lvl5pPr>
+            <a:lvl6pPr marL="2286000" indent="0">
+              <a:buNone/>
+              <a:defRPr sz="1600" b="1"/>
+            </a:lvl6pPr>
+            <a:lvl7pPr marL="2743200" indent="0">
+              <a:buNone/>
+              <a:defRPr sz="1600" b="1"/>
+            </a:lvl7pPr>
+            <a:lvl8pPr marL="3200400" indent="0">
+              <a:buNone/>
+              <a:defRPr sz="1600" b="1"/>
+            </a:lvl8pPr>
+            <a:lvl9pPr marL="3657600" indent="0">
+              <a:buNone/>
+              <a:defRPr sz="1600" b="1"/>
+            </a:lvl9pPr>
+          </a:lstStyle>
+          <a:p>
+            <a:pPr lvl="0"/>
+            <a:r>
+              <a:rPr lang="pl-PL"/>
+              <a:t>Kliknij, aby edytować style wzorca tekstu</a:t>
+            </a:r>
+          </a:p>
+        </p:txBody>
+      </p:sp>
+      <p:sp>
+        <p:nvSpPr>
+          <p:cNvPr id="23" name="Picture Placeholder 2"/>
+          <p:cNvSpPr>
+            <a:spLocks noGrp="1" noChangeAspect="1"/>
+          </p:cNvSpPr>
+          <p:nvPr>
+            <p:ph type="pic" idx="21"/>
+          </p:nvPr>
+        </p:nvSpPr>
+        <p:spPr>
+          <a:xfrm>
+            <a:off x="4568996" y="2298987"/>
+            <a:ext cx="2930525" cy="1524000"/>
+          </a:xfrm>
+          <a:prstGeom prst="roundRect">
+            <a:avLst>
+              <a:gd name="adj" fmla="val 0"/>
+            </a:avLst>
+          </a:prstGeom>
+          <a:noFill/>
+          <a:ln w="146050" cap="sq">
+            <a:solidFill>
+              <a:srgbClr val="FFFFFF"/>
+            </a:solidFill>
+            <a:miter lim="800000"/>
+          </a:ln>
+          <a:effectLst>
+            <a:outerShdw blurRad="55000" dist="18000" dir="5400000" algn="tl" rotWithShape="0">
+              <a:srgbClr val="000000">
+                <a:alpha val="40000"/>
+              </a:srgbClr>
+            </a:outerShdw>
+          </a:effectLst>
+          <a:scene3d>
+            <a:camera prst="orthographicFront"/>
+            <a:lightRig rig="twoPt" dir="t">
+              <a:rot lat="0" lon="0" rev="7200000"/>
+            </a:lightRig>
+          </a:scene3d>
+          <a:sp3d>
+            <a:bevelT w="25400" h="19050"/>
+            <a:contourClr>
+              <a:srgbClr val="FFFFFF"/>
+            </a:contourClr>
+          </a:sp3d>
+        </p:spPr>
+        <p:txBody>
+          <a:bodyPr anchor="t">
+            <a:normAutofit/>
+          </a:bodyPr>
+          <a:lstStyle>
+            <a:lvl1pPr marL="0" indent="0" algn="ctr">
+              <a:buNone/>
+              <a:defRPr sz="1600"/>
+            </a:lvl1pPr>
+            <a:lvl2pPr marL="457200" indent="0">
+              <a:buNone/>
+              <a:defRPr sz="1600"/>
+            </a:lvl2pPr>
+            <a:lvl3pPr marL="914400" indent="0">
+              <a:buNone/>
+              <a:defRPr sz="1600"/>
+            </a:lvl3pPr>
+            <a:lvl4pPr marL="1371600" indent="0">
+              <a:buNone/>
+              <a:defRPr sz="1600"/>
+            </a:lvl4pPr>
+            <a:lvl5pPr marL="1828800" indent="0">
+              <a:buNone/>
+              <a:defRPr sz="1600"/>
+            </a:lvl5pPr>
+            <a:lvl6pPr marL="2286000" indent="0">
+              <a:buNone/>
+              <a:defRPr sz="1600"/>
+            </a:lvl6pPr>
+            <a:lvl7pPr marL="2743200" indent="0">
+              <a:buNone/>
+              <a:defRPr sz="1600"/>
+            </a:lvl7pPr>
+            <a:lvl8pPr marL="3200400" indent="0">
+              <a:buNone/>
+              <a:defRPr sz="1600"/>
+            </a:lvl8pPr>
+            <a:lvl9pPr marL="3657600" indent="0">
+              <a:buNone/>
+              <a:defRPr sz="1600"/>
+            </a:lvl9pPr>
+          </a:lstStyle>
+          <a:p>
+            <a:r>
+              <a:rPr lang="pl-PL"/>
+              <a:t>Kliknij ikonę, aby dodać obraz</a:t>
+            </a:r>
+            <a:endParaRPr lang="en-US" dirty="0"/>
+          </a:p>
+        </p:txBody>
+      </p:sp>
+      <p:sp>
+        <p:nvSpPr>
+          <p:cNvPr id="24" name="Text Placeholder 3"/>
+          <p:cNvSpPr>
+            <a:spLocks noGrp="1"/>
+          </p:cNvSpPr>
+          <p:nvPr>
+            <p:ph type="body" sz="half" idx="19"/>
+          </p:nvPr>
+        </p:nvSpPr>
+        <p:spPr>
+          <a:xfrm>
+            <a:off x="4441348" y="4772160"/>
+            <a:ext cx="3300336" cy="1019038"/>
+          </a:xfrm>
+        </p:spPr>
+        <p:txBody>
+          <a:bodyPr anchor="t">
+            <a:normAutofit/>
+          </a:bodyPr>
+          <a:lstStyle>
+            <a:lvl1pPr marL="0" indent="0" algn="ctr">
+              <a:buNone/>
+              <a:defRPr sz="1400"/>
+            </a:lvl1pPr>
+            <a:lvl2pPr marL="457200" indent="0">
+              <a:buNone/>
+              <a:defRPr sz="1200"/>
+            </a:lvl2pPr>
+            <a:lvl3pPr marL="914400" indent="0">
+              <a:buNone/>
+              <a:defRPr sz="1000"/>
+            </a:lvl3pPr>
+            <a:lvl4pPr marL="1371600" indent="0">
+              <a:buNone/>
+              <a:defRPr sz="900"/>
+            </a:lvl4pPr>
+            <a:lvl5pPr marL="1828800" indent="0">
+              <a:buNone/>
+              <a:defRPr sz="900"/>
+            </a:lvl5pPr>
+            <a:lvl6pPr marL="2286000" indent="0">
+              <a:buNone/>
+              <a:defRPr sz="900"/>
+            </a:lvl6pPr>
+            <a:lvl7pPr marL="2743200" indent="0">
+              <a:buNone/>
+              <a:defRPr sz="900"/>
+            </a:lvl7pPr>
+            <a:lvl8pPr marL="3200400" indent="0">
+              <a:buNone/>
+              <a:defRPr sz="900"/>
+            </a:lvl8pPr>
+            <a:lvl9pPr marL="3657600" indent="0">
+              <a:buNone/>
+              <a:defRPr sz="900"/>
+            </a:lvl9pPr>
+          </a:lstStyle>
+          <a:p>
+            <a:pPr lvl="0"/>
+            <a:r>
+              <a:rPr lang="pl-PL"/>
+              <a:t>Kliknij, aby edytować style wzorca tekstu</a:t>
+            </a:r>
+          </a:p>
+        </p:txBody>
+      </p:sp>
+      <p:sp>
+        <p:nvSpPr>
+          <p:cNvPr id="25" name="Text Placeholder 4"/>
+          <p:cNvSpPr>
+            <a:spLocks noGrp="1"/>
+          </p:cNvSpPr>
+          <p:nvPr>
+            <p:ph type="body" sz="quarter" idx="13"/>
+          </p:nvPr>
+        </p:nvSpPr>
+        <p:spPr>
+          <a:xfrm>
+            <a:off x="7973423" y="4195899"/>
+            <a:ext cx="3289900" cy="576262"/>
+          </a:xfrm>
+        </p:spPr>
+        <p:txBody>
+          <a:bodyPr anchor="b">
+            <a:noAutofit/>
+          </a:bodyPr>
+          <a:lstStyle>
+            <a:lvl1pPr marL="0" indent="0" algn="ctr">
+              <a:lnSpc>
+                <a:spcPct val="100000"/>
+              </a:lnSpc>
+              <a:buNone/>
+              <a:defRPr sz="2000" b="0">
+                <a:solidFill>
+                  <a:schemeClr val="tx1"/>
+                </a:solidFill>
+              </a:defRPr>
+            </a:lvl1pPr>
+            <a:lvl2pPr marL="457200" indent="0">
+              <a:buNone/>
+              <a:defRPr sz="2000" b="1"/>
+            </a:lvl2pPr>
+            <a:lvl3pPr marL="914400" indent="0">
+              <a:buNone/>
+              <a:defRPr sz="1800" b="1"/>
+            </a:lvl3pPr>
+            <a:lvl4pPr marL="1371600" indent="0">
+              <a:buNone/>
+              <a:defRPr sz="1600" b="1"/>
+            </a:lvl4pPr>
+            <a:lvl5pPr marL="1828800" indent="0">
+              <a:buNone/>
+              <a:defRPr sz="1600" b="1"/>
+            </a:lvl5pPr>
+            <a:lvl6pPr marL="2286000" indent="0">
+              <a:buNone/>
+              <a:defRPr sz="1600" b="1"/>
+            </a:lvl6pPr>
+            <a:lvl7pPr marL="2743200" indent="0">
+              <a:buNone/>
+              <a:defRPr sz="1600" b="1"/>
+            </a:lvl7pPr>
+            <a:lvl8pPr marL="3200400" indent="0">
+              <a:buNone/>
+              <a:defRPr sz="1600" b="1"/>
+            </a:lvl8pPr>
+            <a:lvl9pPr marL="3657600" indent="0">
+              <a:buNone/>
+              <a:defRPr sz="1600" b="1"/>
+            </a:lvl9pPr>
+          </a:lstStyle>
+          <a:p>
+            <a:pPr lvl="0"/>
+            <a:r>
+              <a:rPr lang="pl-PL"/>
+              <a:t>Kliknij, aby edytować style wzorca tekstu</a:t>
+            </a:r>
+          </a:p>
+        </p:txBody>
+      </p:sp>
+      <p:sp>
+        <p:nvSpPr>
+          <p:cNvPr id="26" name="Picture Placeholder 2"/>
+          <p:cNvSpPr>
+            <a:spLocks noGrp="1" noChangeAspect="1"/>
+          </p:cNvSpPr>
+          <p:nvPr>
+            <p:ph type="pic" idx="22"/>
+          </p:nvPr>
+        </p:nvSpPr>
+        <p:spPr>
+          <a:xfrm>
+            <a:off x="8152803" y="2298987"/>
+            <a:ext cx="2932113" cy="1524000"/>
+          </a:xfrm>
+          <a:prstGeom prst="roundRect">
+            <a:avLst>
+              <a:gd name="adj" fmla="val 0"/>
+            </a:avLst>
+          </a:prstGeom>
+          <a:noFill/>
+          <a:ln w="146050" cap="sq">
+            <a:solidFill>
+              <a:srgbClr val="FFFFFF"/>
+            </a:solidFill>
+            <a:miter lim="800000"/>
+          </a:ln>
+          <a:effectLst>
+            <a:outerShdw blurRad="55000" dist="18000" dir="5400000" algn="tl" rotWithShape="0">
+              <a:srgbClr val="000000">
+                <a:alpha val="40000"/>
+              </a:srgbClr>
+            </a:outerShdw>
+          </a:effectLst>
+          <a:scene3d>
+            <a:camera prst="orthographicFront"/>
+            <a:lightRig rig="twoPt" dir="t">
+              <a:rot lat="0" lon="0" rev="7200000"/>
+            </a:lightRig>
+          </a:scene3d>
+          <a:sp3d>
+            <a:bevelT w="25400" h="19050"/>
+            <a:contourClr>
+              <a:srgbClr val="FFFFFF"/>
+            </a:contourClr>
+          </a:sp3d>
+        </p:spPr>
+        <p:txBody>
+          <a:bodyPr anchor="t">
+            <a:normAutofit/>
+          </a:bodyPr>
+          <a:lstStyle>
+            <a:lvl1pPr marL="0" indent="0" algn="ctr">
+              <a:buNone/>
+              <a:defRPr sz="1600"/>
+            </a:lvl1pPr>
+            <a:lvl2pPr marL="457200" indent="0">
+              <a:buNone/>
+              <a:defRPr sz="1600"/>
+            </a:lvl2pPr>
+            <a:lvl3pPr marL="914400" indent="0">
+              <a:buNone/>
+              <a:defRPr sz="1600"/>
+            </a:lvl3pPr>
+            <a:lvl4pPr marL="1371600" indent="0">
+              <a:buNone/>
+              <a:defRPr sz="1600"/>
+            </a:lvl4pPr>
+            <a:lvl5pPr marL="1828800" indent="0">
+              <a:buNone/>
+              <a:defRPr sz="1600"/>
+            </a:lvl5pPr>
+            <a:lvl6pPr marL="2286000" indent="0">
+              <a:buNone/>
+              <a:defRPr sz="1600"/>
+            </a:lvl6pPr>
+            <a:lvl7pPr marL="2743200" indent="0">
+              <a:buNone/>
+              <a:defRPr sz="1600"/>
+            </a:lvl7pPr>
+            <a:lvl8pPr marL="3200400" indent="0">
+              <a:buNone/>
+              <a:defRPr sz="1600"/>
+            </a:lvl8pPr>
+            <a:lvl9pPr marL="3657600" indent="0">
+              <a:buNone/>
+              <a:defRPr sz="1600"/>
+            </a:lvl9pPr>
+          </a:lstStyle>
+          <a:p>
+            <a:r>
+              <a:rPr lang="pl-PL"/>
+              <a:t>Kliknij ikonę, aby dodać obraz</a:t>
+            </a:r>
+            <a:endParaRPr lang="en-US" dirty="0"/>
+          </a:p>
+        </p:txBody>
+      </p:sp>
+      <p:sp>
+        <p:nvSpPr>
+          <p:cNvPr id="27" name="Text Placeholder 3"/>
+          <p:cNvSpPr>
+            <a:spLocks noGrp="1"/>
+          </p:cNvSpPr>
+          <p:nvPr>
+            <p:ph type="body" sz="half" idx="20"/>
+          </p:nvPr>
+        </p:nvSpPr>
+        <p:spPr>
+          <a:xfrm>
+            <a:off x="7973298" y="4772161"/>
+            <a:ext cx="3294258" cy="1019037"/>
+          </a:xfrm>
+        </p:spPr>
+        <p:txBody>
+          <a:bodyPr anchor="t">
+            <a:normAutofit/>
+          </a:bodyPr>
+          <a:lstStyle>
+            <a:lvl1pPr marL="0" indent="0" algn="ctr">
+              <a:buNone/>
+              <a:defRPr sz="1400"/>
+            </a:lvl1pPr>
+            <a:lvl2pPr marL="457200" indent="0">
+              <a:buNone/>
+              <a:defRPr sz="1200"/>
+            </a:lvl2pPr>
+            <a:lvl3pPr marL="914400" indent="0">
+              <a:buNone/>
+              <a:defRPr sz="1000"/>
+            </a:lvl3pPr>
+            <a:lvl4pPr marL="1371600" indent="0">
+              <a:buNone/>
+              <a:defRPr sz="900"/>
+            </a:lvl4pPr>
+            <a:lvl5pPr marL="1828800" indent="0">
+              <a:buNone/>
+              <a:defRPr sz="900"/>
+            </a:lvl5pPr>
+            <a:lvl6pPr marL="2286000" indent="0">
+              <a:buNone/>
+              <a:defRPr sz="900"/>
+            </a:lvl6pPr>
+            <a:lvl7pPr marL="2743200" indent="0">
+              <a:buNone/>
+              <a:defRPr sz="900"/>
+            </a:lvl7pPr>
+            <a:lvl8pPr marL="3200400" indent="0">
+              <a:buNone/>
+              <a:defRPr sz="900"/>
+            </a:lvl8pPr>
+            <a:lvl9pPr marL="3657600" indent="0">
+              <a:buNone/>
+              <a:defRPr sz="900"/>
+            </a:lvl9pPr>
+          </a:lstStyle>
+          <a:p>
+            <a:pPr lvl="0"/>
+            <a:r>
+              <a:rPr lang="pl-PL"/>
+              <a:t>Kliknij, aby edytować style wzorca tekstu</a:t>
+            </a:r>
+          </a:p>
+        </p:txBody>
+      </p:sp>
+      <p:sp>
+        <p:nvSpPr>
+          <p:cNvPr id="3" name="Date Placeholder 2"/>
+          <p:cNvSpPr>
+            <a:spLocks noGrp="1"/>
+          </p:cNvSpPr>
+          <p:nvPr>
+            <p:ph type="dt" sz="half" idx="10"/>
+          </p:nvPr>
+        </p:nvSpPr>
+        <p:spPr/>
+        <p:txBody>
+          <a:bodyPr/>
+          <a:lstStyle/>
+          <a:p>
+            <a:fld id="{39F59EC8-C329-49B2-9FFF-D0CB5E153C03}" type="datetimeFigureOut">
+              <a:rPr lang="pl-PL" smtClean="0"/>
+              <a:t>23.10.2022</a:t>
+            </a:fld>
+            <a:endParaRPr lang="pl-PL"/>
+          </a:p>
+        </p:txBody>
+      </p:sp>
+      <p:sp>
+        <p:nvSpPr>
+          <p:cNvPr id="4" name="Footer Placeholder 3"/>
+          <p:cNvSpPr>
+            <a:spLocks noGrp="1"/>
+          </p:cNvSpPr>
+          <p:nvPr>
+            <p:ph type="ftr" sz="quarter" idx="11"/>
+          </p:nvPr>
+        </p:nvSpPr>
+        <p:spPr/>
+        <p:txBody>
+          <a:bodyPr/>
+          <a:lstStyle/>
+          <a:p>
+            <a:endParaRPr lang="pl-PL"/>
+          </a:p>
+        </p:txBody>
+      </p:sp>
+      <p:sp>
+        <p:nvSpPr>
+          <p:cNvPr id="5" name="Slide Number Placeholder 4"/>
+          <p:cNvSpPr>
+            <a:spLocks noGrp="1"/>
+          </p:cNvSpPr>
+          <p:nvPr>
+            <p:ph type="sldNum" sz="quarter" idx="12"/>
+          </p:nvPr>
+        </p:nvSpPr>
+        <p:spPr/>
+        <p:txBody>
+          <a:bodyPr/>
+          <a:lstStyle/>
+          <a:p>
+            <a:fld id="{A8552EC2-0920-4F61-A0E2-E84CF5306F3B}" type="slidenum">
+              <a:rPr lang="pl-PL" smtClean="0"/>
+              <a:t>‹#›</a:t>
+            </a:fld>
+            <a:endParaRPr lang="pl-PL"/>
+          </a:p>
+        </p:txBody>
+      </p:sp>
+    </p:spTree>
+    <p:extLst>
+      <p:ext uri="{BB962C8B-B14F-4D97-AF65-F5344CB8AC3E}">
+        <p14:creationId xmlns:p14="http://schemas.microsoft.com/office/powerpoint/2010/main" val="2215836204"/>
+      </p:ext>
+    </p:extLst>
+  </p:cSld>
+  <p:clrMapOvr>
+    <a:masterClrMapping/>
+  </p:clrMapOvr>
+</p:sldLayout>
+</file>
+
+<file path=ppt/slideLayouts/slideLayout16.xml><?xml version="1.0" encoding="utf-8"?>
 <p:sldLayout xmlns:a="http://schemas.openxmlformats.org/drawingml/2006/main" xmlns:r="http://schemas.openxmlformats.org/officeDocument/2006/relationships" xmlns:p="http://schemas.openxmlformats.org/presentationml/2006/main" type="vertTx" preserve="1">
   <p:cSld name="Tytuł i tekst pionowy">
     <p:spTree>
@@ -351,13 +5728,7 @@
       </p:grpSpPr>
       <p:sp>
         <p:nvSpPr>
-          <p:cNvPr id="2" name="Tytuł 1">
-            <a:extLst>
-              <a:ext uri="{FF2B5EF4-FFF2-40B4-BE49-F238E27FC236}">
-                <a16:creationId xmlns:a16="http://schemas.microsoft.com/office/drawing/2014/main" id="{45D04864-47BA-FC5E-C348-E1DAE2DB6E20}"/>
-              </a:ext>
-            </a:extLst>
-          </p:cNvPr>
+          <p:cNvPr id="2" name="Title 1"/>
           <p:cNvSpPr>
             <a:spLocks noGrp="1"/>
           </p:cNvSpPr>
@@ -374,18 +5745,13 @@
               <a:rPr lang="pl-PL"/>
               <a:t>Kliknij, aby edytować styl</a:t>
             </a:r>
-          </a:p>
-        </p:txBody>
-      </p:sp>
-      <p:sp>
-        <p:nvSpPr>
-          <p:cNvPr id="3" name="Symbol zastępczy tytułu pionowego 2">
-            <a:extLst>
-              <a:ext uri="{FF2B5EF4-FFF2-40B4-BE49-F238E27FC236}">
-                <a16:creationId xmlns:a16="http://schemas.microsoft.com/office/drawing/2014/main" id="{DA851F8F-3C0D-79B4-051B-D64D7071ED59}"/>
-              </a:ext>
-            </a:extLst>
-          </p:cNvPr>
+            <a:endParaRPr lang="en-US" dirty="0"/>
+          </a:p>
+        </p:txBody>
+      </p:sp>
+      <p:sp>
+        <p:nvSpPr>
+          <p:cNvPr id="3" name="Vertical Text Placeholder 2"/>
           <p:cNvSpPr>
             <a:spLocks noGrp="1"/>
           </p:cNvSpPr>
@@ -431,18 +5797,13 @@
               <a:rPr lang="pl-PL"/>
               <a:t>Piąty poziom</a:t>
             </a:r>
-          </a:p>
-        </p:txBody>
-      </p:sp>
-      <p:sp>
-        <p:nvSpPr>
-          <p:cNvPr id="4" name="Symbol zastępczy daty 3">
-            <a:extLst>
-              <a:ext uri="{FF2B5EF4-FFF2-40B4-BE49-F238E27FC236}">
-                <a16:creationId xmlns:a16="http://schemas.microsoft.com/office/drawing/2014/main" id="{84DB1D0F-B2D0-67CE-AEE7-A17EDE91134F}"/>
-              </a:ext>
-            </a:extLst>
-          </p:cNvPr>
+            <a:endParaRPr lang="en-US" dirty="0"/>
+          </a:p>
+        </p:txBody>
+      </p:sp>
+      <p:sp>
+        <p:nvSpPr>
+          <p:cNvPr id="4" name="Date Placeholder 3"/>
           <p:cNvSpPr>
             <a:spLocks noGrp="1"/>
           </p:cNvSpPr>
@@ -465,13 +5826,7 @@
       </p:sp>
       <p:sp>
         <p:nvSpPr>
-          <p:cNvPr id="5" name="Symbol zastępczy stopki 4">
-            <a:extLst>
-              <a:ext uri="{FF2B5EF4-FFF2-40B4-BE49-F238E27FC236}">
-                <a16:creationId xmlns:a16="http://schemas.microsoft.com/office/drawing/2014/main" id="{7962B7D4-13E2-43B4-2D05-BEE8A69BD2BB}"/>
-              </a:ext>
-            </a:extLst>
-          </p:cNvPr>
+          <p:cNvPr id="5" name="Footer Placeholder 4"/>
           <p:cNvSpPr>
             <a:spLocks noGrp="1"/>
           </p:cNvSpPr>
@@ -490,13 +5845,7 @@
       </p:sp>
       <p:sp>
         <p:nvSpPr>
-          <p:cNvPr id="6" name="Symbol zastępczy numeru slajdu 5">
-            <a:extLst>
-              <a:ext uri="{FF2B5EF4-FFF2-40B4-BE49-F238E27FC236}">
-                <a16:creationId xmlns:a16="http://schemas.microsoft.com/office/drawing/2014/main" id="{10AA8F34-DA1E-BE88-E033-13EC11B6A406}"/>
-              </a:ext>
-            </a:extLst>
-          </p:cNvPr>
+          <p:cNvPr id="6" name="Slide Number Placeholder 5"/>
           <p:cNvSpPr>
             <a:spLocks noGrp="1"/>
           </p:cNvSpPr>
@@ -520,7 +5869,7 @@
     </p:spTree>
     <p:extLst>
       <p:ext uri="{BB962C8B-B14F-4D97-AF65-F5344CB8AC3E}">
-        <p14:creationId xmlns:p14="http://schemas.microsoft.com/office/powerpoint/2010/main" val="2855687791"/>
+        <p14:creationId xmlns:p14="http://schemas.microsoft.com/office/powerpoint/2010/main" val="3261947781"/>
       </p:ext>
     </p:extLst>
   </p:cSld>
@@ -530,7 +5879,7 @@
 </p:sldLayout>
 </file>
 
-<file path=ppt/slideLayouts/slideLayout11.xml><?xml version="1.0" encoding="utf-8"?>
+<file path=ppt/slideLayouts/slideLayout17.xml><?xml version="1.0" encoding="utf-8"?>
 <p:sldLayout xmlns:a="http://schemas.openxmlformats.org/drawingml/2006/main" xmlns:r="http://schemas.openxmlformats.org/officeDocument/2006/relationships" xmlns:p="http://schemas.openxmlformats.org/presentationml/2006/main" type="vertTitleAndTx" preserve="1">
   <p:cSld name="Tytuł pionowy i tekst">
     <p:spTree>
@@ -549,13 +5898,7 @@
       </p:grpSpPr>
       <p:sp>
         <p:nvSpPr>
-          <p:cNvPr id="2" name="Tytuł pionowy 1">
-            <a:extLst>
-              <a:ext uri="{FF2B5EF4-FFF2-40B4-BE49-F238E27FC236}">
-                <a16:creationId xmlns:a16="http://schemas.microsoft.com/office/drawing/2014/main" id="{A9E86F4D-AC8A-F5DE-5E6C-3736941C038A}"/>
-              </a:ext>
-            </a:extLst>
-          </p:cNvPr>
+          <p:cNvPr id="2" name="Vertical Title 1"/>
           <p:cNvSpPr>
             <a:spLocks noGrp="1"/>
           </p:cNvSpPr>
@@ -565,30 +5908,29 @@
         </p:nvSpPr>
         <p:spPr>
           <a:xfrm>
-            <a:off x="8724900" y="365125"/>
-            <a:ext cx="2628900" cy="5811838"/>
+            <a:off x="8724900" y="609599"/>
+            <a:ext cx="2542657" cy="5181601"/>
           </a:xfrm>
         </p:spPr>
         <p:txBody>
           <a:bodyPr vert="eaVert"/>
-          <a:lstStyle/>
+          <a:lstStyle>
+            <a:lvl1pPr algn="l">
+              <a:defRPr/>
+            </a:lvl1pPr>
+          </a:lstStyle>
           <a:p>
             <a:r>
               <a:rPr lang="pl-PL"/>
               <a:t>Kliknij, aby edytować styl</a:t>
             </a:r>
-          </a:p>
-        </p:txBody>
-      </p:sp>
-      <p:sp>
-        <p:nvSpPr>
-          <p:cNvPr id="3" name="Symbol zastępczy tytułu pionowego 2">
-            <a:extLst>
-              <a:ext uri="{FF2B5EF4-FFF2-40B4-BE49-F238E27FC236}">
-                <a16:creationId xmlns:a16="http://schemas.microsoft.com/office/drawing/2014/main" id="{0F761178-8B94-4CAD-C00E-7EC2EFF43EFD}"/>
-              </a:ext>
-            </a:extLst>
-          </p:cNvPr>
+            <a:endParaRPr lang="en-US" dirty="0"/>
+          </a:p>
+        </p:txBody>
+      </p:sp>
+      <p:sp>
+        <p:nvSpPr>
+          <p:cNvPr id="3" name="Vertical Text Placeholder 2"/>
           <p:cNvSpPr>
             <a:spLocks noGrp="1"/>
           </p:cNvSpPr>
@@ -598,8 +5940,8 @@
         </p:nvSpPr>
         <p:spPr>
           <a:xfrm>
-            <a:off x="838200" y="365125"/>
-            <a:ext cx="7734300" cy="5811838"/>
+            <a:off x="913794" y="609599"/>
+            <a:ext cx="7658705" cy="5181601"/>
           </a:xfrm>
         </p:spPr>
         <p:txBody>
@@ -639,18 +5981,13 @@
               <a:rPr lang="pl-PL"/>
               <a:t>Piąty poziom</a:t>
             </a:r>
-          </a:p>
-        </p:txBody>
-      </p:sp>
-      <p:sp>
-        <p:nvSpPr>
-          <p:cNvPr id="4" name="Symbol zastępczy daty 3">
-            <a:extLst>
-              <a:ext uri="{FF2B5EF4-FFF2-40B4-BE49-F238E27FC236}">
-                <a16:creationId xmlns:a16="http://schemas.microsoft.com/office/drawing/2014/main" id="{A32C5D7E-E1A1-1D16-EE76-04CD455EE1A5}"/>
-              </a:ext>
-            </a:extLst>
-          </p:cNvPr>
+            <a:endParaRPr lang="en-US" dirty="0"/>
+          </a:p>
+        </p:txBody>
+      </p:sp>
+      <p:sp>
+        <p:nvSpPr>
+          <p:cNvPr id="4" name="Date Placeholder 3"/>
           <p:cNvSpPr>
             <a:spLocks noGrp="1"/>
           </p:cNvSpPr>
@@ -673,13 +6010,7 @@
       </p:sp>
       <p:sp>
         <p:nvSpPr>
-          <p:cNvPr id="5" name="Symbol zastępczy stopki 4">
-            <a:extLst>
-              <a:ext uri="{FF2B5EF4-FFF2-40B4-BE49-F238E27FC236}">
-                <a16:creationId xmlns:a16="http://schemas.microsoft.com/office/drawing/2014/main" id="{3795CA75-3BD0-D792-458E-116244C680A4}"/>
-              </a:ext>
-            </a:extLst>
-          </p:cNvPr>
+          <p:cNvPr id="5" name="Footer Placeholder 4"/>
           <p:cNvSpPr>
             <a:spLocks noGrp="1"/>
           </p:cNvSpPr>
@@ -698,13 +6029,7 @@
       </p:sp>
       <p:sp>
         <p:nvSpPr>
-          <p:cNvPr id="6" name="Symbol zastępczy numeru slajdu 5">
-            <a:extLst>
-              <a:ext uri="{FF2B5EF4-FFF2-40B4-BE49-F238E27FC236}">
-                <a16:creationId xmlns:a16="http://schemas.microsoft.com/office/drawing/2014/main" id="{981338C9-2B27-7B3F-A6E0-A83620408F0A}"/>
-              </a:ext>
-            </a:extLst>
-          </p:cNvPr>
+          <p:cNvPr id="6" name="Slide Number Placeholder 5"/>
           <p:cNvSpPr>
             <a:spLocks noGrp="1"/>
           </p:cNvSpPr>
@@ -728,7 +6053,7 @@
     </p:spTree>
     <p:extLst>
       <p:ext uri="{BB962C8B-B14F-4D97-AF65-F5344CB8AC3E}">
-        <p14:creationId xmlns:p14="http://schemas.microsoft.com/office/powerpoint/2010/main" val="2248442601"/>
+        <p14:creationId xmlns:p14="http://schemas.microsoft.com/office/powerpoint/2010/main" val="3409099339"/>
       </p:ext>
     </p:extLst>
   </p:cSld>
@@ -757,13 +6082,7 @@
       </p:grpSpPr>
       <p:sp>
         <p:nvSpPr>
-          <p:cNvPr id="2" name="Tytuł 1">
-            <a:extLst>
-              <a:ext uri="{FF2B5EF4-FFF2-40B4-BE49-F238E27FC236}">
-                <a16:creationId xmlns:a16="http://schemas.microsoft.com/office/drawing/2014/main" id="{7D50385C-770E-B70A-1A2D-E22402E5B2C7}"/>
-              </a:ext>
-            </a:extLst>
-          </p:cNvPr>
+          <p:cNvPr id="2" name="Title 1"/>
           <p:cNvSpPr>
             <a:spLocks noGrp="1"/>
           </p:cNvSpPr>
@@ -780,18 +6099,13 @@
               <a:rPr lang="pl-PL"/>
               <a:t>Kliknij, aby edytować styl</a:t>
             </a:r>
-          </a:p>
-        </p:txBody>
-      </p:sp>
-      <p:sp>
-        <p:nvSpPr>
-          <p:cNvPr id="3" name="Symbol zastępczy zawartości 2">
-            <a:extLst>
-              <a:ext uri="{FF2B5EF4-FFF2-40B4-BE49-F238E27FC236}">
-                <a16:creationId xmlns:a16="http://schemas.microsoft.com/office/drawing/2014/main" id="{4ADBD98F-53B4-39AA-5E8A-9045ACB5F97C}"/>
-              </a:ext>
-            </a:extLst>
-          </p:cNvPr>
+            <a:endParaRPr lang="en-US" dirty="0"/>
+          </a:p>
+        </p:txBody>
+      </p:sp>
+      <p:sp>
+        <p:nvSpPr>
+          <p:cNvPr id="3" name="Content Placeholder 2"/>
           <p:cNvSpPr>
             <a:spLocks noGrp="1"/>
           </p:cNvSpPr>
@@ -837,18 +6151,13 @@
               <a:rPr lang="pl-PL"/>
               <a:t>Piąty poziom</a:t>
             </a:r>
-          </a:p>
-        </p:txBody>
-      </p:sp>
-      <p:sp>
-        <p:nvSpPr>
-          <p:cNvPr id="4" name="Symbol zastępczy daty 3">
-            <a:extLst>
-              <a:ext uri="{FF2B5EF4-FFF2-40B4-BE49-F238E27FC236}">
-                <a16:creationId xmlns:a16="http://schemas.microsoft.com/office/drawing/2014/main" id="{D1332A76-E514-8C0C-ECAB-85E2C5EFF173}"/>
-              </a:ext>
-            </a:extLst>
-          </p:cNvPr>
+            <a:endParaRPr lang="en-US" dirty="0"/>
+          </a:p>
+        </p:txBody>
+      </p:sp>
+      <p:sp>
+        <p:nvSpPr>
+          <p:cNvPr id="4" name="Date Placeholder 3"/>
           <p:cNvSpPr>
             <a:spLocks noGrp="1"/>
           </p:cNvSpPr>
@@ -871,13 +6180,7 @@
       </p:sp>
       <p:sp>
         <p:nvSpPr>
-          <p:cNvPr id="5" name="Symbol zastępczy stopki 4">
-            <a:extLst>
-              <a:ext uri="{FF2B5EF4-FFF2-40B4-BE49-F238E27FC236}">
-                <a16:creationId xmlns:a16="http://schemas.microsoft.com/office/drawing/2014/main" id="{D7829523-63F4-2F2C-78A9-D10DDF45A807}"/>
-              </a:ext>
-            </a:extLst>
-          </p:cNvPr>
+          <p:cNvPr id="5" name="Footer Placeholder 4"/>
           <p:cNvSpPr>
             <a:spLocks noGrp="1"/>
           </p:cNvSpPr>
@@ -896,13 +6199,7 @@
       </p:sp>
       <p:sp>
         <p:nvSpPr>
-          <p:cNvPr id="6" name="Symbol zastępczy numeru slajdu 5">
-            <a:extLst>
-              <a:ext uri="{FF2B5EF4-FFF2-40B4-BE49-F238E27FC236}">
-                <a16:creationId xmlns:a16="http://schemas.microsoft.com/office/drawing/2014/main" id="{75DAC001-668B-7139-7431-70874B7D0A83}"/>
-              </a:ext>
-            </a:extLst>
-          </p:cNvPr>
+          <p:cNvPr id="6" name="Slide Number Placeholder 5"/>
           <p:cNvSpPr>
             <a:spLocks noGrp="1"/>
           </p:cNvSpPr>
@@ -926,7 +6223,7 @@
     </p:spTree>
     <p:extLst>
       <p:ext uri="{BB962C8B-B14F-4D97-AF65-F5344CB8AC3E}">
-        <p14:creationId xmlns:p14="http://schemas.microsoft.com/office/powerpoint/2010/main" val="330110032"/>
+        <p14:creationId xmlns:p14="http://schemas.microsoft.com/office/powerpoint/2010/main" val="2914077425"/>
       </p:ext>
     </p:extLst>
   </p:cSld>
@@ -955,13 +6252,7 @@
       </p:grpSpPr>
       <p:sp>
         <p:nvSpPr>
-          <p:cNvPr id="2" name="Tytuł 1">
-            <a:extLst>
-              <a:ext uri="{FF2B5EF4-FFF2-40B4-BE49-F238E27FC236}">
-                <a16:creationId xmlns:a16="http://schemas.microsoft.com/office/drawing/2014/main" id="{5275AD30-8DB3-2CD9-87E1-D0EA673E60B6}"/>
-              </a:ext>
-            </a:extLst>
-          </p:cNvPr>
+          <p:cNvPr id="2" name="Title 1"/>
           <p:cNvSpPr>
             <a:spLocks noGrp="1"/>
           </p:cNvSpPr>
@@ -971,15 +6262,17 @@
         </p:nvSpPr>
         <p:spPr>
           <a:xfrm>
-            <a:off x="831850" y="1709738"/>
-            <a:ext cx="10515600" cy="2852737"/>
+            <a:off x="1229244" y="657226"/>
+            <a:ext cx="9733512" cy="2852737"/>
           </a:xfrm>
         </p:spPr>
         <p:txBody>
-          <a:bodyPr anchor="b"/>
+          <a:bodyPr anchor="b">
+            <a:normAutofit/>
+          </a:bodyPr>
           <a:lstStyle>
             <a:lvl1pPr>
-              <a:defRPr sz="6000"/>
+              <a:defRPr sz="3400"/>
             </a:lvl1pPr>
           </a:lstStyle>
           <a:p>
@@ -987,18 +6280,13 @@
               <a:rPr lang="pl-PL"/>
               <a:t>Kliknij, aby edytować styl</a:t>
             </a:r>
-          </a:p>
-        </p:txBody>
-      </p:sp>
-      <p:sp>
-        <p:nvSpPr>
-          <p:cNvPr id="3" name="Symbol zastępczy tekstu 2">
-            <a:extLst>
-              <a:ext uri="{FF2B5EF4-FFF2-40B4-BE49-F238E27FC236}">
-                <a16:creationId xmlns:a16="http://schemas.microsoft.com/office/drawing/2014/main" id="{569DA2EA-BBE4-6BD7-BBF7-9BE00F695FF4}"/>
-              </a:ext>
-            </a:extLst>
-          </p:cNvPr>
+            <a:endParaRPr lang="en-US" dirty="0"/>
+          </a:p>
+        </p:txBody>
+      </p:sp>
+      <p:sp>
+        <p:nvSpPr>
+          <p:cNvPr id="3" name="Text Placeholder 2"/>
           <p:cNvSpPr>
             <a:spLocks noGrp="1"/>
           </p:cNvSpPr>
@@ -1008,14 +6296,14 @@
         </p:nvSpPr>
         <p:spPr>
           <a:xfrm>
-            <a:off x="831850" y="4589463"/>
-            <a:ext cx="10515600" cy="1500187"/>
+            <a:off x="1229244" y="3602038"/>
+            <a:ext cx="9733512" cy="1500187"/>
           </a:xfrm>
         </p:spPr>
         <p:txBody>
           <a:bodyPr/>
           <a:lstStyle>
-            <a:lvl1pPr marL="0" indent="0">
+            <a:lvl1pPr marL="0" indent="0" algn="ctr">
               <a:buNone/>
               <a:defRPr sz="2400">
                 <a:solidFill>
@@ -1117,13 +6405,7 @@
       </p:sp>
       <p:sp>
         <p:nvSpPr>
-          <p:cNvPr id="4" name="Symbol zastępczy daty 3">
-            <a:extLst>
-              <a:ext uri="{FF2B5EF4-FFF2-40B4-BE49-F238E27FC236}">
-                <a16:creationId xmlns:a16="http://schemas.microsoft.com/office/drawing/2014/main" id="{735E4B33-D9EB-7659-B8C4-E1A84E74F016}"/>
-              </a:ext>
-            </a:extLst>
-          </p:cNvPr>
+          <p:cNvPr id="4" name="Date Placeholder 3"/>
           <p:cNvSpPr>
             <a:spLocks noGrp="1"/>
           </p:cNvSpPr>
@@ -1146,13 +6428,7 @@
       </p:sp>
       <p:sp>
         <p:nvSpPr>
-          <p:cNvPr id="5" name="Symbol zastępczy stopki 4">
-            <a:extLst>
-              <a:ext uri="{FF2B5EF4-FFF2-40B4-BE49-F238E27FC236}">
-                <a16:creationId xmlns:a16="http://schemas.microsoft.com/office/drawing/2014/main" id="{6BDE59AE-0393-9FF1-9279-47D1C2AAA845}"/>
-              </a:ext>
-            </a:extLst>
-          </p:cNvPr>
+          <p:cNvPr id="5" name="Footer Placeholder 4"/>
           <p:cNvSpPr>
             <a:spLocks noGrp="1"/>
           </p:cNvSpPr>
@@ -1171,13 +6447,7 @@
       </p:sp>
       <p:sp>
         <p:nvSpPr>
-          <p:cNvPr id="6" name="Symbol zastępczy numeru slajdu 5">
-            <a:extLst>
-              <a:ext uri="{FF2B5EF4-FFF2-40B4-BE49-F238E27FC236}">
-                <a16:creationId xmlns:a16="http://schemas.microsoft.com/office/drawing/2014/main" id="{AC6E1997-272F-3643-0CAC-40F461690FF6}"/>
-              </a:ext>
-            </a:extLst>
-          </p:cNvPr>
+          <p:cNvPr id="6" name="Slide Number Placeholder 5"/>
           <p:cNvSpPr>
             <a:spLocks noGrp="1"/>
           </p:cNvSpPr>
@@ -1201,7 +6471,7 @@
     </p:spTree>
     <p:extLst>
       <p:ext uri="{BB962C8B-B14F-4D97-AF65-F5344CB8AC3E}">
-        <p14:creationId xmlns:p14="http://schemas.microsoft.com/office/powerpoint/2010/main" val="1800273022"/>
+        <p14:creationId xmlns:p14="http://schemas.microsoft.com/office/powerpoint/2010/main" val="1243741878"/>
       </p:ext>
     </p:extLst>
   </p:cSld>
@@ -1230,13 +6500,7 @@
       </p:grpSpPr>
       <p:sp>
         <p:nvSpPr>
-          <p:cNvPr id="2" name="Tytuł 1">
-            <a:extLst>
-              <a:ext uri="{FF2B5EF4-FFF2-40B4-BE49-F238E27FC236}">
-                <a16:creationId xmlns:a16="http://schemas.microsoft.com/office/drawing/2014/main" id="{A5C59128-B0E7-7890-85FE-39977FF2DE11}"/>
-              </a:ext>
-            </a:extLst>
-          </p:cNvPr>
+          <p:cNvPr id="2" name="Title 1"/>
           <p:cNvSpPr>
             <a:spLocks noGrp="1"/>
           </p:cNvSpPr>
@@ -1244,7 +6508,12 @@
             <p:ph type="title"/>
           </p:nvPr>
         </p:nvSpPr>
-        <p:spPr/>
+        <p:spPr>
+          <a:xfrm>
+            <a:off x="913795" y="609600"/>
+            <a:ext cx="10353761" cy="1326321"/>
+          </a:xfrm>
+        </p:spPr>
         <p:txBody>
           <a:bodyPr/>
           <a:lstStyle/>
@@ -1253,18 +6522,13 @@
               <a:rPr lang="pl-PL"/>
               <a:t>Kliknij, aby edytować styl</a:t>
             </a:r>
-          </a:p>
-        </p:txBody>
-      </p:sp>
-      <p:sp>
-        <p:nvSpPr>
-          <p:cNvPr id="3" name="Symbol zastępczy zawartości 2">
-            <a:extLst>
-              <a:ext uri="{FF2B5EF4-FFF2-40B4-BE49-F238E27FC236}">
-                <a16:creationId xmlns:a16="http://schemas.microsoft.com/office/drawing/2014/main" id="{CBD91382-B3F6-BD39-3405-D079F8872F51}"/>
-              </a:ext>
-            </a:extLst>
-          </p:cNvPr>
+            <a:endParaRPr lang="en-US" dirty="0"/>
+          </a:p>
+        </p:txBody>
+      </p:sp>
+      <p:sp>
+        <p:nvSpPr>
+          <p:cNvPr id="3" name="Content Placeholder 2"/>
           <p:cNvSpPr>
             <a:spLocks noGrp="1"/>
           </p:cNvSpPr>
@@ -1274,8 +6538,8 @@
         </p:nvSpPr>
         <p:spPr>
           <a:xfrm>
-            <a:off x="838200" y="1825625"/>
-            <a:ext cx="5181600" cy="4351338"/>
+            <a:off x="913795" y="2088319"/>
+            <a:ext cx="5106004" cy="3702881"/>
           </a:xfrm>
         </p:spPr>
         <p:txBody>
@@ -1315,18 +6579,13 @@
               <a:rPr lang="pl-PL"/>
               <a:t>Piąty poziom</a:t>
             </a:r>
-          </a:p>
-        </p:txBody>
-      </p:sp>
-      <p:sp>
-        <p:nvSpPr>
-          <p:cNvPr id="4" name="Symbol zastępczy zawartości 3">
-            <a:extLst>
-              <a:ext uri="{FF2B5EF4-FFF2-40B4-BE49-F238E27FC236}">
-                <a16:creationId xmlns:a16="http://schemas.microsoft.com/office/drawing/2014/main" id="{48844643-C14E-65EF-0644-FED325188C8F}"/>
-              </a:ext>
-            </a:extLst>
-          </p:cNvPr>
+            <a:endParaRPr lang="en-US" dirty="0"/>
+          </a:p>
+        </p:txBody>
+      </p:sp>
+      <p:sp>
+        <p:nvSpPr>
+          <p:cNvPr id="4" name="Content Placeholder 3"/>
           <p:cNvSpPr>
             <a:spLocks noGrp="1"/>
           </p:cNvSpPr>
@@ -1336,8 +6595,8 @@
         </p:nvSpPr>
         <p:spPr>
           <a:xfrm>
-            <a:off x="6172200" y="1825625"/>
-            <a:ext cx="5181600" cy="4351338"/>
+            <a:off x="6173403" y="2088319"/>
+            <a:ext cx="5094154" cy="3702881"/>
           </a:xfrm>
         </p:spPr>
         <p:txBody>
@@ -1377,18 +6636,13 @@
               <a:rPr lang="pl-PL"/>
               <a:t>Piąty poziom</a:t>
             </a:r>
-          </a:p>
-        </p:txBody>
-      </p:sp>
-      <p:sp>
-        <p:nvSpPr>
-          <p:cNvPr id="5" name="Symbol zastępczy daty 4">
-            <a:extLst>
-              <a:ext uri="{FF2B5EF4-FFF2-40B4-BE49-F238E27FC236}">
-                <a16:creationId xmlns:a16="http://schemas.microsoft.com/office/drawing/2014/main" id="{E43E0684-9E7C-F7C5-6181-7AD655D28814}"/>
-              </a:ext>
-            </a:extLst>
-          </p:cNvPr>
+            <a:endParaRPr lang="en-US" dirty="0"/>
+          </a:p>
+        </p:txBody>
+      </p:sp>
+      <p:sp>
+        <p:nvSpPr>
+          <p:cNvPr id="5" name="Date Placeholder 4"/>
           <p:cNvSpPr>
             <a:spLocks noGrp="1"/>
           </p:cNvSpPr>
@@ -1411,13 +6665,7 @@
       </p:sp>
       <p:sp>
         <p:nvSpPr>
-          <p:cNvPr id="6" name="Symbol zastępczy stopki 5">
-            <a:extLst>
-              <a:ext uri="{FF2B5EF4-FFF2-40B4-BE49-F238E27FC236}">
-                <a16:creationId xmlns:a16="http://schemas.microsoft.com/office/drawing/2014/main" id="{92B092D5-1996-74AD-5D72-B3316F44FEE9}"/>
-              </a:ext>
-            </a:extLst>
-          </p:cNvPr>
+          <p:cNvPr id="6" name="Footer Placeholder 5"/>
           <p:cNvSpPr>
             <a:spLocks noGrp="1"/>
           </p:cNvSpPr>
@@ -1436,13 +6684,7 @@
       </p:sp>
       <p:sp>
         <p:nvSpPr>
-          <p:cNvPr id="7" name="Symbol zastępczy numeru slajdu 6">
-            <a:extLst>
-              <a:ext uri="{FF2B5EF4-FFF2-40B4-BE49-F238E27FC236}">
-                <a16:creationId xmlns:a16="http://schemas.microsoft.com/office/drawing/2014/main" id="{D1A0AB33-2EC6-7A11-817B-198BF0D348F8}"/>
-              </a:ext>
-            </a:extLst>
-          </p:cNvPr>
+          <p:cNvPr id="7" name="Slide Number Placeholder 6"/>
           <p:cNvSpPr>
             <a:spLocks noGrp="1"/>
           </p:cNvSpPr>
@@ -1466,7 +6708,7 @@
     </p:spTree>
     <p:extLst>
       <p:ext uri="{BB962C8B-B14F-4D97-AF65-F5344CB8AC3E}">
-        <p14:creationId xmlns:p14="http://schemas.microsoft.com/office/powerpoint/2010/main" val="1874455644"/>
+        <p14:creationId xmlns:p14="http://schemas.microsoft.com/office/powerpoint/2010/main" val="292020278"/>
       </p:ext>
     </p:extLst>
   </p:cSld>
@@ -1495,13 +6737,7 @@
       </p:grpSpPr>
       <p:sp>
         <p:nvSpPr>
-          <p:cNvPr id="2" name="Tytuł 1">
-            <a:extLst>
-              <a:ext uri="{FF2B5EF4-FFF2-40B4-BE49-F238E27FC236}">
-                <a16:creationId xmlns:a16="http://schemas.microsoft.com/office/drawing/2014/main" id="{FE263A57-653A-2054-125C-1152540DDA31}"/>
-              </a:ext>
-            </a:extLst>
-          </p:cNvPr>
+          <p:cNvPr id="2" name="Title 1"/>
           <p:cNvSpPr>
             <a:spLocks noGrp="1"/>
           </p:cNvSpPr>
@@ -1511,8 +6747,8 @@
         </p:nvSpPr>
         <p:spPr>
           <a:xfrm>
-            <a:off x="839788" y="365125"/>
-            <a:ext cx="10515600" cy="1325563"/>
+            <a:off x="913795" y="609600"/>
+            <a:ext cx="10353761" cy="1325563"/>
           </a:xfrm>
         </p:spPr>
         <p:txBody>
@@ -1523,18 +6759,13 @@
               <a:rPr lang="pl-PL"/>
               <a:t>Kliknij, aby edytować styl</a:t>
             </a:r>
-          </a:p>
-        </p:txBody>
-      </p:sp>
-      <p:sp>
-        <p:nvSpPr>
-          <p:cNvPr id="3" name="Symbol zastępczy tekstu 2">
-            <a:extLst>
-              <a:ext uri="{FF2B5EF4-FFF2-40B4-BE49-F238E27FC236}">
-                <a16:creationId xmlns:a16="http://schemas.microsoft.com/office/drawing/2014/main" id="{89A83477-60D0-6F50-0661-EFEF3819B864}"/>
-              </a:ext>
-            </a:extLst>
-          </p:cNvPr>
+            <a:endParaRPr lang="en-US" dirty="0"/>
+          </a:p>
+        </p:txBody>
+      </p:sp>
+      <p:sp>
+        <p:nvSpPr>
+          <p:cNvPr id="3" name="Text Placeholder 2"/>
           <p:cNvSpPr>
             <a:spLocks noGrp="1"/>
           </p:cNvSpPr>
@@ -1544,14 +6775,17 @@
         </p:nvSpPr>
         <p:spPr>
           <a:xfrm>
-            <a:off x="839788" y="1681163"/>
-            <a:ext cx="5157787" cy="823912"/>
+            <a:off x="1141804" y="2088320"/>
+            <a:ext cx="4879199" cy="823912"/>
           </a:xfrm>
         </p:spPr>
         <p:txBody>
           <a:bodyPr anchor="b"/>
           <a:lstStyle>
             <a:lvl1pPr marL="0" indent="0">
+              <a:lnSpc>
+                <a:spcPct val="100000"/>
+              </a:lnSpc>
               <a:buNone/>
               <a:defRPr sz="2400" b="1"/>
             </a:lvl1pPr>
@@ -1599,13 +6833,7 @@
       </p:sp>
       <p:sp>
         <p:nvSpPr>
-          <p:cNvPr id="4" name="Symbol zastępczy zawartości 3">
-            <a:extLst>
-              <a:ext uri="{FF2B5EF4-FFF2-40B4-BE49-F238E27FC236}">
-                <a16:creationId xmlns:a16="http://schemas.microsoft.com/office/drawing/2014/main" id="{2A1E63EB-9131-9955-C872-9EE32FC89A4E}"/>
-              </a:ext>
-            </a:extLst>
-          </p:cNvPr>
+          <p:cNvPr id="4" name="Content Placeholder 3"/>
           <p:cNvSpPr>
             <a:spLocks noGrp="1"/>
           </p:cNvSpPr>
@@ -1615,8 +6843,8 @@
         </p:nvSpPr>
         <p:spPr>
           <a:xfrm>
-            <a:off x="839788" y="2505075"/>
-            <a:ext cx="5157787" cy="3684588"/>
+            <a:off x="913795" y="2912232"/>
+            <a:ext cx="5107208" cy="2878968"/>
           </a:xfrm>
         </p:spPr>
         <p:txBody>
@@ -1656,18 +6884,13 @@
               <a:rPr lang="pl-PL"/>
               <a:t>Piąty poziom</a:t>
             </a:r>
-          </a:p>
-        </p:txBody>
-      </p:sp>
-      <p:sp>
-        <p:nvSpPr>
-          <p:cNvPr id="5" name="Symbol zastępczy tekstu 4">
-            <a:extLst>
-              <a:ext uri="{FF2B5EF4-FFF2-40B4-BE49-F238E27FC236}">
-                <a16:creationId xmlns:a16="http://schemas.microsoft.com/office/drawing/2014/main" id="{586695D5-D8DE-E73F-E154-F4F25733A6F2}"/>
-              </a:ext>
-            </a:extLst>
-          </p:cNvPr>
+            <a:endParaRPr lang="en-US" dirty="0"/>
+          </a:p>
+        </p:txBody>
+      </p:sp>
+      <p:sp>
+        <p:nvSpPr>
+          <p:cNvPr id="5" name="Text Placeholder 4"/>
           <p:cNvSpPr>
             <a:spLocks noGrp="1"/>
           </p:cNvSpPr>
@@ -1677,14 +6900,17 @@
         </p:nvSpPr>
         <p:spPr>
           <a:xfrm>
-            <a:off x="6172200" y="1681163"/>
-            <a:ext cx="5183188" cy="823912"/>
+            <a:off x="6402003" y="2088320"/>
+            <a:ext cx="4865554" cy="823912"/>
           </a:xfrm>
         </p:spPr>
         <p:txBody>
           <a:bodyPr anchor="b"/>
           <a:lstStyle>
             <a:lvl1pPr marL="0" indent="0">
+              <a:lnSpc>
+                <a:spcPct val="100000"/>
+              </a:lnSpc>
               <a:buNone/>
               <a:defRPr sz="2400" b="1"/>
             </a:lvl1pPr>
@@ -1732,13 +6958,7 @@
       </p:sp>
       <p:sp>
         <p:nvSpPr>
-          <p:cNvPr id="6" name="Symbol zastępczy zawartości 5">
-            <a:extLst>
-              <a:ext uri="{FF2B5EF4-FFF2-40B4-BE49-F238E27FC236}">
-                <a16:creationId xmlns:a16="http://schemas.microsoft.com/office/drawing/2014/main" id="{659D57FC-70E5-6953-2F7A-06B0DB22B07D}"/>
-              </a:ext>
-            </a:extLst>
-          </p:cNvPr>
+          <p:cNvPr id="6" name="Content Placeholder 5"/>
           <p:cNvSpPr>
             <a:spLocks noGrp="1"/>
           </p:cNvSpPr>
@@ -1748,8 +6968,8 @@
         </p:nvSpPr>
         <p:spPr>
           <a:xfrm>
-            <a:off x="6172200" y="2505075"/>
-            <a:ext cx="5183188" cy="3684588"/>
+            <a:off x="6172200" y="2912232"/>
+            <a:ext cx="5095357" cy="2878968"/>
           </a:xfrm>
         </p:spPr>
         <p:txBody>
@@ -1789,18 +7009,13 @@
               <a:rPr lang="pl-PL"/>
               <a:t>Piąty poziom</a:t>
             </a:r>
-          </a:p>
-        </p:txBody>
-      </p:sp>
-      <p:sp>
-        <p:nvSpPr>
-          <p:cNvPr id="7" name="Symbol zastępczy daty 6">
-            <a:extLst>
-              <a:ext uri="{FF2B5EF4-FFF2-40B4-BE49-F238E27FC236}">
-                <a16:creationId xmlns:a16="http://schemas.microsoft.com/office/drawing/2014/main" id="{59408D5F-2DC4-BFC7-D9F9-7A48EE7B51A4}"/>
-              </a:ext>
-            </a:extLst>
-          </p:cNvPr>
+            <a:endParaRPr lang="en-US" dirty="0"/>
+          </a:p>
+        </p:txBody>
+      </p:sp>
+      <p:sp>
+        <p:nvSpPr>
+          <p:cNvPr id="7" name="Date Placeholder 6"/>
           <p:cNvSpPr>
             <a:spLocks noGrp="1"/>
           </p:cNvSpPr>
@@ -1823,13 +7038,7 @@
       </p:sp>
       <p:sp>
         <p:nvSpPr>
-          <p:cNvPr id="8" name="Symbol zastępczy stopki 7">
-            <a:extLst>
-              <a:ext uri="{FF2B5EF4-FFF2-40B4-BE49-F238E27FC236}">
-                <a16:creationId xmlns:a16="http://schemas.microsoft.com/office/drawing/2014/main" id="{0AE6752A-840C-FAD1-3FEF-8076E7CC148D}"/>
-              </a:ext>
-            </a:extLst>
-          </p:cNvPr>
+          <p:cNvPr id="8" name="Footer Placeholder 7"/>
           <p:cNvSpPr>
             <a:spLocks noGrp="1"/>
           </p:cNvSpPr>
@@ -1848,13 +7057,7 @@
       </p:sp>
       <p:sp>
         <p:nvSpPr>
-          <p:cNvPr id="9" name="Symbol zastępczy numeru slajdu 8">
-            <a:extLst>
-              <a:ext uri="{FF2B5EF4-FFF2-40B4-BE49-F238E27FC236}">
-                <a16:creationId xmlns:a16="http://schemas.microsoft.com/office/drawing/2014/main" id="{DB684FCF-B397-E1CC-496D-ACF8D7DE4D74}"/>
-              </a:ext>
-            </a:extLst>
-          </p:cNvPr>
+          <p:cNvPr id="9" name="Slide Number Placeholder 8"/>
           <p:cNvSpPr>
             <a:spLocks noGrp="1"/>
           </p:cNvSpPr>
@@ -1878,7 +7081,7 @@
     </p:spTree>
     <p:extLst>
       <p:ext uri="{BB962C8B-B14F-4D97-AF65-F5344CB8AC3E}">
-        <p14:creationId xmlns:p14="http://schemas.microsoft.com/office/powerpoint/2010/main" val="2627029642"/>
+        <p14:creationId xmlns:p14="http://schemas.microsoft.com/office/powerpoint/2010/main" val="339221289"/>
       </p:ext>
     </p:extLst>
   </p:cSld>
@@ -1907,13 +7110,7 @@
       </p:grpSpPr>
       <p:sp>
         <p:nvSpPr>
-          <p:cNvPr id="2" name="Tytuł 1">
-            <a:extLst>
-              <a:ext uri="{FF2B5EF4-FFF2-40B4-BE49-F238E27FC236}">
-                <a16:creationId xmlns:a16="http://schemas.microsoft.com/office/drawing/2014/main" id="{0ECE3BFD-53FC-AC26-0E86-3AE9FE233816}"/>
-              </a:ext>
-            </a:extLst>
-          </p:cNvPr>
+          <p:cNvPr id="2" name="Title 1"/>
           <p:cNvSpPr>
             <a:spLocks noGrp="1"/>
           </p:cNvSpPr>
@@ -1930,18 +7127,13 @@
               <a:rPr lang="pl-PL"/>
               <a:t>Kliknij, aby edytować styl</a:t>
             </a:r>
-          </a:p>
-        </p:txBody>
-      </p:sp>
-      <p:sp>
-        <p:nvSpPr>
-          <p:cNvPr id="3" name="Symbol zastępczy daty 2">
-            <a:extLst>
-              <a:ext uri="{FF2B5EF4-FFF2-40B4-BE49-F238E27FC236}">
-                <a16:creationId xmlns:a16="http://schemas.microsoft.com/office/drawing/2014/main" id="{8AC2C0DA-2C72-2383-08A4-66D4A7157968}"/>
-              </a:ext>
-            </a:extLst>
-          </p:cNvPr>
+            <a:endParaRPr lang="en-US" dirty="0"/>
+          </a:p>
+        </p:txBody>
+      </p:sp>
+      <p:sp>
+        <p:nvSpPr>
+          <p:cNvPr id="3" name="Date Placeholder 2"/>
           <p:cNvSpPr>
             <a:spLocks noGrp="1"/>
           </p:cNvSpPr>
@@ -1964,13 +7156,7 @@
       </p:sp>
       <p:sp>
         <p:nvSpPr>
-          <p:cNvPr id="4" name="Symbol zastępczy stopki 3">
-            <a:extLst>
-              <a:ext uri="{FF2B5EF4-FFF2-40B4-BE49-F238E27FC236}">
-                <a16:creationId xmlns:a16="http://schemas.microsoft.com/office/drawing/2014/main" id="{9EFCFE83-C5FE-EF3B-699F-28281C8257D9}"/>
-              </a:ext>
-            </a:extLst>
-          </p:cNvPr>
+          <p:cNvPr id="4" name="Footer Placeholder 3"/>
           <p:cNvSpPr>
             <a:spLocks noGrp="1"/>
           </p:cNvSpPr>
@@ -1989,13 +7175,7 @@
       </p:sp>
       <p:sp>
         <p:nvSpPr>
-          <p:cNvPr id="5" name="Symbol zastępczy numeru slajdu 4">
-            <a:extLst>
-              <a:ext uri="{FF2B5EF4-FFF2-40B4-BE49-F238E27FC236}">
-                <a16:creationId xmlns:a16="http://schemas.microsoft.com/office/drawing/2014/main" id="{18800C58-B710-B517-E8CA-6D6623F1DEA7}"/>
-              </a:ext>
-            </a:extLst>
-          </p:cNvPr>
+          <p:cNvPr id="5" name="Slide Number Placeholder 4"/>
           <p:cNvSpPr>
             <a:spLocks noGrp="1"/>
           </p:cNvSpPr>
@@ -2019,7 +7199,7 @@
     </p:spTree>
     <p:extLst>
       <p:ext uri="{BB962C8B-B14F-4D97-AF65-F5344CB8AC3E}">
-        <p14:creationId xmlns:p14="http://schemas.microsoft.com/office/powerpoint/2010/main" val="71234190"/>
+        <p14:creationId xmlns:p14="http://schemas.microsoft.com/office/powerpoint/2010/main" val="1161169326"/>
       </p:ext>
     </p:extLst>
   </p:cSld>
@@ -2048,13 +7228,7 @@
       </p:grpSpPr>
       <p:sp>
         <p:nvSpPr>
-          <p:cNvPr id="2" name="Symbol zastępczy daty 1">
-            <a:extLst>
-              <a:ext uri="{FF2B5EF4-FFF2-40B4-BE49-F238E27FC236}">
-                <a16:creationId xmlns:a16="http://schemas.microsoft.com/office/drawing/2014/main" id="{14F29789-AD7A-F69D-67B0-8777CD34166E}"/>
-              </a:ext>
-            </a:extLst>
-          </p:cNvPr>
+          <p:cNvPr id="2" name="Date Placeholder 1"/>
           <p:cNvSpPr>
             <a:spLocks noGrp="1"/>
           </p:cNvSpPr>
@@ -2077,13 +7251,7 @@
       </p:sp>
       <p:sp>
         <p:nvSpPr>
-          <p:cNvPr id="3" name="Symbol zastępczy stopki 2">
-            <a:extLst>
-              <a:ext uri="{FF2B5EF4-FFF2-40B4-BE49-F238E27FC236}">
-                <a16:creationId xmlns:a16="http://schemas.microsoft.com/office/drawing/2014/main" id="{24FA0DE4-013D-743E-AD60-6E44360D8688}"/>
-              </a:ext>
-            </a:extLst>
-          </p:cNvPr>
+          <p:cNvPr id="3" name="Footer Placeholder 2"/>
           <p:cNvSpPr>
             <a:spLocks noGrp="1"/>
           </p:cNvSpPr>
@@ -2102,13 +7270,7 @@
       </p:sp>
       <p:sp>
         <p:nvSpPr>
-          <p:cNvPr id="4" name="Symbol zastępczy numeru slajdu 3">
-            <a:extLst>
-              <a:ext uri="{FF2B5EF4-FFF2-40B4-BE49-F238E27FC236}">
-                <a16:creationId xmlns:a16="http://schemas.microsoft.com/office/drawing/2014/main" id="{8CB70406-B679-B366-01F6-E11ADE8CCDE4}"/>
-              </a:ext>
-            </a:extLst>
-          </p:cNvPr>
+          <p:cNvPr id="4" name="Slide Number Placeholder 3"/>
           <p:cNvSpPr>
             <a:spLocks noGrp="1"/>
           </p:cNvSpPr>
@@ -2132,7 +7294,7 @@
     </p:spTree>
     <p:extLst>
       <p:ext uri="{BB962C8B-B14F-4D97-AF65-F5344CB8AC3E}">
-        <p14:creationId xmlns:p14="http://schemas.microsoft.com/office/powerpoint/2010/main" val="2137212579"/>
+        <p14:creationId xmlns:p14="http://schemas.microsoft.com/office/powerpoint/2010/main" val="353108517"/>
       </p:ext>
     </p:extLst>
   </p:cSld>
@@ -2161,13 +7323,7 @@
       </p:grpSpPr>
       <p:sp>
         <p:nvSpPr>
-          <p:cNvPr id="2" name="Tytuł 1">
-            <a:extLst>
-              <a:ext uri="{FF2B5EF4-FFF2-40B4-BE49-F238E27FC236}">
-                <a16:creationId xmlns:a16="http://schemas.microsoft.com/office/drawing/2014/main" id="{F25C3C92-C0DE-6ADF-CD6F-81D21F8BE652}"/>
-              </a:ext>
-            </a:extLst>
-          </p:cNvPr>
+          <p:cNvPr id="2" name="Title 1"/>
           <p:cNvSpPr>
             <a:spLocks noGrp="1"/>
           </p:cNvSpPr>
@@ -2177,15 +7333,17 @@
         </p:nvSpPr>
         <p:spPr>
           <a:xfrm>
-            <a:off x="839788" y="457200"/>
-            <a:ext cx="3932237" cy="1600200"/>
+            <a:off x="917228" y="609600"/>
+            <a:ext cx="3932237" cy="2362200"/>
           </a:xfrm>
         </p:spPr>
         <p:txBody>
-          <a:bodyPr anchor="b"/>
+          <a:bodyPr anchor="b">
+            <a:normAutofit/>
+          </a:bodyPr>
           <a:lstStyle>
             <a:lvl1pPr>
-              <a:defRPr sz="3200"/>
+              <a:defRPr sz="2800"/>
             </a:lvl1pPr>
           </a:lstStyle>
           <a:p>
@@ -2193,18 +7351,13 @@
               <a:rPr lang="pl-PL"/>
               <a:t>Kliknij, aby edytować styl</a:t>
             </a:r>
-          </a:p>
-        </p:txBody>
-      </p:sp>
-      <p:sp>
-        <p:nvSpPr>
-          <p:cNvPr id="3" name="Symbol zastępczy zawartości 2">
-            <a:extLst>
-              <a:ext uri="{FF2B5EF4-FFF2-40B4-BE49-F238E27FC236}">
-                <a16:creationId xmlns:a16="http://schemas.microsoft.com/office/drawing/2014/main" id="{79E3FFD6-4475-7325-62FE-F93C9FADC564}"/>
-              </a:ext>
-            </a:extLst>
-          </p:cNvPr>
+            <a:endParaRPr lang="en-US" dirty="0"/>
+          </a:p>
+        </p:txBody>
+      </p:sp>
+      <p:sp>
+        <p:nvSpPr>
+          <p:cNvPr id="3" name="Content Placeholder 2"/>
           <p:cNvSpPr>
             <a:spLocks noGrp="1"/>
           </p:cNvSpPr>
@@ -2214,104 +7367,71 @@
         </p:nvSpPr>
         <p:spPr>
           <a:xfrm>
-            <a:off x="5183188" y="987425"/>
-            <a:ext cx="6172200" cy="4873625"/>
+            <a:off x="5078064" y="609600"/>
+            <a:ext cx="6189492" cy="5181600"/>
           </a:xfrm>
         </p:spPr>
         <p:txBody>
+          <a:bodyPr anchor="ctr"/>
+          <a:lstStyle/>
+          <a:p>
+            <a:pPr lvl="0"/>
+            <a:r>
+              <a:rPr lang="pl-PL"/>
+              <a:t>Kliknij, aby edytować style wzorca tekstu</a:t>
+            </a:r>
+          </a:p>
+          <a:p>
+            <a:pPr lvl="1"/>
+            <a:r>
+              <a:rPr lang="pl-PL"/>
+              <a:t>Drugi poziom</a:t>
+            </a:r>
+          </a:p>
+          <a:p>
+            <a:pPr lvl="2"/>
+            <a:r>
+              <a:rPr lang="pl-PL"/>
+              <a:t>Trzeci poziom</a:t>
+            </a:r>
+          </a:p>
+          <a:p>
+            <a:pPr lvl="3"/>
+            <a:r>
+              <a:rPr lang="pl-PL"/>
+              <a:t>Czwarty poziom</a:t>
+            </a:r>
+          </a:p>
+          <a:p>
+            <a:pPr lvl="4"/>
+            <a:r>
+              <a:rPr lang="pl-PL"/>
+              <a:t>Piąty poziom</a:t>
+            </a:r>
+            <a:endParaRPr lang="en-US" dirty="0"/>
+          </a:p>
+        </p:txBody>
+      </p:sp>
+      <p:sp>
+        <p:nvSpPr>
+          <p:cNvPr id="4" name="Text Placeholder 3"/>
+          <p:cNvSpPr>
+            <a:spLocks noGrp="1"/>
+          </p:cNvSpPr>
+          <p:nvPr>
+            <p:ph type="body" sz="half" idx="2"/>
+          </p:nvPr>
+        </p:nvSpPr>
+        <p:spPr>
+          <a:xfrm>
+            <a:off x="917228" y="2971800"/>
+            <a:ext cx="3932237" cy="2819399"/>
+          </a:xfrm>
+        </p:spPr>
+        <p:txBody>
           <a:bodyPr/>
           <a:lstStyle>
-            <a:lvl1pPr>
-              <a:defRPr sz="3200"/>
-            </a:lvl1pPr>
-            <a:lvl2pPr>
-              <a:defRPr sz="2800"/>
-            </a:lvl2pPr>
-            <a:lvl3pPr>
-              <a:defRPr sz="2400"/>
-            </a:lvl3pPr>
-            <a:lvl4pPr>
-              <a:defRPr sz="2000"/>
-            </a:lvl4pPr>
-            <a:lvl5pPr>
-              <a:defRPr sz="2000"/>
-            </a:lvl5pPr>
-            <a:lvl6pPr>
-              <a:defRPr sz="2000"/>
-            </a:lvl6pPr>
-            <a:lvl7pPr>
-              <a:defRPr sz="2000"/>
-            </a:lvl7pPr>
-            <a:lvl8pPr>
-              <a:defRPr sz="2000"/>
-            </a:lvl8pPr>
-            <a:lvl9pPr>
-              <a:defRPr sz="2000"/>
-            </a:lvl9pPr>
-          </a:lstStyle>
-          <a:p>
-            <a:pPr lvl="0"/>
-            <a:r>
-              <a:rPr lang="pl-PL"/>
-              <a:t>Kliknij, aby edytować style wzorca tekstu</a:t>
-            </a:r>
-          </a:p>
-          <a:p>
-            <a:pPr lvl="1"/>
-            <a:r>
-              <a:rPr lang="pl-PL"/>
-              <a:t>Drugi poziom</a:t>
-            </a:r>
-          </a:p>
-          <a:p>
-            <a:pPr lvl="2"/>
-            <a:r>
-              <a:rPr lang="pl-PL"/>
-              <a:t>Trzeci poziom</a:t>
-            </a:r>
-          </a:p>
-          <a:p>
-            <a:pPr lvl="3"/>
-            <a:r>
-              <a:rPr lang="pl-PL"/>
-              <a:t>Czwarty poziom</a:t>
-            </a:r>
-          </a:p>
-          <a:p>
-            <a:pPr lvl="4"/>
-            <a:r>
-              <a:rPr lang="pl-PL"/>
-              <a:t>Piąty poziom</a:t>
-            </a:r>
-          </a:p>
-        </p:txBody>
-      </p:sp>
-      <p:sp>
-        <p:nvSpPr>
-          <p:cNvPr id="4" name="Symbol zastępczy tekstu 3">
-            <a:extLst>
-              <a:ext uri="{FF2B5EF4-FFF2-40B4-BE49-F238E27FC236}">
-                <a16:creationId xmlns:a16="http://schemas.microsoft.com/office/drawing/2014/main" id="{B339C609-1A38-58B7-4D95-EEA23B50E3EB}"/>
-              </a:ext>
-            </a:extLst>
-          </p:cNvPr>
-          <p:cNvSpPr>
-            <a:spLocks noGrp="1"/>
-          </p:cNvSpPr>
-          <p:nvPr>
-            <p:ph type="body" sz="half" idx="2"/>
-          </p:nvPr>
-        </p:nvSpPr>
-        <p:spPr>
-          <a:xfrm>
-            <a:off x="839788" y="2057400"/>
-            <a:ext cx="3932237" cy="3811588"/>
-          </a:xfrm>
-        </p:spPr>
-        <p:txBody>
-          <a:bodyPr/>
-          <a:lstStyle>
-            <a:lvl1pPr marL="0" indent="0">
+            <a:lvl1pPr marL="0" indent="0" algn="ctr">
               <a:buNone/>
               <a:defRPr sz="1600"/>
             </a:lvl1pPr>
@@ -2359,13 +7479,7 @@
       </p:sp>
       <p:sp>
         <p:nvSpPr>
-          <p:cNvPr id="5" name="Symbol zastępczy daty 4">
-            <a:extLst>
-              <a:ext uri="{FF2B5EF4-FFF2-40B4-BE49-F238E27FC236}">
-                <a16:creationId xmlns:a16="http://schemas.microsoft.com/office/drawing/2014/main" id="{F9083E76-CC8A-4B76-8095-48EE26BD7AB2}"/>
-              </a:ext>
-            </a:extLst>
-          </p:cNvPr>
+          <p:cNvPr id="5" name="Date Placeholder 4"/>
           <p:cNvSpPr>
             <a:spLocks noGrp="1"/>
           </p:cNvSpPr>
@@ -2388,13 +7502,7 @@
       </p:sp>
       <p:sp>
         <p:nvSpPr>
-          <p:cNvPr id="6" name="Symbol zastępczy stopki 5">
-            <a:extLst>
-              <a:ext uri="{FF2B5EF4-FFF2-40B4-BE49-F238E27FC236}">
-                <a16:creationId xmlns:a16="http://schemas.microsoft.com/office/drawing/2014/main" id="{7121F6C2-EBC3-3CDA-6A37-FF84C2D9912D}"/>
-              </a:ext>
-            </a:extLst>
-          </p:cNvPr>
+          <p:cNvPr id="6" name="Footer Placeholder 5"/>
           <p:cNvSpPr>
             <a:spLocks noGrp="1"/>
           </p:cNvSpPr>
@@ -2413,13 +7521,7 @@
       </p:sp>
       <p:sp>
         <p:nvSpPr>
-          <p:cNvPr id="7" name="Symbol zastępczy numeru slajdu 6">
-            <a:extLst>
-              <a:ext uri="{FF2B5EF4-FFF2-40B4-BE49-F238E27FC236}">
-                <a16:creationId xmlns:a16="http://schemas.microsoft.com/office/drawing/2014/main" id="{301ABDB4-9285-C60B-14F6-5FF442BAE035}"/>
-              </a:ext>
-            </a:extLst>
-          </p:cNvPr>
+          <p:cNvPr id="7" name="Slide Number Placeholder 6"/>
           <p:cNvSpPr>
             <a:spLocks noGrp="1"/>
           </p:cNvSpPr>
@@ -2443,7 +7545,7 @@
     </p:spTree>
     <p:extLst>
       <p:ext uri="{BB962C8B-B14F-4D97-AF65-F5344CB8AC3E}">
-        <p14:creationId xmlns:p14="http://schemas.microsoft.com/office/powerpoint/2010/main" val="3993566710"/>
+        <p14:creationId xmlns:p14="http://schemas.microsoft.com/office/powerpoint/2010/main" val="2591791241"/>
       </p:ext>
     </p:extLst>
   </p:cSld>
@@ -2472,13 +7574,7 @@
       </p:grpSpPr>
       <p:sp>
         <p:nvSpPr>
-          <p:cNvPr id="2" name="Tytuł 1">
-            <a:extLst>
-              <a:ext uri="{FF2B5EF4-FFF2-40B4-BE49-F238E27FC236}">
-                <a16:creationId xmlns:a16="http://schemas.microsoft.com/office/drawing/2014/main" id="{9DC22E39-1F56-FA5C-DC9E-CA0DB1CD3D19}"/>
-              </a:ext>
-            </a:extLst>
-          </p:cNvPr>
+          <p:cNvPr id="2" name="Title 1"/>
           <p:cNvSpPr>
             <a:spLocks noGrp="1"/>
           </p:cNvSpPr>
@@ -2488,12 +7584,14 @@
         </p:nvSpPr>
         <p:spPr>
           <a:xfrm>
-            <a:off x="839788" y="457200"/>
-            <a:ext cx="3932237" cy="1600200"/>
+            <a:off x="917227" y="609600"/>
+            <a:ext cx="5929773" cy="2362200"/>
           </a:xfrm>
         </p:spPr>
         <p:txBody>
-          <a:bodyPr anchor="b"/>
+          <a:bodyPr anchor="b">
+            <a:normAutofit/>
+          </a:bodyPr>
           <a:lstStyle>
             <a:lvl1pPr>
               <a:defRPr sz="3200"/>
@@ -2504,20 +7602,15 @@
               <a:rPr lang="pl-PL"/>
               <a:t>Kliknij, aby edytować styl</a:t>
             </a:r>
-          </a:p>
-        </p:txBody>
-      </p:sp>
-      <p:sp>
-        <p:nvSpPr>
-          <p:cNvPr id="3" name="Symbol zastępczy obrazu 2">
-            <a:extLst>
-              <a:ext uri="{FF2B5EF4-FFF2-40B4-BE49-F238E27FC236}">
-                <a16:creationId xmlns:a16="http://schemas.microsoft.com/office/drawing/2014/main" id="{AECE49DB-92EC-CCA7-F7BF-EBD936DC1C33}"/>
-              </a:ext>
-            </a:extLst>
-          </p:cNvPr>
-          <p:cNvSpPr>
-            <a:spLocks noGrp="1"/>
+            <a:endParaRPr lang="en-US" dirty="0"/>
+          </a:p>
+        </p:txBody>
+      </p:sp>
+      <p:sp>
+        <p:nvSpPr>
+          <p:cNvPr id="3" name="Picture Placeholder 2"/>
+          <p:cNvSpPr>
+            <a:spLocks noGrp="1" noChangeAspect="1"/>
           </p:cNvSpPr>
           <p:nvPr>
             <p:ph type="pic" idx="1"/>
@@ -2525,14 +7618,40 @@
         </p:nvSpPr>
         <p:spPr>
           <a:xfrm>
-            <a:off x="5183188" y="987425"/>
-            <a:ext cx="6172200" cy="4873625"/>
+            <a:off x="7424804" y="758881"/>
+            <a:ext cx="3255356" cy="4883038"/>
           </a:xfrm>
+          <a:noFill/>
+          <a:ln w="190500" cap="sq">
+            <a:solidFill>
+              <a:srgbClr val="FFFFFF"/>
+            </a:solidFill>
+            <a:miter lim="800000"/>
+          </a:ln>
+          <a:effectLst>
+            <a:outerShdw blurRad="55000" dist="18000" dir="5400000" algn="tl" rotWithShape="0">
+              <a:srgbClr val="000000">
+                <a:alpha val="40000"/>
+              </a:srgbClr>
+            </a:outerShdw>
+          </a:effectLst>
+          <a:scene3d>
+            <a:camera prst="orthographicFront"/>
+            <a:lightRig rig="twoPt" dir="t">
+              <a:rot lat="0" lon="0" rev="7200000"/>
+            </a:lightRig>
+          </a:scene3d>
+          <a:sp3d>
+            <a:bevelT w="25400" h="19050"/>
+            <a:contourClr>
+              <a:srgbClr val="FFFFFF"/>
+            </a:contourClr>
+          </a:sp3d>
         </p:spPr>
         <p:txBody>
-          <a:bodyPr/>
+          <a:bodyPr anchor="t"/>
           <a:lstStyle>
-            <a:lvl1pPr marL="0" indent="0">
+            <a:lvl1pPr marL="0" indent="0" algn="ctr">
               <a:buNone/>
               <a:defRPr sz="3200"/>
             </a:lvl1pPr>
@@ -2570,19 +7689,17 @@
             </a:lvl9pPr>
           </a:lstStyle>
           <a:p>
-            <a:endParaRPr lang="pl-PL"/>
-          </a:p>
-        </p:txBody>
-      </p:sp>
-      <p:sp>
-        <p:nvSpPr>
-          <p:cNvPr id="4" name="Symbol zastępczy tekstu 3">
-            <a:extLst>
-              <a:ext uri="{FF2B5EF4-FFF2-40B4-BE49-F238E27FC236}">
-                <a16:creationId xmlns:a16="http://schemas.microsoft.com/office/drawing/2014/main" id="{860D2342-0542-EA3E-EBBE-DC2F24C7E65D}"/>
-              </a:ext>
-            </a:extLst>
-          </p:cNvPr>
+            <a:r>
+              <a:rPr lang="pl-PL"/>
+              <a:t>Kliknij ikonę, aby dodać obraz</a:t>
+            </a:r>
+            <a:endParaRPr lang="en-US" dirty="0"/>
+          </a:p>
+        </p:txBody>
+      </p:sp>
+      <p:sp>
+        <p:nvSpPr>
+          <p:cNvPr id="4" name="Text Placeholder 3"/>
           <p:cNvSpPr>
             <a:spLocks noGrp="1"/>
           </p:cNvSpPr>
@@ -2592,16 +7709,18 @@
         </p:nvSpPr>
         <p:spPr>
           <a:xfrm>
-            <a:off x="839788" y="2057400"/>
-            <a:ext cx="3932237" cy="3811588"/>
+            <a:off x="913794" y="2971800"/>
+            <a:ext cx="5934950" cy="2819400"/>
           </a:xfrm>
         </p:spPr>
         <p:txBody>
-          <a:bodyPr/>
+          <a:bodyPr>
+            <a:normAutofit/>
+          </a:bodyPr>
           <a:lstStyle>
-            <a:lvl1pPr marL="0" indent="0">
-              <a:buNone/>
-              <a:defRPr sz="1600"/>
+            <a:lvl1pPr marL="0" indent="0" algn="ctr">
+              <a:buNone/>
+              <a:defRPr sz="1800"/>
             </a:lvl1pPr>
             <a:lvl2pPr marL="457200" indent="0">
               <a:buNone/>
@@ -2647,13 +7766,7 @@
       </p:sp>
       <p:sp>
         <p:nvSpPr>
-          <p:cNvPr id="5" name="Symbol zastępczy daty 4">
-            <a:extLst>
-              <a:ext uri="{FF2B5EF4-FFF2-40B4-BE49-F238E27FC236}">
-                <a16:creationId xmlns:a16="http://schemas.microsoft.com/office/drawing/2014/main" id="{4C85D5D2-1008-5DD1-2B82-656E8DE180E9}"/>
-              </a:ext>
-            </a:extLst>
-          </p:cNvPr>
+          <p:cNvPr id="5" name="Date Placeholder 4"/>
           <p:cNvSpPr>
             <a:spLocks noGrp="1"/>
           </p:cNvSpPr>
@@ -2676,13 +7789,7 @@
       </p:sp>
       <p:sp>
         <p:nvSpPr>
-          <p:cNvPr id="6" name="Symbol zastępczy stopki 5">
-            <a:extLst>
-              <a:ext uri="{FF2B5EF4-FFF2-40B4-BE49-F238E27FC236}">
-                <a16:creationId xmlns:a16="http://schemas.microsoft.com/office/drawing/2014/main" id="{9BD6C000-CD95-FE36-204E-30F71F2D36F1}"/>
-              </a:ext>
-            </a:extLst>
-          </p:cNvPr>
+          <p:cNvPr id="6" name="Footer Placeholder 5"/>
           <p:cNvSpPr>
             <a:spLocks noGrp="1"/>
           </p:cNvSpPr>
@@ -2701,13 +7808,7 @@
       </p:sp>
       <p:sp>
         <p:nvSpPr>
-          <p:cNvPr id="7" name="Symbol zastępczy numeru slajdu 6">
-            <a:extLst>
-              <a:ext uri="{FF2B5EF4-FFF2-40B4-BE49-F238E27FC236}">
-                <a16:creationId xmlns:a16="http://schemas.microsoft.com/office/drawing/2014/main" id="{666001D1-E767-594D-26D2-283E68FF47B5}"/>
-              </a:ext>
-            </a:extLst>
-          </p:cNvPr>
+          <p:cNvPr id="7" name="Slide Number Placeholder 6"/>
           <p:cNvSpPr>
             <a:spLocks noGrp="1"/>
           </p:cNvSpPr>
@@ -2731,7 +7832,7 @@
     </p:spTree>
     <p:extLst>
       <p:ext uri="{BB962C8B-B14F-4D97-AF65-F5344CB8AC3E}">
-        <p14:creationId xmlns:p14="http://schemas.microsoft.com/office/powerpoint/2010/main" val="1874962858"/>
+        <p14:creationId xmlns:p14="http://schemas.microsoft.com/office/powerpoint/2010/main" val="2610661845"/>
       </p:ext>
     </p:extLst>
   </p:cSld>
@@ -2745,8 +7846,8 @@
 <p:sldMaster xmlns:a="http://schemas.openxmlformats.org/drawingml/2006/main" xmlns:r="http://schemas.openxmlformats.org/officeDocument/2006/relationships" xmlns:p="http://schemas.openxmlformats.org/presentationml/2006/main">
   <p:cSld>
     <p:bg>
-      <p:bgRef idx="1001">
-        <a:schemeClr val="bg1"/>
+      <p:bgRef idx="1003">
+        <a:schemeClr val="bg2"/>
       </p:bgRef>
     </p:bg>
     <p:spTree>
@@ -2765,13 +7866,7 @@
       </p:grpSpPr>
       <p:sp>
         <p:nvSpPr>
-          <p:cNvPr id="2" name="Symbol zastępczy tytułu 1">
-            <a:extLst>
-              <a:ext uri="{FF2B5EF4-FFF2-40B4-BE49-F238E27FC236}">
-                <a16:creationId xmlns:a16="http://schemas.microsoft.com/office/drawing/2014/main" id="{BD9535D4-3B85-36F3-F7DA-E158449E265B}"/>
-              </a:ext>
-            </a:extLst>
-          </p:cNvPr>
+          <p:cNvPr id="2" name="Title Placeholder 1"/>
           <p:cNvSpPr>
             <a:spLocks noGrp="1"/>
           </p:cNvSpPr>
@@ -2781,8 +7876,8 @@
         </p:nvSpPr>
         <p:spPr>
           <a:xfrm>
-            <a:off x="838200" y="365125"/>
-            <a:ext cx="10515600" cy="1325563"/>
+            <a:off x="913795" y="609600"/>
+            <a:ext cx="10353761" cy="1326321"/>
           </a:xfrm>
           <a:prstGeom prst="rect">
             <a:avLst/>
@@ -2798,18 +7893,13 @@
               <a:rPr lang="pl-PL"/>
               <a:t>Kliknij, aby edytować styl</a:t>
             </a:r>
-          </a:p>
-        </p:txBody>
-      </p:sp>
-      <p:sp>
-        <p:nvSpPr>
-          <p:cNvPr id="3" name="Symbol zastępczy tekstu 2">
-            <a:extLst>
-              <a:ext uri="{FF2B5EF4-FFF2-40B4-BE49-F238E27FC236}">
-                <a16:creationId xmlns:a16="http://schemas.microsoft.com/office/drawing/2014/main" id="{05EA88B9-40F2-8CF1-0C1D-9EB025FAA78C}"/>
-              </a:ext>
-            </a:extLst>
-          </p:cNvPr>
+            <a:endParaRPr lang="en-US" dirty="0"/>
+          </a:p>
+        </p:txBody>
+      </p:sp>
+      <p:sp>
+        <p:nvSpPr>
+          <p:cNvPr id="3" name="Text Placeholder 2"/>
           <p:cNvSpPr>
             <a:spLocks noGrp="1"/>
           </p:cNvSpPr>
@@ -2819,8 +7909,8 @@
         </p:nvSpPr>
         <p:spPr>
           <a:xfrm>
-            <a:off x="838200" y="1825625"/>
-            <a:ext cx="10515600" cy="4351338"/>
+            <a:off x="913795" y="2096064"/>
+            <a:ext cx="10353762" cy="3695136"/>
           </a:xfrm>
           <a:prstGeom prst="rect">
             <a:avLst/>
@@ -2865,18 +7955,13 @@
               <a:rPr lang="pl-PL"/>
               <a:t>Piąty poziom</a:t>
             </a:r>
-          </a:p>
-        </p:txBody>
-      </p:sp>
-      <p:sp>
-        <p:nvSpPr>
-          <p:cNvPr id="4" name="Symbol zastępczy daty 3">
-            <a:extLst>
-              <a:ext uri="{FF2B5EF4-FFF2-40B4-BE49-F238E27FC236}">
-                <a16:creationId xmlns:a16="http://schemas.microsoft.com/office/drawing/2014/main" id="{E5127220-E2D4-EC0C-D98E-F6055F2898EF}"/>
-              </a:ext>
-            </a:extLst>
-          </p:cNvPr>
+            <a:endParaRPr lang="en-US" dirty="0"/>
+          </a:p>
+        </p:txBody>
+      </p:sp>
+      <p:sp>
+        <p:nvSpPr>
+          <p:cNvPr id="4" name="Date Placeholder 3"/>
           <p:cNvSpPr>
             <a:spLocks noGrp="1"/>
           </p:cNvSpPr>
@@ -2886,7 +7971,7 @@
         </p:nvSpPr>
         <p:spPr>
           <a:xfrm>
-            <a:off x="838200" y="6356350"/>
+            <a:off x="7678736" y="5883275"/>
             <a:ext cx="2743200" cy="365125"/>
           </a:xfrm>
           <a:prstGeom prst="rect">
@@ -2896,8 +7981,8 @@
         <p:txBody>
           <a:bodyPr vert="horz" lIns="91440" tIns="45720" rIns="91440" bIns="45720" rtlCol="0" anchor="ctr"/>
           <a:lstStyle>
-            <a:lvl1pPr algn="l">
-              <a:defRPr sz="1200">
+            <a:lvl1pPr algn="r">
+              <a:defRPr sz="1000">
                 <a:solidFill>
                   <a:schemeClr val="tx1">
                     <a:tint val="75000"/>
@@ -2917,13 +8002,7 @@
       </p:sp>
       <p:sp>
         <p:nvSpPr>
-          <p:cNvPr id="5" name="Symbol zastępczy stopki 4">
-            <a:extLst>
-              <a:ext uri="{FF2B5EF4-FFF2-40B4-BE49-F238E27FC236}">
-                <a16:creationId xmlns:a16="http://schemas.microsoft.com/office/drawing/2014/main" id="{1B9655A0-56D5-FD23-4A35-6DC2ED2F98C4}"/>
-              </a:ext>
-            </a:extLst>
-          </p:cNvPr>
+          <p:cNvPr id="5" name="Footer Placeholder 4"/>
           <p:cNvSpPr>
             <a:spLocks noGrp="1"/>
           </p:cNvSpPr>
@@ -2933,8 +8012,8 @@
         </p:nvSpPr>
         <p:spPr>
           <a:xfrm>
-            <a:off x="4038600" y="6356350"/>
-            <a:ext cx="4114800" cy="365125"/>
+            <a:off x="913794" y="5883275"/>
+            <a:ext cx="6672865" cy="365125"/>
           </a:xfrm>
           <a:prstGeom prst="rect">
             <a:avLst/>
@@ -2943,8 +8022,8 @@
         <p:txBody>
           <a:bodyPr vert="horz" lIns="91440" tIns="45720" rIns="91440" bIns="45720" rtlCol="0" anchor="ctr"/>
           <a:lstStyle>
-            <a:lvl1pPr algn="ctr">
-              <a:defRPr sz="1200">
+            <a:lvl1pPr algn="l">
+              <a:defRPr sz="1000">
                 <a:solidFill>
                   <a:schemeClr val="tx1">
                     <a:tint val="75000"/>
@@ -2960,13 +8039,7 @@
       </p:sp>
       <p:sp>
         <p:nvSpPr>
-          <p:cNvPr id="6" name="Symbol zastępczy numeru slajdu 5">
-            <a:extLst>
-              <a:ext uri="{FF2B5EF4-FFF2-40B4-BE49-F238E27FC236}">
-                <a16:creationId xmlns:a16="http://schemas.microsoft.com/office/drawing/2014/main" id="{7FA70563-E036-D7D6-F674-C600EAE53D6D}"/>
-              </a:ext>
-            </a:extLst>
-          </p:cNvPr>
+          <p:cNvPr id="6" name="Slide Number Placeholder 5"/>
           <p:cNvSpPr>
             <a:spLocks noGrp="1"/>
           </p:cNvSpPr>
@@ -2976,8 +8049,8 @@
         </p:nvSpPr>
         <p:spPr>
           <a:xfrm>
-            <a:off x="8610600" y="6356350"/>
-            <a:ext cx="2743200" cy="365125"/>
+            <a:off x="10514011" y="5883275"/>
+            <a:ext cx="753545" cy="365125"/>
           </a:xfrm>
           <a:prstGeom prst="rect">
             <a:avLst/>
@@ -2987,7 +8060,7 @@
           <a:bodyPr vert="horz" lIns="91440" tIns="45720" rIns="91440" bIns="45720" rtlCol="0" anchor="ctr"/>
           <a:lstStyle>
             <a:lvl1pPr algn="r">
-              <a:defRPr sz="1200">
+              <a:defRPr sz="1000">
                 <a:solidFill>
                   <a:schemeClr val="tx1">
                     <a:tint val="75000"/>
@@ -3008,27 +8081,33 @@
     </p:spTree>
     <p:extLst>
       <p:ext uri="{BB962C8B-B14F-4D97-AF65-F5344CB8AC3E}">
-        <p14:creationId xmlns:p14="http://schemas.microsoft.com/office/powerpoint/2010/main" val="3071985915"/>
+        <p14:creationId xmlns:p14="http://schemas.microsoft.com/office/powerpoint/2010/main" val="268107695"/>
       </p:ext>
     </p:extLst>
   </p:cSld>
-  <p:clrMap bg1="lt1" tx1="dk1" bg2="lt2" tx2="dk2" accent1="accent1" accent2="accent2" accent3="accent3" accent4="accent4" accent5="accent5" accent6="accent6" hlink="hlink" folHlink="folHlink"/>
+  <p:clrMap bg1="dk1" tx1="lt1" bg2="dk2" tx2="lt2" accent1="accent1" accent2="accent2" accent3="accent3" accent4="accent4" accent5="accent5" accent6="accent6" hlink="hlink" folHlink="folHlink"/>
   <p:sldLayoutIdLst>
-    <p:sldLayoutId id="2147483649" r:id="rId1"/>
-    <p:sldLayoutId id="2147483650" r:id="rId2"/>
-    <p:sldLayoutId id="2147483651" r:id="rId3"/>
-    <p:sldLayoutId id="2147483652" r:id="rId4"/>
-    <p:sldLayoutId id="2147483653" r:id="rId5"/>
-    <p:sldLayoutId id="2147483654" r:id="rId6"/>
-    <p:sldLayoutId id="2147483655" r:id="rId7"/>
-    <p:sldLayoutId id="2147483656" r:id="rId8"/>
-    <p:sldLayoutId id="2147483657" r:id="rId9"/>
-    <p:sldLayoutId id="2147483658" r:id="rId10"/>
-    <p:sldLayoutId id="2147483659" r:id="rId11"/>
+    <p:sldLayoutId id="2147483661" r:id="rId1"/>
+    <p:sldLayoutId id="2147483662" r:id="rId2"/>
+    <p:sldLayoutId id="2147483663" r:id="rId3"/>
+    <p:sldLayoutId id="2147483664" r:id="rId4"/>
+    <p:sldLayoutId id="2147483665" r:id="rId5"/>
+    <p:sldLayoutId id="2147483666" r:id="rId6"/>
+    <p:sldLayoutId id="2147483667" r:id="rId7"/>
+    <p:sldLayoutId id="2147483668" r:id="rId8"/>
+    <p:sldLayoutId id="2147483669" r:id="rId9"/>
+    <p:sldLayoutId id="2147483670" r:id="rId10"/>
+    <p:sldLayoutId id="2147483671" r:id="rId11"/>
+    <p:sldLayoutId id="2147483672" r:id="rId12"/>
+    <p:sldLayoutId id="2147483673" r:id="rId13"/>
+    <p:sldLayoutId id="2147483674" r:id="rId14"/>
+    <p:sldLayoutId id="2147483675" r:id="rId15"/>
+    <p:sldLayoutId id="2147483676" r:id="rId16"/>
+    <p:sldLayoutId id="2147483677" r:id="rId17"/>
   </p:sldLayoutIdLst>
   <p:txStyles>
     <p:titleStyle>
-      <a:lvl1pPr algn="l" defTabSz="914400" rtl="0" eaLnBrk="1" latinLnBrk="0" hangingPunct="1">
+      <a:lvl1pPr algn="ctr" defTabSz="914400" rtl="0" eaLnBrk="1" latinLnBrk="0" hangingPunct="1">
         <a:lnSpc>
           <a:spcPct val="90000"/>
         </a:lnSpc>
@@ -3036,10 +8115,17 @@
           <a:spcPct val="0"/>
         </a:spcBef>
         <a:buNone/>
-        <a:defRPr sz="4400" kern="1200">
+        <a:defRPr sz="3400" b="1" i="0" kern="1200" cap="all">
           <a:solidFill>
             <a:schemeClr val="tx1"/>
           </a:solidFill>
+          <a:effectLst>
+            <a:outerShdw blurRad="50800" dist="63500" dir="2700000" algn="tl" rotWithShape="0">
+              <a:srgbClr val="000000">
+                <a:alpha val="48000"/>
+              </a:srgbClr>
+            </a:outerShdw>
+          </a:effectLst>
           <a:latin typeface="+mj-lt"/>
           <a:ea typeface="+mj-ea"/>
           <a:cs typeface="+mj-cs"/>
@@ -3049,17 +8135,24 @@
     <p:bodyStyle>
       <a:lvl1pPr marL="228600" indent="-228600" algn="l" defTabSz="914400" rtl="0" eaLnBrk="1" latinLnBrk="0" hangingPunct="1">
         <a:lnSpc>
-          <a:spcPct val="90000"/>
+          <a:spcPct val="120000"/>
         </a:lnSpc>
         <a:spcBef>
           <a:spcPts val="1000"/>
         </a:spcBef>
         <a:buFont typeface="Arial" panose="020B0604020202020204" pitchFamily="34" charset="0"/>
         <a:buChar char="•"/>
-        <a:defRPr sz="2800" kern="1200">
+        <a:defRPr sz="2000" kern="1200">
           <a:solidFill>
             <a:schemeClr val="tx1"/>
           </a:solidFill>
+          <a:effectLst>
+            <a:outerShdw blurRad="50800" dist="38100" dir="2700000" algn="tl" rotWithShape="0">
+              <a:srgbClr val="000000">
+                <a:alpha val="48000"/>
+              </a:srgbClr>
+            </a:outerShdw>
+          </a:effectLst>
           <a:latin typeface="+mn-lt"/>
           <a:ea typeface="+mn-ea"/>
           <a:cs typeface="+mn-cs"/>
@@ -3067,43 +8160,7 @@
       </a:lvl1pPr>
       <a:lvl2pPr marL="685800" indent="-228600" algn="l" defTabSz="914400" rtl="0" eaLnBrk="1" latinLnBrk="0" hangingPunct="1">
         <a:lnSpc>
-          <a:spcPct val="90000"/>
-        </a:lnSpc>
-        <a:spcBef>
-          <a:spcPts val="500"/>
-        </a:spcBef>
-        <a:buFont typeface="Arial" panose="020B0604020202020204" pitchFamily="34" charset="0"/>
-        <a:buChar char="•"/>
-        <a:defRPr sz="2400" kern="1200">
-          <a:solidFill>
-            <a:schemeClr val="tx1"/>
-          </a:solidFill>
-          <a:latin typeface="+mn-lt"/>
-          <a:ea typeface="+mn-ea"/>
-          <a:cs typeface="+mn-cs"/>
-        </a:defRPr>
-      </a:lvl2pPr>
-      <a:lvl3pPr marL="1143000" indent="-228600" algn="l" defTabSz="914400" rtl="0" eaLnBrk="1" latinLnBrk="0" hangingPunct="1">
-        <a:lnSpc>
-          <a:spcPct val="90000"/>
-        </a:lnSpc>
-        <a:spcBef>
-          <a:spcPts val="500"/>
-        </a:spcBef>
-        <a:buFont typeface="Arial" panose="020B0604020202020204" pitchFamily="34" charset="0"/>
-        <a:buChar char="•"/>
-        <a:defRPr sz="2000" kern="1200">
-          <a:solidFill>
-            <a:schemeClr val="tx1"/>
-          </a:solidFill>
-          <a:latin typeface="+mn-lt"/>
-          <a:ea typeface="+mn-ea"/>
-          <a:cs typeface="+mn-cs"/>
-        </a:defRPr>
-      </a:lvl3pPr>
-      <a:lvl4pPr marL="1600200" indent="-228600" algn="l" defTabSz="914400" rtl="0" eaLnBrk="1" latinLnBrk="0" hangingPunct="1">
-        <a:lnSpc>
-          <a:spcPct val="90000"/>
+          <a:spcPct val="120000"/>
         </a:lnSpc>
         <a:spcBef>
           <a:spcPts val="500"/>
@@ -3114,6 +8171,63 @@
           <a:solidFill>
             <a:schemeClr val="tx1"/>
           </a:solidFill>
+          <a:effectLst>
+            <a:outerShdw blurRad="50800" dist="38100" dir="2700000" algn="tl" rotWithShape="0">
+              <a:srgbClr val="000000">
+                <a:alpha val="48000"/>
+              </a:srgbClr>
+            </a:outerShdw>
+          </a:effectLst>
+          <a:latin typeface="+mn-lt"/>
+          <a:ea typeface="+mn-ea"/>
+          <a:cs typeface="+mn-cs"/>
+        </a:defRPr>
+      </a:lvl2pPr>
+      <a:lvl3pPr marL="1143000" indent="-228600" algn="l" defTabSz="914400" rtl="0" eaLnBrk="1" latinLnBrk="0" hangingPunct="1">
+        <a:lnSpc>
+          <a:spcPct val="120000"/>
+        </a:lnSpc>
+        <a:spcBef>
+          <a:spcPts val="500"/>
+        </a:spcBef>
+        <a:buFont typeface="Arial" panose="020B0604020202020204" pitchFamily="34" charset="0"/>
+        <a:buChar char="•"/>
+        <a:defRPr sz="1600" kern="1200">
+          <a:solidFill>
+            <a:schemeClr val="tx1"/>
+          </a:solidFill>
+          <a:effectLst>
+            <a:outerShdw blurRad="50800" dist="38100" dir="2700000" algn="tl" rotWithShape="0">
+              <a:srgbClr val="000000">
+                <a:alpha val="48000"/>
+              </a:srgbClr>
+            </a:outerShdw>
+          </a:effectLst>
+          <a:latin typeface="+mn-lt"/>
+          <a:ea typeface="+mn-ea"/>
+          <a:cs typeface="+mn-cs"/>
+        </a:defRPr>
+      </a:lvl3pPr>
+      <a:lvl4pPr marL="1600200" indent="-228600" algn="l" defTabSz="914400" rtl="0" eaLnBrk="1" latinLnBrk="0" hangingPunct="1">
+        <a:lnSpc>
+          <a:spcPct val="120000"/>
+        </a:lnSpc>
+        <a:spcBef>
+          <a:spcPts val="500"/>
+        </a:spcBef>
+        <a:buFont typeface="Arial" panose="020B0604020202020204" pitchFamily="34" charset="0"/>
+        <a:buChar char="•"/>
+        <a:defRPr sz="1400" kern="1200">
+          <a:solidFill>
+            <a:schemeClr val="tx1"/>
+          </a:solidFill>
+          <a:effectLst>
+            <a:outerShdw blurRad="50800" dist="38100" dir="2700000" algn="tl" rotWithShape="0">
+              <a:srgbClr val="000000">
+                <a:alpha val="48000"/>
+              </a:srgbClr>
+            </a:outerShdw>
+          </a:effectLst>
           <a:latin typeface="+mn-lt"/>
           <a:ea typeface="+mn-ea"/>
           <a:cs typeface="+mn-cs"/>
@@ -3121,17 +8235,24 @@
       </a:lvl4pPr>
       <a:lvl5pPr marL="2057400" indent="-228600" algn="l" defTabSz="914400" rtl="0" eaLnBrk="1" latinLnBrk="0" hangingPunct="1">
         <a:lnSpc>
-          <a:spcPct val="90000"/>
+          <a:spcPct val="120000"/>
         </a:lnSpc>
         <a:spcBef>
           <a:spcPts val="500"/>
         </a:spcBef>
         <a:buFont typeface="Arial" panose="020B0604020202020204" pitchFamily="34" charset="0"/>
         <a:buChar char="•"/>
-        <a:defRPr sz="1800" kern="1200">
+        <a:defRPr sz="1200" kern="1200">
           <a:solidFill>
             <a:schemeClr val="tx1"/>
           </a:solidFill>
+          <a:effectLst>
+            <a:outerShdw blurRad="50800" dist="38100" dir="2700000" algn="tl" rotWithShape="0">
+              <a:srgbClr val="000000">
+                <a:alpha val="48000"/>
+              </a:srgbClr>
+            </a:outerShdw>
+          </a:effectLst>
           <a:latin typeface="+mn-lt"/>
           <a:ea typeface="+mn-ea"/>
           <a:cs typeface="+mn-cs"/>
@@ -3139,17 +8260,24 @@
       </a:lvl5pPr>
       <a:lvl6pPr marL="2514600" indent="-228600" algn="l" defTabSz="914400" rtl="0" eaLnBrk="1" latinLnBrk="0" hangingPunct="1">
         <a:lnSpc>
-          <a:spcPct val="90000"/>
+          <a:spcPct val="120000"/>
         </a:lnSpc>
         <a:spcBef>
           <a:spcPts val="500"/>
         </a:spcBef>
         <a:buFont typeface="Arial" panose="020B0604020202020204" pitchFamily="34" charset="0"/>
         <a:buChar char="•"/>
-        <a:defRPr sz="1800" kern="1200">
+        <a:defRPr sz="1200" kern="1200">
           <a:solidFill>
             <a:schemeClr val="tx1"/>
           </a:solidFill>
+          <a:effectLst>
+            <a:outerShdw blurRad="50800" dist="38100" dir="2700000" algn="tl" rotWithShape="0">
+              <a:srgbClr val="000000">
+                <a:alpha val="48000"/>
+              </a:srgbClr>
+            </a:outerShdw>
+          </a:effectLst>
           <a:latin typeface="+mn-lt"/>
           <a:ea typeface="+mn-ea"/>
           <a:cs typeface="+mn-cs"/>
@@ -3157,17 +8285,24 @@
       </a:lvl6pPr>
       <a:lvl7pPr marL="2971800" indent="-228600" algn="l" defTabSz="914400" rtl="0" eaLnBrk="1" latinLnBrk="0" hangingPunct="1">
         <a:lnSpc>
-          <a:spcPct val="90000"/>
+          <a:spcPct val="120000"/>
         </a:lnSpc>
         <a:spcBef>
           <a:spcPts val="500"/>
         </a:spcBef>
         <a:buFont typeface="Arial" panose="020B0604020202020204" pitchFamily="34" charset="0"/>
         <a:buChar char="•"/>
-        <a:defRPr sz="1800" kern="1200">
+        <a:defRPr sz="1200" kern="1200">
           <a:solidFill>
             <a:schemeClr val="tx1"/>
           </a:solidFill>
+          <a:effectLst>
+            <a:outerShdw blurRad="50800" dist="38100" dir="2700000" algn="tl" rotWithShape="0">
+              <a:srgbClr val="000000">
+                <a:alpha val="48000"/>
+              </a:srgbClr>
+            </a:outerShdw>
+          </a:effectLst>
           <a:latin typeface="+mn-lt"/>
           <a:ea typeface="+mn-ea"/>
           <a:cs typeface="+mn-cs"/>
@@ -3175,17 +8310,24 @@
       </a:lvl7pPr>
       <a:lvl8pPr marL="3429000" indent="-228600" algn="l" defTabSz="914400" rtl="0" eaLnBrk="1" latinLnBrk="0" hangingPunct="1">
         <a:lnSpc>
-          <a:spcPct val="90000"/>
+          <a:spcPct val="120000"/>
         </a:lnSpc>
         <a:spcBef>
           <a:spcPts val="500"/>
         </a:spcBef>
         <a:buFont typeface="Arial" panose="020B0604020202020204" pitchFamily="34" charset="0"/>
         <a:buChar char="•"/>
-        <a:defRPr sz="1800" kern="1200">
+        <a:defRPr sz="1200" kern="1200">
           <a:solidFill>
             <a:schemeClr val="tx1"/>
           </a:solidFill>
+          <a:effectLst>
+            <a:outerShdw blurRad="50800" dist="38100" dir="2700000" algn="tl" rotWithShape="0">
+              <a:srgbClr val="000000">
+                <a:alpha val="48000"/>
+              </a:srgbClr>
+            </a:outerShdw>
+          </a:effectLst>
           <a:latin typeface="+mn-lt"/>
           <a:ea typeface="+mn-ea"/>
           <a:cs typeface="+mn-cs"/>
@@ -3193,17 +8335,24 @@
       </a:lvl8pPr>
       <a:lvl9pPr marL="3886200" indent="-228600" algn="l" defTabSz="914400" rtl="0" eaLnBrk="1" latinLnBrk="0" hangingPunct="1">
         <a:lnSpc>
-          <a:spcPct val="90000"/>
+          <a:spcPct val="120000"/>
         </a:lnSpc>
         <a:spcBef>
           <a:spcPts val="500"/>
         </a:spcBef>
         <a:buFont typeface="Arial" panose="020B0604020202020204" pitchFamily="34" charset="0"/>
         <a:buChar char="•"/>
-        <a:defRPr sz="1800" kern="1200">
+        <a:defRPr sz="1200" kern="1200">
           <a:solidFill>
             <a:schemeClr val="tx1"/>
           </a:solidFill>
+          <a:effectLst>
+            <a:outerShdw blurRad="50800" dist="38100" dir="2700000" algn="tl" rotWithShape="0">
+              <a:srgbClr val="000000">
+                <a:alpha val="48000"/>
+              </a:srgbClr>
+            </a:outerShdw>
+          </a:effectLst>
           <a:latin typeface="+mn-lt"/>
           <a:ea typeface="+mn-ea"/>
           <a:cs typeface="+mn-cs"/>
@@ -3212,7 +8361,7 @@
     </p:bodyStyle>
     <p:otherStyle>
       <a:defPPr>
-        <a:defRPr lang="pl-PL"/>
+        <a:defRPr lang="en-US"/>
       </a:defPPr>
       <a:lvl1pPr marL="0" algn="l" defTabSz="914400" rtl="0" eaLnBrk="1" latinLnBrk="0" hangingPunct="1">
         <a:defRPr sz="1800" kern="1200">
@@ -3349,7 +8498,7 @@
           <a:p>
             <a:r>
               <a:rPr lang="pl-PL" dirty="0"/>
-              <a:t>#KarateKIID</a:t>
+              <a:t>MAGIW #KarateKIID</a:t>
             </a:r>
             <a:br>
               <a:rPr lang="pl-PL" dirty="0"/>
@@ -3383,14 +8532,23 @@
           <a:lstStyle/>
           <a:p>
             <a:r>
-              <a:rPr lang="pl-PL" dirty="0"/>
+              <a:rPr lang="pl-PL" dirty="0">
+                <a:latin typeface="Times New Roman" panose="02020603050405020304" pitchFamily="18" charset="0"/>
+                <a:cs typeface="Times New Roman" panose="02020603050405020304" pitchFamily="18" charset="0"/>
+              </a:rPr>
               <a:t>Zespół MAGIW: Anna Wawrzyńczak, Wiktoria Śliwińska, Izabela Telejko, Marcel Witas, Grzegorz </a:t>
             </a:r>
             <a:r>
-              <a:rPr lang="pl-PL" dirty="0" err="1"/>
+              <a:rPr lang="pl-PL" dirty="0" err="1">
+                <a:latin typeface="Times New Roman" panose="02020603050405020304" pitchFamily="18" charset="0"/>
+                <a:cs typeface="Times New Roman" panose="02020603050405020304" pitchFamily="18" charset="0"/>
+              </a:rPr>
               <a:t>Zbrzeżny</a:t>
             </a:r>
-            <a:endParaRPr lang="pl-PL" dirty="0"/>
+            <a:endParaRPr lang="pl-PL" dirty="0">
+              <a:latin typeface="Times New Roman" panose="02020603050405020304" pitchFamily="18" charset="0"/>
+              <a:cs typeface="Times New Roman" panose="02020603050405020304" pitchFamily="18" charset="0"/>
+            </a:endParaRPr>
           </a:p>
         </p:txBody>
       </p:sp>
@@ -3475,43 +8633,97 @@
           <a:lstStyle/>
           <a:p>
             <a:r>
-              <a:rPr lang="pl-PL" dirty="0" err="1"/>
+              <a:rPr lang="pl-PL" dirty="0" err="1">
+                <a:latin typeface="Times New Roman" panose="02020603050405020304" pitchFamily="18" charset="0"/>
+                <a:cs typeface="Times New Roman" panose="02020603050405020304" pitchFamily="18" charset="0"/>
+              </a:rPr>
               <a:t>BeatifulSoup</a:t>
             </a:r>
-            <a:endParaRPr lang="pl-PL" dirty="0"/>
-          </a:p>
-          <a:p>
-            <a:r>
-              <a:rPr lang="pl-PL" dirty="0"/>
+            <a:endParaRPr lang="pl-PL" dirty="0">
+              <a:latin typeface="Times New Roman" panose="02020603050405020304" pitchFamily="18" charset="0"/>
+              <a:cs typeface="Times New Roman" panose="02020603050405020304" pitchFamily="18" charset="0"/>
+            </a:endParaRPr>
+          </a:p>
+          <a:p>
+            <a:r>
+              <a:rPr lang="pl-PL" dirty="0">
+                <a:latin typeface="Times New Roman" panose="02020603050405020304" pitchFamily="18" charset="0"/>
+                <a:cs typeface="Times New Roman" panose="02020603050405020304" pitchFamily="18" charset="0"/>
+              </a:rPr>
               <a:t>Filtry (omijanie stron zewnętrznych, niektórych końcówek)</a:t>
             </a:r>
           </a:p>
           <a:p>
             <a:r>
-              <a:rPr lang="pl-PL" dirty="0" err="1"/>
+              <a:rPr lang="pl-PL" dirty="0" err="1">
+                <a:latin typeface="Times New Roman" panose="02020603050405020304" pitchFamily="18" charset="0"/>
+                <a:cs typeface="Times New Roman" panose="02020603050405020304" pitchFamily="18" charset="0"/>
+              </a:rPr>
               <a:t>Fuzzy</a:t>
             </a:r>
             <a:r>
-              <a:rPr lang="pl-PL" dirty="0"/>
+              <a:rPr lang="pl-PL" dirty="0">
+                <a:latin typeface="Times New Roman" panose="02020603050405020304" pitchFamily="18" charset="0"/>
+                <a:cs typeface="Times New Roman" panose="02020603050405020304" pitchFamily="18" charset="0"/>
+              </a:rPr>
               <a:t> </a:t>
             </a:r>
             <a:r>
-              <a:rPr lang="pl-PL" dirty="0" err="1"/>
+              <a:rPr lang="pl-PL" dirty="0" err="1">
+                <a:latin typeface="Times New Roman" panose="02020603050405020304" pitchFamily="18" charset="0"/>
+                <a:cs typeface="Times New Roman" panose="02020603050405020304" pitchFamily="18" charset="0"/>
+              </a:rPr>
               <a:t>Matching</a:t>
             </a:r>
             <a:r>
-              <a:rPr lang="pl-PL" dirty="0"/>
+              <a:rPr lang="pl-PL" dirty="0">
+                <a:latin typeface="Times New Roman" panose="02020603050405020304" pitchFamily="18" charset="0"/>
+                <a:cs typeface="Times New Roman" panose="02020603050405020304" pitchFamily="18" charset="0"/>
+              </a:rPr>
               <a:t> do wykrywania KIID-ów wśród PDF-ów</a:t>
             </a:r>
           </a:p>
           <a:p>
             <a:r>
-              <a:rPr lang="pl-PL" dirty="0"/>
+              <a:rPr lang="pl-PL" dirty="0">
+                <a:latin typeface="Times New Roman" panose="02020603050405020304" pitchFamily="18" charset="0"/>
+                <a:cs typeface="Times New Roman" panose="02020603050405020304" pitchFamily="18" charset="0"/>
+              </a:rPr>
               <a:t>Utworzenie tabeli z nazwami plików</a:t>
             </a:r>
           </a:p>
         </p:txBody>
       </p:sp>
+      <p:pic>
+        <p:nvPicPr>
+          <p:cNvPr id="5" name="Obraz 4">
+            <a:extLst>
+              <a:ext uri="{FF2B5EF4-FFF2-40B4-BE49-F238E27FC236}">
+                <a16:creationId xmlns:a16="http://schemas.microsoft.com/office/drawing/2014/main" id="{C0F495DD-ABA7-EE70-BA1C-C6B61B577B12}"/>
+              </a:ext>
+            </a:extLst>
+          </p:cNvPr>
+          <p:cNvPicPr>
+            <a:picLocks noChangeAspect="1"/>
+          </p:cNvPicPr>
+          <p:nvPr/>
+        </p:nvPicPr>
+        <p:blipFill>
+          <a:blip r:embed="rId2"/>
+          <a:stretch>
+            <a:fillRect/>
+          </a:stretch>
+        </p:blipFill>
+        <p:spPr>
+          <a:xfrm>
+            <a:off x="4622800" y="4217521"/>
+            <a:ext cx="6969760" cy="2219758"/>
+          </a:xfrm>
+          <a:prstGeom prst="rect">
+            <a:avLst/>
+          </a:prstGeom>
+        </p:spPr>
+      </p:pic>
     </p:spTree>
     <p:extLst>
       <p:ext uri="{BB962C8B-B14F-4D97-AF65-F5344CB8AC3E}">
@@ -3603,30 +8815,106 @@
           <a:lstStyle/>
           <a:p>
             <a:r>
-              <a:rPr lang="pl-PL"/>
+              <a:rPr lang="pl-PL" dirty="0" err="1">
+                <a:latin typeface="Times New Roman" panose="02020603050405020304" pitchFamily="18" charset="0"/>
+                <a:cs typeface="Times New Roman" panose="02020603050405020304" pitchFamily="18" charset="0"/>
+              </a:rPr>
               <a:t>pdfplumber</a:t>
             </a:r>
-          </a:p>
-          <a:p>
-            <a:r>
-              <a:rPr lang="pl-PL" dirty="0"/>
+            <a:endParaRPr lang="pl-PL" dirty="0">
+              <a:latin typeface="Times New Roman" panose="02020603050405020304" pitchFamily="18" charset="0"/>
+              <a:cs typeface="Times New Roman" panose="02020603050405020304" pitchFamily="18" charset="0"/>
+            </a:endParaRPr>
+          </a:p>
+          <a:p>
+            <a:r>
+              <a:rPr lang="pl-PL" dirty="0">
+                <a:latin typeface="Times New Roman" panose="02020603050405020304" pitchFamily="18" charset="0"/>
+                <a:cs typeface="Times New Roman" panose="02020603050405020304" pitchFamily="18" charset="0"/>
+              </a:rPr>
               <a:t>Utworzenie kolumn ze specyfikacji</a:t>
             </a:r>
           </a:p>
           <a:p>
             <a:r>
-              <a:rPr lang="pl-PL" dirty="0"/>
+              <a:rPr lang="pl-PL" dirty="0">
+                <a:latin typeface="Times New Roman" panose="02020603050405020304" pitchFamily="18" charset="0"/>
+                <a:cs typeface="Times New Roman" panose="02020603050405020304" pitchFamily="18" charset="0"/>
+              </a:rPr>
+              <a:t>Wiele warunków, wynikających z różnorodności dokumentów</a:t>
+            </a:r>
+          </a:p>
+          <a:p>
+            <a:r>
+              <a:rPr lang="pl-PL" dirty="0">
+                <a:latin typeface="Times New Roman" panose="02020603050405020304" pitchFamily="18" charset="0"/>
+                <a:cs typeface="Times New Roman" panose="02020603050405020304" pitchFamily="18" charset="0"/>
+              </a:rPr>
               <a:t>Wyrażenia regularne</a:t>
             </a:r>
           </a:p>
-          <a:p>
-            <a:r>
-              <a:rPr lang="pl-PL" dirty="0"/>
-              <a:t>Wiele warunków, wynikających z różnorodności dokumentów</a:t>
-            </a:r>
-          </a:p>
-        </p:txBody>
-      </p:sp>
+        </p:txBody>
+      </p:sp>
+      <p:pic>
+        <p:nvPicPr>
+          <p:cNvPr id="5" name="Obraz 4">
+            <a:extLst>
+              <a:ext uri="{FF2B5EF4-FFF2-40B4-BE49-F238E27FC236}">
+                <a16:creationId xmlns:a16="http://schemas.microsoft.com/office/drawing/2014/main" id="{84D69851-AF46-5D71-7B0E-E2B413B29347}"/>
+              </a:ext>
+            </a:extLst>
+          </p:cNvPr>
+          <p:cNvPicPr>
+            <a:picLocks noChangeAspect="1"/>
+          </p:cNvPicPr>
+          <p:nvPr/>
+        </p:nvPicPr>
+        <p:blipFill>
+          <a:blip r:embed="rId2"/>
+          <a:stretch>
+            <a:fillRect/>
+          </a:stretch>
+        </p:blipFill>
+        <p:spPr>
+          <a:xfrm>
+            <a:off x="7162229" y="3670268"/>
+            <a:ext cx="2584035" cy="3002280"/>
+          </a:xfrm>
+          <a:prstGeom prst="rect">
+            <a:avLst/>
+          </a:prstGeom>
+        </p:spPr>
+      </p:pic>
+      <p:pic>
+        <p:nvPicPr>
+          <p:cNvPr id="7" name="Obraz 6">
+            <a:extLst>
+              <a:ext uri="{FF2B5EF4-FFF2-40B4-BE49-F238E27FC236}">
+                <a16:creationId xmlns:a16="http://schemas.microsoft.com/office/drawing/2014/main" id="{794A459E-339C-F94D-7DFF-14D43604CED7}"/>
+              </a:ext>
+            </a:extLst>
+          </p:cNvPr>
+          <p:cNvPicPr>
+            <a:picLocks noChangeAspect="1"/>
+          </p:cNvPicPr>
+          <p:nvPr/>
+        </p:nvPicPr>
+        <p:blipFill>
+          <a:blip r:embed="rId3"/>
+          <a:stretch>
+            <a:fillRect/>
+          </a:stretch>
+        </p:blipFill>
+        <p:spPr>
+          <a:xfrm>
+            <a:off x="9746264" y="3670268"/>
+            <a:ext cx="2138242" cy="3002280"/>
+          </a:xfrm>
+          <a:prstGeom prst="rect">
+            <a:avLst/>
+          </a:prstGeom>
+        </p:spPr>
+      </p:pic>
     </p:spTree>
     <p:extLst>
       <p:ext uri="{BB962C8B-B14F-4D97-AF65-F5344CB8AC3E}">
@@ -3716,23 +9004,65 @@
           <a:lstStyle/>
           <a:p>
             <a:r>
-              <a:rPr lang="pl-PL" dirty="0" err="1"/>
+              <a:rPr lang="pl-PL" dirty="0" err="1">
+                <a:latin typeface="Times New Roman" panose="02020603050405020304" pitchFamily="18" charset="0"/>
+                <a:cs typeface="Times New Roman" panose="02020603050405020304" pitchFamily="18" charset="0"/>
+              </a:rPr>
               <a:t>Spacy</a:t>
             </a:r>
+            <a:endParaRPr lang="pl-PL" dirty="0">
+              <a:latin typeface="Times New Roman" panose="02020603050405020304" pitchFamily="18" charset="0"/>
+              <a:cs typeface="Times New Roman" panose="02020603050405020304" pitchFamily="18" charset="0"/>
+            </a:endParaRPr>
+          </a:p>
+          <a:p>
+            <a:r>
+              <a:rPr lang="pl-PL" dirty="0" err="1">
+                <a:latin typeface="Times New Roman" panose="02020603050405020304" pitchFamily="18" charset="0"/>
+                <a:cs typeface="Times New Roman" panose="02020603050405020304" pitchFamily="18" charset="0"/>
+              </a:rPr>
+              <a:t>Lematyzacja</a:t>
+            </a:r>
+            <a:endParaRPr lang="pl-PL" dirty="0">
+              <a:latin typeface="Times New Roman" panose="02020603050405020304" pitchFamily="18" charset="0"/>
+              <a:cs typeface="Times New Roman" panose="02020603050405020304" pitchFamily="18" charset="0"/>
+            </a:endParaRPr>
+          </a:p>
+          <a:p>
             <a:endParaRPr lang="pl-PL" dirty="0"/>
           </a:p>
-          <a:p>
-            <a:r>
-              <a:rPr lang="pl-PL" dirty="0" err="1"/>
-              <a:t>Lematyzacja</a:t>
-            </a:r>
-            <a:endParaRPr lang="pl-PL" dirty="0"/>
-          </a:p>
-          <a:p>
-            <a:endParaRPr lang="pl-PL" dirty="0"/>
-          </a:p>
-        </p:txBody>
-      </p:sp>
+        </p:txBody>
+      </p:sp>
+      <p:pic>
+        <p:nvPicPr>
+          <p:cNvPr id="4" name="Obraz 3">
+            <a:extLst>
+              <a:ext uri="{FF2B5EF4-FFF2-40B4-BE49-F238E27FC236}">
+                <a16:creationId xmlns:a16="http://schemas.microsoft.com/office/drawing/2014/main" id="{B401A06E-B89C-7F2E-D899-CFC1D5D23386}"/>
+              </a:ext>
+            </a:extLst>
+          </p:cNvPr>
+          <p:cNvPicPr>
+            <a:picLocks noChangeAspect="1"/>
+          </p:cNvPicPr>
+          <p:nvPr/>
+        </p:nvPicPr>
+        <p:blipFill>
+          <a:blip r:embed="rId2"/>
+          <a:stretch>
+            <a:fillRect/>
+          </a:stretch>
+        </p:blipFill>
+        <p:spPr>
+          <a:xfrm>
+            <a:off x="7863956" y="3371850"/>
+            <a:ext cx="3200400" cy="2419350"/>
+          </a:xfrm>
+          <a:prstGeom prst="rect">
+            <a:avLst/>
+          </a:prstGeom>
+        </p:spPr>
+      </p:pic>
     </p:spTree>
     <p:extLst>
       <p:ext uri="{BB962C8B-B14F-4D97-AF65-F5344CB8AC3E}">
@@ -3749,6 +9079,28 @@
 <file path=ppt/slides/slide5.xml><?xml version="1.0" encoding="utf-8"?>
 <p:sld xmlns:a="http://schemas.openxmlformats.org/drawingml/2006/main" xmlns:r="http://schemas.openxmlformats.org/officeDocument/2006/relationships" xmlns:p="http://schemas.openxmlformats.org/presentationml/2006/main">
   <p:cSld>
+    <p:bg>
+      <p:bgPr>
+        <a:blipFill rotWithShape="1">
+          <a:blip r:embed="rId2">
+            <a:duotone>
+              <a:schemeClr val="bg2">
+                <a:shade val="18000"/>
+                <a:satMod val="160000"/>
+                <a:lumMod val="28000"/>
+              </a:schemeClr>
+              <a:schemeClr val="bg2">
+                <a:tint val="95000"/>
+                <a:satMod val="160000"/>
+                <a:lumMod val="116000"/>
+              </a:schemeClr>
+            </a:duotone>
+          </a:blip>
+          <a:stretch/>
+        </a:blipFill>
+        <a:effectLst/>
+      </p:bgPr>
+    </p:bg>
     <p:spTree>
       <p:nvGrpSpPr>
         <p:cNvPr id="1" name=""/>
@@ -3779,7 +9131,12 @@
             <p:ph type="title"/>
           </p:nvPr>
         </p:nvSpPr>
-        <p:spPr/>
+        <p:spPr>
+          <a:xfrm>
+            <a:off x="913795" y="609600"/>
+            <a:ext cx="10353761" cy="1326321"/>
+          </a:xfrm>
+        </p:spPr>
         <p:txBody>
           <a:bodyPr>
             <a:normAutofit/>
@@ -3796,7 +9153,7 @@
               <a:rPr lang="pl-PL" i="0" dirty="0" err="1">
                 <a:effectLst/>
               </a:rPr>
-              <a:t>obecości</a:t>
+              <a:t>obecNości</a:t>
             </a:r>
             <a:r>
               <a:rPr lang="pl-PL" i="0" dirty="0">
@@ -3808,52 +9165,37 @@
           </a:p>
         </p:txBody>
       </p:sp>
-      <p:sp>
-        <p:nvSpPr>
-          <p:cNvPr id="3" name="Symbol zastępczy zawartości 2">
+      <p:graphicFrame>
+        <p:nvGraphicFramePr>
+          <p:cNvPr id="5" name="Symbol zastępczy zawartości 2">
             <a:extLst>
               <a:ext uri="{FF2B5EF4-FFF2-40B4-BE49-F238E27FC236}">
-                <a16:creationId xmlns:a16="http://schemas.microsoft.com/office/drawing/2014/main" id="{6089678E-05B1-2805-F7F1-169CA89BB547}"/>
+                <a16:creationId xmlns:a16="http://schemas.microsoft.com/office/drawing/2014/main" id="{F6A09FB7-CD58-8C2A-9181-0D5FF6A1878A}"/>
               </a:ext>
             </a:extLst>
           </p:cNvPr>
-          <p:cNvSpPr>
-            <a:spLocks noGrp="1"/>
-          </p:cNvSpPr>
+          <p:cNvGraphicFramePr>
+            <a:graphicFrameLocks noGrp="1"/>
+          </p:cNvGraphicFramePr>
           <p:nvPr>
             <p:ph idx="1"/>
-          </p:nvPr>
-        </p:nvSpPr>
-        <p:spPr/>
-        <p:txBody>
-          <a:bodyPr/>
-          <a:lstStyle/>
-          <a:p>
-            <a:r>
-              <a:rPr lang="pl-PL" dirty="0" err="1"/>
-              <a:t>Fuzzy</a:t>
-            </a:r>
-            <a:r>
-              <a:rPr lang="pl-PL" dirty="0"/>
-              <a:t> </a:t>
-            </a:r>
-            <a:r>
-              <a:rPr lang="pl-PL" dirty="0" err="1"/>
-              <a:t>Matching</a:t>
-            </a:r>
-            <a:r>
-              <a:rPr lang="pl-PL" dirty="0"/>
-              <a:t> </a:t>
-            </a:r>
-          </a:p>
-          <a:p>
-            <a:r>
-              <a:rPr lang="pl-PL" dirty="0"/>
-              <a:t>Dokładność 95%</a:t>
-            </a:r>
-          </a:p>
-        </p:txBody>
-      </p:sp>
+            <p:extLst>
+              <p:ext uri="{D42A27DB-BD31-4B8C-83A1-F6EECF244321}">
+                <p14:modId xmlns:p14="http://schemas.microsoft.com/office/powerpoint/2010/main" val="1159553312"/>
+              </p:ext>
+            </p:extLst>
+          </p:nvPr>
+        </p:nvGraphicFramePr>
+        <p:xfrm>
+          <a:off x="914400" y="2257654"/>
+          <a:ext cx="10353675" cy="3303888"/>
+        </p:xfrm>
+        <a:graphic>
+          <a:graphicData uri="http://schemas.openxmlformats.org/drawingml/2006/diagram">
+            <dgm:relIds xmlns:dgm="http://schemas.openxmlformats.org/drawingml/2006/diagram" xmlns:r="http://schemas.openxmlformats.org/officeDocument/2006/relationships" r:dm="rId3" r:lo="rId4" r:qs="rId5" r:cs="rId6"/>
+          </a:graphicData>
+        </a:graphic>
+      </p:graphicFrame>
     </p:spTree>
     <p:extLst>
       <p:ext uri="{BB962C8B-B14F-4D97-AF65-F5344CB8AC3E}">
@@ -3937,6 +9279,53 @@
           </a:p>
         </p:txBody>
       </p:sp>
+      <p:pic>
+        <p:nvPicPr>
+          <p:cNvPr id="1026" name="Picture 2" descr="Może być zdjęciem przedstawiającym tekst">
+            <a:extLst>
+              <a:ext uri="{FF2B5EF4-FFF2-40B4-BE49-F238E27FC236}">
+                <a16:creationId xmlns:a16="http://schemas.microsoft.com/office/drawing/2014/main" id="{CA1D2A98-1E0E-B5E0-A050-DEA44E299679}"/>
+              </a:ext>
+            </a:extLst>
+          </p:cNvPr>
+          <p:cNvPicPr>
+            <a:picLocks noChangeAspect="1" noChangeArrowheads="1"/>
+          </p:cNvPicPr>
+          <p:nvPr/>
+        </p:nvPicPr>
+        <p:blipFill>
+          <a:blip r:embed="rId2">
+            <a:extLst>
+              <a:ext uri="{28A0092B-C50C-407E-A947-70E740481C1C}">
+                <a14:useLocalDpi xmlns:a14="http://schemas.microsoft.com/office/drawing/2010/main" val="0"/>
+              </a:ext>
+            </a:extLst>
+          </a:blip>
+          <a:srcRect/>
+          <a:stretch>
+            <a:fillRect/>
+          </a:stretch>
+        </p:blipFill>
+        <p:spPr bwMode="auto">
+          <a:xfrm>
+            <a:off x="3830320" y="1935921"/>
+            <a:ext cx="4118610" cy="4118610"/>
+          </a:xfrm>
+          <a:prstGeom prst="rect">
+            <a:avLst/>
+          </a:prstGeom>
+          <a:noFill/>
+          <a:extLst>
+            <a:ext uri="{909E8E84-426E-40DD-AFC4-6F175D3DCCD1}">
+              <a14:hiddenFill xmlns:a14="http://schemas.microsoft.com/office/drawing/2010/main">
+                <a:solidFill>
+                  <a:srgbClr val="FFFFFF"/>
+                </a:solidFill>
+              </a14:hiddenFill>
+            </a:ext>
+          </a:extLst>
+        </p:spPr>
+      </p:pic>
     </p:spTree>
     <p:extLst>
       <p:ext uri="{BB962C8B-B14F-4D97-AF65-F5344CB8AC3E}">
@@ -3951,9 +9340,9 @@
 </file>
 
 <file path=ppt/theme/theme1.xml><?xml version="1.0" encoding="utf-8"?>
-<a:theme xmlns:a="http://schemas.openxmlformats.org/drawingml/2006/main" name="Motyw pakietu Office">
+<a:theme xmlns:a="http://schemas.openxmlformats.org/drawingml/2006/main" name="Damask">
   <a:themeElements>
-    <a:clrScheme name="Pakiet Office">
+    <a:clrScheme name="Damask">
       <a:dk1>
         <a:sysClr val="windowText" lastClr="000000"/>
       </a:dk1>
@@ -3961,44 +9350,44 @@
         <a:sysClr val="window" lastClr="FFFFFF"/>
       </a:lt1>
       <a:dk2>
-        <a:srgbClr val="44546A"/>
+        <a:srgbClr val="2A5B7F"/>
       </a:dk2>
       <a:lt2>
-        <a:srgbClr val="E7E6E6"/>
+        <a:srgbClr val="ABDAFC"/>
       </a:lt2>
       <a:accent1>
-        <a:srgbClr val="4472C4"/>
+        <a:srgbClr val="9EC544"/>
       </a:accent1>
       <a:accent2>
-        <a:srgbClr val="ED7D31"/>
+        <a:srgbClr val="50BEA3"/>
       </a:accent2>
       <a:accent3>
-        <a:srgbClr val="A5A5A5"/>
+        <a:srgbClr val="4A9CCC"/>
       </a:accent3>
       <a:accent4>
-        <a:srgbClr val="FFC000"/>
+        <a:srgbClr val="9A66CA"/>
       </a:accent4>
       <a:accent5>
-        <a:srgbClr val="5B9BD5"/>
+        <a:srgbClr val="C54F71"/>
       </a:accent5>
       <a:accent6>
-        <a:srgbClr val="70AD47"/>
+        <a:srgbClr val="DE9C3C"/>
       </a:accent6>
       <a:hlink>
-        <a:srgbClr val="0563C1"/>
+        <a:srgbClr val="6BA9DA"/>
       </a:hlink>
       <a:folHlink>
-        <a:srgbClr val="954F72"/>
+        <a:srgbClr val="A0BCD3"/>
       </a:folHlink>
     </a:clrScheme>
-    <a:fontScheme name="Pakiet Office">
+    <a:fontScheme name="Damask">
       <a:majorFont>
-        <a:latin typeface="Calibri Light" panose="020F0302020204030204"/>
+        <a:latin typeface="Bookman Old Style" panose="02050604050505020204"/>
         <a:ea typeface=""/>
         <a:cs typeface=""/>
-        <a:font script="Jpan" typeface="游ゴシック Light"/>
+        <a:font script="Jpan" typeface="ＭＳ Ｐゴシック"/>
         <a:font script="Hang" typeface="맑은 고딕"/>
-        <a:font script="Hans" typeface="等线 Light"/>
+        <a:font script="Hans" typeface="宋体"/>
         <a:font script="Hant" typeface="新細明體"/>
         <a:font script="Arab" typeface="Times New Roman"/>
         <a:font script="Hebr" typeface="Times New Roman"/>
@@ -4026,31 +9415,14 @@
         <a:font script="Viet" typeface="Times New Roman"/>
         <a:font script="Uigh" typeface="Microsoft Uighur"/>
         <a:font script="Geor" typeface="Sylfaen"/>
-        <a:font script="Armn" typeface="Arial"/>
-        <a:font script="Bugi" typeface="Leelawadee UI"/>
-        <a:font script="Bopo" typeface="Microsoft JhengHei"/>
-        <a:font script="Java" typeface="Javanese Text"/>
-        <a:font script="Lisu" typeface="Segoe UI"/>
-        <a:font script="Mymr" typeface="Myanmar Text"/>
-        <a:font script="Nkoo" typeface="Ebrima"/>
-        <a:font script="Olck" typeface="Nirmala UI"/>
-        <a:font script="Osma" typeface="Ebrima"/>
-        <a:font script="Phag" typeface="Phagspa"/>
-        <a:font script="Syrn" typeface="Estrangelo Edessa"/>
-        <a:font script="Syrj" typeface="Estrangelo Edessa"/>
-        <a:font script="Syre" typeface="Estrangelo Edessa"/>
-        <a:font script="Sora" typeface="Nirmala UI"/>
-        <a:font script="Tale" typeface="Microsoft Tai Le"/>
-        <a:font script="Talu" typeface="Microsoft New Tai Lue"/>
-        <a:font script="Tfng" typeface="Ebrima"/>
       </a:majorFont>
       <a:minorFont>
-        <a:latin typeface="Calibri" panose="020F0502020204030204"/>
+        <a:latin typeface="Rockwell" panose="02060603020205020403"/>
         <a:ea typeface=""/>
         <a:cs typeface=""/>
-        <a:font script="Jpan" typeface="游ゴシック"/>
+        <a:font script="Jpan" typeface="ＭＳ Ｐゴシック"/>
         <a:font script="Hang" typeface="맑은 고딕"/>
-        <a:font script="Hans" typeface="等线"/>
+        <a:font script="Hans" typeface="宋体"/>
         <a:font script="Hant" typeface="新細明體"/>
         <a:font script="Arab" typeface="Arial"/>
         <a:font script="Hebr" typeface="Arial"/>
@@ -4078,26 +9450,9 @@
         <a:font script="Viet" typeface="Arial"/>
         <a:font script="Uigh" typeface="Microsoft Uighur"/>
         <a:font script="Geor" typeface="Sylfaen"/>
-        <a:font script="Armn" typeface="Arial"/>
-        <a:font script="Bugi" typeface="Leelawadee UI"/>
-        <a:font script="Bopo" typeface="Microsoft JhengHei"/>
-        <a:font script="Java" typeface="Javanese Text"/>
-        <a:font script="Lisu" typeface="Segoe UI"/>
-        <a:font script="Mymr" typeface="Myanmar Text"/>
-        <a:font script="Nkoo" typeface="Ebrima"/>
-        <a:font script="Olck" typeface="Nirmala UI"/>
-        <a:font script="Osma" typeface="Ebrima"/>
-        <a:font script="Phag" typeface="Phagspa"/>
-        <a:font script="Syrn" typeface="Estrangelo Edessa"/>
-        <a:font script="Syrj" typeface="Estrangelo Edessa"/>
-        <a:font script="Syre" typeface="Estrangelo Edessa"/>
-        <a:font script="Sora" typeface="Nirmala UI"/>
-        <a:font script="Tale" typeface="Microsoft Tai Le"/>
-        <a:font script="Talu" typeface="Microsoft New Tai Lue"/>
-        <a:font script="Tfng" typeface="Ebrima"/>
       </a:minorFont>
     </a:fontScheme>
-    <a:fmtScheme name="Pakiet Office">
+    <a:fmtScheme name="Damask">
       <a:fillStyleLst>
         <a:solidFill>
           <a:schemeClr val="phClr"/>
@@ -4106,23 +9461,16 @@
           <a:gsLst>
             <a:gs pos="0">
               <a:schemeClr val="phClr">
+                <a:tint val="48000"/>
+                <a:satMod val="105000"/>
                 <a:lumMod val="110000"/>
-                <a:satMod val="105000"/>
-                <a:tint val="67000"/>
-              </a:schemeClr>
-            </a:gs>
-            <a:gs pos="50000">
-              <a:schemeClr val="phClr">
-                <a:lumMod val="105000"/>
-                <a:satMod val="103000"/>
-                <a:tint val="73000"/>
               </a:schemeClr>
             </a:gs>
             <a:gs pos="100000">
               <a:schemeClr val="phClr">
-                <a:lumMod val="105000"/>
+                <a:tint val="78000"/>
                 <a:satMod val="109000"/>
-                <a:tint val="81000"/>
+                <a:lumMod val="100000"/>
               </a:schemeClr>
             </a:gs>
           </a:gsLst>
@@ -4132,23 +9480,23 @@
           <a:gsLst>
             <a:gs pos="0">
               <a:schemeClr val="phClr">
-                <a:satMod val="103000"/>
-                <a:lumMod val="102000"/>
                 <a:tint val="94000"/>
+                <a:satMod val="100000"/>
+                <a:lumMod val="104000"/>
               </a:schemeClr>
             </a:gs>
-            <a:gs pos="50000">
+            <a:gs pos="69000">
               <a:schemeClr val="phClr">
-                <a:satMod val="110000"/>
-                <a:lumMod val="100000"/>
-                <a:shade val="100000"/>
+                <a:shade val="86000"/>
+                <a:satMod val="130000"/>
+                <a:lumMod val="102000"/>
               </a:schemeClr>
             </a:gs>
             <a:gs pos="100000">
               <a:schemeClr val="phClr">
-                <a:lumMod val="99000"/>
-                <a:satMod val="120000"/>
-                <a:shade val="78000"/>
+                <a:shade val="72000"/>
+                <a:satMod val="130000"/>
+                <a:lumMod val="100000"/>
               </a:schemeClr>
             </a:gs>
           </a:gsLst>
@@ -4156,26 +9504,23 @@
         </a:gradFill>
       </a:fillStyleLst>
       <a:lnStyleLst>
-        <a:ln w="6350" cap="flat" cmpd="sng" algn="ctr">
-          <a:solidFill>
-            <a:schemeClr val="phClr"/>
-          </a:solidFill>
-          <a:prstDash val="solid"/>
-          <a:miter lim="800000"/>
-        </a:ln>
         <a:ln w="12700" cap="flat" cmpd="sng" algn="ctr">
           <a:solidFill>
             <a:schemeClr val="phClr"/>
           </a:solidFill>
           <a:prstDash val="solid"/>
-          <a:miter lim="800000"/>
         </a:ln>
         <a:ln w="19050" cap="flat" cmpd="sng" algn="ctr">
           <a:solidFill>
             <a:schemeClr val="phClr"/>
           </a:solidFill>
           <a:prstDash val="solid"/>
-          <a:miter lim="800000"/>
+        </a:ln>
+        <a:ln w="25400" cap="flat" cmpd="sng" algn="ctr">
+          <a:solidFill>
+            <a:schemeClr val="phClr"/>
+          </a:solidFill>
+          <a:prstDash val="solid"/>
         </a:ln>
       </a:lnStyleLst>
       <a:effectStyleLst>
@@ -4183,16 +9528,31 @@
           <a:effectLst/>
         </a:effectStyle>
         <a:effectStyle>
-          <a:effectLst/>
+          <a:effectLst>
+            <a:outerShdw blurRad="50800" dist="38100" dir="5400000" sy="96000" rotWithShape="0">
+              <a:srgbClr val="000000">
+                <a:alpha val="54000"/>
+              </a:srgbClr>
+            </a:outerShdw>
+          </a:effectLst>
         </a:effectStyle>
         <a:effectStyle>
           <a:effectLst>
-            <a:outerShdw blurRad="57150" dist="19050" dir="5400000" algn="ctr" rotWithShape="0">
+            <a:outerShdw blurRad="76200" dist="38100" dir="5400000" algn="ctr" rotWithShape="0">
               <a:srgbClr val="000000">
-                <a:alpha val="63000"/>
+                <a:alpha val="76000"/>
               </a:srgbClr>
             </a:outerShdw>
           </a:effectLst>
+          <a:scene3d>
+            <a:camera prst="orthographicFront">
+              <a:rot lat="0" lon="0" rev="0"/>
+            </a:camera>
+            <a:lightRig rig="balanced" dir="t"/>
+          </a:scene3d>
+          <a:sp3d prstMaterial="matte">
+            <a:bevelT w="25400" h="25400" prst="relaxedInset"/>
+          </a:sp3d>
         </a:effectStyle>
       </a:effectStyleLst>
       <a:bgFillStyleLst>
@@ -4205,33 +9565,23 @@
             <a:satMod val="170000"/>
           </a:schemeClr>
         </a:solidFill>
-        <a:gradFill rotWithShape="1">
-          <a:gsLst>
-            <a:gs pos="0">
+        <a:blipFill rotWithShape="1">
+          <a:blip xmlns:r="http://schemas.openxmlformats.org/officeDocument/2006/relationships" r:embed="rId1">
+            <a:duotone>
               <a:schemeClr val="phClr">
-                <a:tint val="93000"/>
-                <a:satMod val="150000"/>
-                <a:shade val="98000"/>
-                <a:lumMod val="102000"/>
+                <a:shade val="18000"/>
+                <a:satMod val="160000"/>
+                <a:lumMod val="28000"/>
               </a:schemeClr>
-            </a:gs>
-            <a:gs pos="50000">
               <a:schemeClr val="phClr">
-                <a:tint val="98000"/>
-                <a:satMod val="130000"/>
-                <a:shade val="90000"/>
-                <a:lumMod val="103000"/>
+                <a:tint val="95000"/>
+                <a:satMod val="160000"/>
+                <a:lumMod val="116000"/>
               </a:schemeClr>
-            </a:gs>
-            <a:gs pos="100000">
-              <a:schemeClr val="phClr">
-                <a:shade val="63000"/>
-                <a:satMod val="120000"/>
-              </a:schemeClr>
-            </a:gs>
-          </a:gsLst>
-          <a:lin ang="5400000" scaled="0"/>
-        </a:gradFill>
+            </a:duotone>
+          </a:blip>
+          <a:stretch/>
+        </a:blipFill>
       </a:bgFillStyleLst>
     </a:fmtScheme>
   </a:themeElements>
@@ -4239,7 +9589,7 @@
   <a:extraClrSchemeLst/>
   <a:extLst>
     <a:ext uri="{05A4C25C-085E-4340-85A3-A5531E510DB2}">
-      <thm15:themeFamily xmlns:thm15="http://schemas.microsoft.com/office/thememl/2012/main" name="Office Theme" id="{62F939B6-93AF-4DB8-9C6B-D6C7DFDC589F}" vid="{4A3C46E8-61CC-4603-A589-7422A47A8E4A}"/>
+      <thm15:themeFamily xmlns:thm15="http://schemas.microsoft.com/office/thememl/2012/main" name="Damask" id="{F9A299A0-33D0-4E0F-9F3F-7163E3744208}" vid="{746EEEEA-FB6A-406B-B510-531588D54811}"/>
     </a:ext>
   </a:extLst>
 </a:theme>
